--- a/flexil 속지 template.pptx
+++ b/flexil 속지 template.pptx
@@ -2,18 +2,20 @@
 <file path=ppt/presentation.xml><?xml version="1.0" encoding="utf-8"?>
 <p:presentation xmlns:a="http://schemas.openxmlformats.org/drawingml/2006/main" xmlns:r="http://schemas.openxmlformats.org/officeDocument/2006/relationships" xmlns:p="http://schemas.openxmlformats.org/presentationml/2006/main" saveSubsetFonts="1">
   <p:sldMasterIdLst>
-    <p:sldMasterId id="2147483648" r:id="rId1"/>
+    <p:sldMasterId id="2147483672" r:id="rId1"/>
   </p:sldMasterIdLst>
   <p:sldIdLst>
     <p:sldId id="256" r:id="rId2"/>
+    <p:sldId id="257" r:id="rId3"/>
+    <p:sldId id="258" r:id="rId4"/>
   </p:sldIdLst>
-  <p:sldSz cx="12192000" cy="6858000"/>
+  <p:sldSz cx="13031788" cy="9756775"/>
   <p:notesSz cx="6858000" cy="9144000"/>
   <p:defaultTextStyle>
     <a:defPPr>
-      <a:defRPr lang="ko-KR"/>
+      <a:defRPr lang="en-US"/>
     </a:defPPr>
-    <a:lvl1pPr marL="0" algn="l" defTabSz="914400" rtl="0" eaLnBrk="1" latinLnBrk="1" hangingPunct="1">
+    <a:lvl1pPr marL="0" algn="l" defTabSz="457200" rtl="0" eaLnBrk="1" latinLnBrk="0" hangingPunct="1">
       <a:defRPr sz="1800" kern="1200">
         <a:solidFill>
           <a:schemeClr val="tx1"/>
@@ -23,7 +25,7 @@
         <a:cs typeface="+mn-cs"/>
       </a:defRPr>
     </a:lvl1pPr>
-    <a:lvl2pPr marL="457200" algn="l" defTabSz="914400" rtl="0" eaLnBrk="1" latinLnBrk="1" hangingPunct="1">
+    <a:lvl2pPr marL="457200" algn="l" defTabSz="457200" rtl="0" eaLnBrk="1" latinLnBrk="0" hangingPunct="1">
       <a:defRPr sz="1800" kern="1200">
         <a:solidFill>
           <a:schemeClr val="tx1"/>
@@ -33,7 +35,7 @@
         <a:cs typeface="+mn-cs"/>
       </a:defRPr>
     </a:lvl2pPr>
-    <a:lvl3pPr marL="914400" algn="l" defTabSz="914400" rtl="0" eaLnBrk="1" latinLnBrk="1" hangingPunct="1">
+    <a:lvl3pPr marL="914400" algn="l" defTabSz="457200" rtl="0" eaLnBrk="1" latinLnBrk="0" hangingPunct="1">
       <a:defRPr sz="1800" kern="1200">
         <a:solidFill>
           <a:schemeClr val="tx1"/>
@@ -43,7 +45,7 @@
         <a:cs typeface="+mn-cs"/>
       </a:defRPr>
     </a:lvl3pPr>
-    <a:lvl4pPr marL="1371600" algn="l" defTabSz="914400" rtl="0" eaLnBrk="1" latinLnBrk="1" hangingPunct="1">
+    <a:lvl4pPr marL="1371600" algn="l" defTabSz="457200" rtl="0" eaLnBrk="1" latinLnBrk="0" hangingPunct="1">
       <a:defRPr sz="1800" kern="1200">
         <a:solidFill>
           <a:schemeClr val="tx1"/>
@@ -53,7 +55,7 @@
         <a:cs typeface="+mn-cs"/>
       </a:defRPr>
     </a:lvl4pPr>
-    <a:lvl5pPr marL="1828800" algn="l" defTabSz="914400" rtl="0" eaLnBrk="1" latinLnBrk="1" hangingPunct="1">
+    <a:lvl5pPr marL="1828800" algn="l" defTabSz="457200" rtl="0" eaLnBrk="1" latinLnBrk="0" hangingPunct="1">
       <a:defRPr sz="1800" kern="1200">
         <a:solidFill>
           <a:schemeClr val="tx1"/>
@@ -63,7 +65,7 @@
         <a:cs typeface="+mn-cs"/>
       </a:defRPr>
     </a:lvl5pPr>
-    <a:lvl6pPr marL="2286000" algn="l" defTabSz="914400" rtl="0" eaLnBrk="1" latinLnBrk="1" hangingPunct="1">
+    <a:lvl6pPr marL="2286000" algn="l" defTabSz="457200" rtl="0" eaLnBrk="1" latinLnBrk="0" hangingPunct="1">
       <a:defRPr sz="1800" kern="1200">
         <a:solidFill>
           <a:schemeClr val="tx1"/>
@@ -73,7 +75,7 @@
         <a:cs typeface="+mn-cs"/>
       </a:defRPr>
     </a:lvl6pPr>
-    <a:lvl7pPr marL="2743200" algn="l" defTabSz="914400" rtl="0" eaLnBrk="1" latinLnBrk="1" hangingPunct="1">
+    <a:lvl7pPr marL="2743200" algn="l" defTabSz="457200" rtl="0" eaLnBrk="1" latinLnBrk="0" hangingPunct="1">
       <a:defRPr sz="1800" kern="1200">
         <a:solidFill>
           <a:schemeClr val="tx1"/>
@@ -83,7 +85,7 @@
         <a:cs typeface="+mn-cs"/>
       </a:defRPr>
     </a:lvl7pPr>
-    <a:lvl8pPr marL="3200400" algn="l" defTabSz="914400" rtl="0" eaLnBrk="1" latinLnBrk="1" hangingPunct="1">
+    <a:lvl8pPr marL="3200400" algn="l" defTabSz="457200" rtl="0" eaLnBrk="1" latinLnBrk="0" hangingPunct="1">
       <a:defRPr sz="1800" kern="1200">
         <a:solidFill>
           <a:schemeClr val="tx1"/>
@@ -93,7 +95,7 @@
         <a:cs typeface="+mn-cs"/>
       </a:defRPr>
     </a:lvl8pPr>
-    <a:lvl9pPr marL="3657600" algn="l" defTabSz="914400" rtl="0" eaLnBrk="1" latinLnBrk="1" hangingPunct="1">
+    <a:lvl9pPr marL="3657600" algn="l" defTabSz="457200" rtl="0" eaLnBrk="1" latinLnBrk="0" hangingPunct="1">
       <a:defRPr sz="1800" kern="1200">
         <a:solidFill>
           <a:schemeClr val="tx1"/>
@@ -104,6 +106,11 @@
       </a:defRPr>
     </a:lvl9pPr>
   </p:defaultTextStyle>
+  <p:extLst>
+    <p:ext uri="{EFAFB233-063F-42B5-8137-9DF3F51BA10A}">
+      <p15:sldGuideLst xmlns:p15="http://schemas.microsoft.com/office/powerpoint/2012/main"/>
+    </p:ext>
+  </p:extLst>
 </p:presentation>
 </file>
 
@@ -126,7 +133,7 @@
       </p:grpSpPr>
       <p:sp>
         <p:nvSpPr>
-          <p:cNvPr id="2" name="제목 1"/>
+          <p:cNvPr id="2" name="Title 1"/>
           <p:cNvSpPr>
             <a:spLocks noGrp="1"/>
           </p:cNvSpPr>
@@ -136,29 +143,29 @@
         </p:nvSpPr>
         <p:spPr>
           <a:xfrm>
-            <a:off x="1524000" y="1122363"/>
-            <a:ext cx="9144000" cy="2387600"/>
+            <a:off x="977384" y="1596769"/>
+            <a:ext cx="11077020" cy="3396803"/>
           </a:xfrm>
         </p:spPr>
         <p:txBody>
           <a:bodyPr anchor="b"/>
           <a:lstStyle>
             <a:lvl1pPr algn="ctr">
-              <a:defRPr sz="6000"/>
+              <a:defRPr sz="8536"/>
             </a:lvl1pPr>
           </a:lstStyle>
           <a:p>
             <a:r>
-              <a:rPr lang="ko-KR" altLang="en-US" smtClean="0"/>
+              <a:rPr lang="ko-KR" altLang="en-US"/>
               <a:t>마스터 제목 스타일 편집</a:t>
             </a:r>
-            <a:endParaRPr lang="ko-KR" altLang="en-US"/>
-          </a:p>
-        </p:txBody>
-      </p:sp>
-      <p:sp>
-        <p:nvSpPr>
-          <p:cNvPr id="3" name="부제목 2"/>
+            <a:endParaRPr lang="en-US" dirty="0"/>
+          </a:p>
+        </p:txBody>
+      </p:sp>
+      <p:sp>
+        <p:nvSpPr>
+          <p:cNvPr id="3" name="Subtitle 2"/>
           <p:cNvSpPr>
             <a:spLocks noGrp="1"/>
           </p:cNvSpPr>
@@ -168,8 +175,8 @@
         </p:nvSpPr>
         <p:spPr>
           <a:xfrm>
-            <a:off x="1524000" y="3602038"/>
-            <a:ext cx="9144000" cy="1655762"/>
+            <a:off x="1628974" y="5124566"/>
+            <a:ext cx="9773841" cy="2355628"/>
           </a:xfrm>
         </p:spPr>
         <p:txBody>
@@ -177,53 +184,53 @@
           <a:lstStyle>
             <a:lvl1pPr marL="0" indent="0" algn="ctr">
               <a:buNone/>
-              <a:defRPr sz="2400"/>
+              <a:defRPr sz="3414"/>
             </a:lvl1pPr>
-            <a:lvl2pPr marL="457200" indent="0" algn="ctr">
-              <a:buNone/>
-              <a:defRPr sz="2000"/>
+            <a:lvl2pPr marL="650458" indent="0" algn="ctr">
+              <a:buNone/>
+              <a:defRPr sz="2845"/>
             </a:lvl2pPr>
-            <a:lvl3pPr marL="914400" indent="0" algn="ctr">
-              <a:buNone/>
-              <a:defRPr sz="1800"/>
+            <a:lvl3pPr marL="1300917" indent="0" algn="ctr">
+              <a:buNone/>
+              <a:defRPr sz="2561"/>
             </a:lvl3pPr>
-            <a:lvl4pPr marL="1371600" indent="0" algn="ctr">
-              <a:buNone/>
-              <a:defRPr sz="1600"/>
+            <a:lvl4pPr marL="1951375" indent="0" algn="ctr">
+              <a:buNone/>
+              <a:defRPr sz="2276"/>
             </a:lvl4pPr>
-            <a:lvl5pPr marL="1828800" indent="0" algn="ctr">
-              <a:buNone/>
-              <a:defRPr sz="1600"/>
+            <a:lvl5pPr marL="2601834" indent="0" algn="ctr">
+              <a:buNone/>
+              <a:defRPr sz="2276"/>
             </a:lvl5pPr>
-            <a:lvl6pPr marL="2286000" indent="0" algn="ctr">
-              <a:buNone/>
-              <a:defRPr sz="1600"/>
+            <a:lvl6pPr marL="3252292" indent="0" algn="ctr">
+              <a:buNone/>
+              <a:defRPr sz="2276"/>
             </a:lvl6pPr>
-            <a:lvl7pPr marL="2743200" indent="0" algn="ctr">
-              <a:buNone/>
-              <a:defRPr sz="1600"/>
+            <a:lvl7pPr marL="3902751" indent="0" algn="ctr">
+              <a:buNone/>
+              <a:defRPr sz="2276"/>
             </a:lvl7pPr>
-            <a:lvl8pPr marL="3200400" indent="0" algn="ctr">
-              <a:buNone/>
-              <a:defRPr sz="1600"/>
+            <a:lvl8pPr marL="4553209" indent="0" algn="ctr">
+              <a:buNone/>
+              <a:defRPr sz="2276"/>
             </a:lvl8pPr>
-            <a:lvl9pPr marL="3657600" indent="0" algn="ctr">
-              <a:buNone/>
-              <a:defRPr sz="1600"/>
+            <a:lvl9pPr marL="5203668" indent="0" algn="ctr">
+              <a:buNone/>
+              <a:defRPr sz="2276"/>
             </a:lvl9pPr>
           </a:lstStyle>
           <a:p>
             <a:r>
-              <a:rPr lang="ko-KR" altLang="en-US" smtClean="0"/>
-              <a:t>마스터 부제목 스타일 편집</a:t>
-            </a:r>
-            <a:endParaRPr lang="ko-KR" altLang="en-US"/>
-          </a:p>
-        </p:txBody>
-      </p:sp>
-      <p:sp>
-        <p:nvSpPr>
-          <p:cNvPr id="4" name="날짜 개체 틀 3"/>
+              <a:rPr lang="ko-KR" altLang="en-US"/>
+              <a:t>클릭하여 마스터 부제목 스타일 편집</a:t>
+            </a:r>
+            <a:endParaRPr lang="en-US" dirty="0"/>
+          </a:p>
+        </p:txBody>
+      </p:sp>
+      <p:sp>
+        <p:nvSpPr>
+          <p:cNvPr id="4" name="Date Placeholder 3"/>
           <p:cNvSpPr>
             <a:spLocks noGrp="1"/>
           </p:cNvSpPr>
@@ -238,7 +245,7 @@
           <a:p>
             <a:fld id="{3C26D507-50A3-40A7-8B18-0882E64726B7}" type="datetimeFigureOut">
               <a:rPr lang="ko-KR" altLang="en-US" smtClean="0"/>
-              <a:t>2023-06-30</a:t>
+              <a:t>2023-07-03</a:t>
             </a:fld>
             <a:endParaRPr lang="ko-KR" altLang="en-US"/>
           </a:p>
@@ -246,7 +253,7 @@
       </p:sp>
       <p:sp>
         <p:nvSpPr>
-          <p:cNvPr id="5" name="바닥글 개체 틀 4"/>
+          <p:cNvPr id="5" name="Footer Placeholder 4"/>
           <p:cNvSpPr>
             <a:spLocks noGrp="1"/>
           </p:cNvSpPr>
@@ -265,7 +272,7 @@
       </p:sp>
       <p:sp>
         <p:nvSpPr>
-          <p:cNvPr id="6" name="슬라이드 번호 개체 틀 5"/>
+          <p:cNvPr id="6" name="Slide Number Placeholder 5"/>
           <p:cNvSpPr>
             <a:spLocks noGrp="1"/>
           </p:cNvSpPr>
@@ -289,7 +296,7 @@
     </p:spTree>
     <p:extLst>
       <p:ext uri="{BB962C8B-B14F-4D97-AF65-F5344CB8AC3E}">
-        <p14:creationId xmlns:p14="http://schemas.microsoft.com/office/powerpoint/2010/main" val="2120722337"/>
+        <p14:creationId xmlns:p14="http://schemas.microsoft.com/office/powerpoint/2010/main" val="2311430998"/>
       </p:ext>
     </p:extLst>
   </p:cSld>
@@ -318,7 +325,7 @@
       </p:grpSpPr>
       <p:sp>
         <p:nvSpPr>
-          <p:cNvPr id="2" name="제목 1"/>
+          <p:cNvPr id="2" name="Title 1"/>
           <p:cNvSpPr>
             <a:spLocks noGrp="1"/>
           </p:cNvSpPr>
@@ -332,16 +339,16 @@
           <a:lstStyle/>
           <a:p>
             <a:r>
-              <a:rPr lang="ko-KR" altLang="en-US" smtClean="0"/>
+              <a:rPr lang="ko-KR" altLang="en-US"/>
               <a:t>마스터 제목 스타일 편집</a:t>
             </a:r>
-            <a:endParaRPr lang="ko-KR" altLang="en-US"/>
-          </a:p>
-        </p:txBody>
-      </p:sp>
-      <p:sp>
-        <p:nvSpPr>
-          <p:cNvPr id="3" name="세로 텍스트 개체 틀 2"/>
+            <a:endParaRPr lang="en-US" dirty="0"/>
+          </a:p>
+        </p:txBody>
+      </p:sp>
+      <p:sp>
+        <p:nvSpPr>
+          <p:cNvPr id="3" name="Vertical Text Placeholder 2"/>
           <p:cNvSpPr>
             <a:spLocks noGrp="1"/>
           </p:cNvSpPr>
@@ -356,44 +363,44 @@
           <a:p>
             <a:pPr lvl="0"/>
             <a:r>
-              <a:rPr lang="ko-KR" altLang="en-US" smtClean="0"/>
-              <a:t>마스터 텍스트 스타일을 편집합니다</a:t>
+              <a:rPr lang="ko-KR" altLang="en-US"/>
+              <a:t>마스터 텍스트 스타일을 편집하려면 클릭</a:t>
             </a:r>
           </a:p>
           <a:p>
             <a:pPr lvl="1"/>
             <a:r>
-              <a:rPr lang="ko-KR" altLang="en-US" smtClean="0"/>
-              <a:t>둘째 수준</a:t>
+              <a:rPr lang="ko-KR" altLang="en-US"/>
+              <a:t>두 번째 수준</a:t>
             </a:r>
           </a:p>
           <a:p>
             <a:pPr lvl="2"/>
             <a:r>
-              <a:rPr lang="ko-KR" altLang="en-US" smtClean="0"/>
-              <a:t>셋째 수준</a:t>
+              <a:rPr lang="ko-KR" altLang="en-US"/>
+              <a:t>세 번째 수준</a:t>
             </a:r>
           </a:p>
           <a:p>
             <a:pPr lvl="3"/>
             <a:r>
-              <a:rPr lang="ko-KR" altLang="en-US" smtClean="0"/>
-              <a:t>넷째 수준</a:t>
+              <a:rPr lang="ko-KR" altLang="en-US"/>
+              <a:t>네 번째 수준</a:t>
             </a:r>
           </a:p>
           <a:p>
             <a:pPr lvl="4"/>
             <a:r>
-              <a:rPr lang="ko-KR" altLang="en-US" smtClean="0"/>
-              <a:t>다섯째 수준</a:t>
-            </a:r>
-            <a:endParaRPr lang="ko-KR" altLang="en-US"/>
-          </a:p>
-        </p:txBody>
-      </p:sp>
-      <p:sp>
-        <p:nvSpPr>
-          <p:cNvPr id="4" name="날짜 개체 틀 3"/>
+              <a:rPr lang="ko-KR" altLang="en-US"/>
+              <a:t>다섯 번째 수준</a:t>
+            </a:r>
+            <a:endParaRPr lang="en-US" dirty="0"/>
+          </a:p>
+        </p:txBody>
+      </p:sp>
+      <p:sp>
+        <p:nvSpPr>
+          <p:cNvPr id="4" name="Date Placeholder 3"/>
           <p:cNvSpPr>
             <a:spLocks noGrp="1"/>
           </p:cNvSpPr>
@@ -408,7 +415,7 @@
           <a:p>
             <a:fld id="{3C26D507-50A3-40A7-8B18-0882E64726B7}" type="datetimeFigureOut">
               <a:rPr lang="ko-KR" altLang="en-US" smtClean="0"/>
-              <a:t>2023-06-30</a:t>
+              <a:t>2023-07-03</a:t>
             </a:fld>
             <a:endParaRPr lang="ko-KR" altLang="en-US"/>
           </a:p>
@@ -416,7 +423,7 @@
       </p:sp>
       <p:sp>
         <p:nvSpPr>
-          <p:cNvPr id="5" name="바닥글 개체 틀 4"/>
+          <p:cNvPr id="5" name="Footer Placeholder 4"/>
           <p:cNvSpPr>
             <a:spLocks noGrp="1"/>
           </p:cNvSpPr>
@@ -435,7 +442,7 @@
       </p:sp>
       <p:sp>
         <p:nvSpPr>
-          <p:cNvPr id="6" name="슬라이드 번호 개체 틀 5"/>
+          <p:cNvPr id="6" name="Slide Number Placeholder 5"/>
           <p:cNvSpPr>
             <a:spLocks noGrp="1"/>
           </p:cNvSpPr>
@@ -459,7 +466,7 @@
     </p:spTree>
     <p:extLst>
       <p:ext uri="{BB962C8B-B14F-4D97-AF65-F5344CB8AC3E}">
-        <p14:creationId xmlns:p14="http://schemas.microsoft.com/office/powerpoint/2010/main" val="3162240524"/>
+        <p14:creationId xmlns:p14="http://schemas.microsoft.com/office/powerpoint/2010/main" val="1312724210"/>
       </p:ext>
     </p:extLst>
   </p:cSld>
@@ -488,7 +495,7 @@
       </p:grpSpPr>
       <p:sp>
         <p:nvSpPr>
-          <p:cNvPr id="2" name="세로 제목 1"/>
+          <p:cNvPr id="2" name="Vertical Title 1"/>
           <p:cNvSpPr>
             <a:spLocks noGrp="1"/>
           </p:cNvSpPr>
@@ -498,8 +505,8 @@
         </p:nvSpPr>
         <p:spPr>
           <a:xfrm>
-            <a:off x="8724900" y="365125"/>
-            <a:ext cx="2628900" cy="5811838"/>
+            <a:off x="9325874" y="519458"/>
+            <a:ext cx="2809979" cy="8268416"/>
           </a:xfrm>
         </p:spPr>
         <p:txBody>
@@ -507,16 +514,16 @@
           <a:lstStyle/>
           <a:p>
             <a:r>
-              <a:rPr lang="ko-KR" altLang="en-US" smtClean="0"/>
+              <a:rPr lang="ko-KR" altLang="en-US"/>
               <a:t>마스터 제목 스타일 편집</a:t>
             </a:r>
-            <a:endParaRPr lang="ko-KR" altLang="en-US"/>
-          </a:p>
-        </p:txBody>
-      </p:sp>
-      <p:sp>
-        <p:nvSpPr>
-          <p:cNvPr id="3" name="세로 텍스트 개체 틀 2"/>
+            <a:endParaRPr lang="en-US" dirty="0"/>
+          </a:p>
+        </p:txBody>
+      </p:sp>
+      <p:sp>
+        <p:nvSpPr>
+          <p:cNvPr id="3" name="Vertical Text Placeholder 2"/>
           <p:cNvSpPr>
             <a:spLocks noGrp="1"/>
           </p:cNvSpPr>
@@ -526,8 +533,8 @@
         </p:nvSpPr>
         <p:spPr>
           <a:xfrm>
-            <a:off x="838200" y="365125"/>
-            <a:ext cx="7734300" cy="5811838"/>
+            <a:off x="895936" y="519458"/>
+            <a:ext cx="8267041" cy="8268416"/>
           </a:xfrm>
         </p:spPr>
         <p:txBody>
@@ -536,44 +543,44 @@
           <a:p>
             <a:pPr lvl="0"/>
             <a:r>
-              <a:rPr lang="ko-KR" altLang="en-US" smtClean="0"/>
-              <a:t>마스터 텍스트 스타일을 편집합니다</a:t>
+              <a:rPr lang="ko-KR" altLang="en-US"/>
+              <a:t>마스터 텍스트 스타일을 편집하려면 클릭</a:t>
             </a:r>
           </a:p>
           <a:p>
             <a:pPr lvl="1"/>
             <a:r>
-              <a:rPr lang="ko-KR" altLang="en-US" smtClean="0"/>
-              <a:t>둘째 수준</a:t>
+              <a:rPr lang="ko-KR" altLang="en-US"/>
+              <a:t>두 번째 수준</a:t>
             </a:r>
           </a:p>
           <a:p>
             <a:pPr lvl="2"/>
             <a:r>
-              <a:rPr lang="ko-KR" altLang="en-US" smtClean="0"/>
-              <a:t>셋째 수준</a:t>
+              <a:rPr lang="ko-KR" altLang="en-US"/>
+              <a:t>세 번째 수준</a:t>
             </a:r>
           </a:p>
           <a:p>
             <a:pPr lvl="3"/>
             <a:r>
-              <a:rPr lang="ko-KR" altLang="en-US" smtClean="0"/>
-              <a:t>넷째 수준</a:t>
+              <a:rPr lang="ko-KR" altLang="en-US"/>
+              <a:t>네 번째 수준</a:t>
             </a:r>
           </a:p>
           <a:p>
             <a:pPr lvl="4"/>
             <a:r>
-              <a:rPr lang="ko-KR" altLang="en-US" smtClean="0"/>
-              <a:t>다섯째 수준</a:t>
-            </a:r>
-            <a:endParaRPr lang="ko-KR" altLang="en-US"/>
-          </a:p>
-        </p:txBody>
-      </p:sp>
-      <p:sp>
-        <p:nvSpPr>
-          <p:cNvPr id="4" name="날짜 개체 틀 3"/>
+              <a:rPr lang="ko-KR" altLang="en-US"/>
+              <a:t>다섯 번째 수준</a:t>
+            </a:r>
+            <a:endParaRPr lang="en-US" dirty="0"/>
+          </a:p>
+        </p:txBody>
+      </p:sp>
+      <p:sp>
+        <p:nvSpPr>
+          <p:cNvPr id="4" name="Date Placeholder 3"/>
           <p:cNvSpPr>
             <a:spLocks noGrp="1"/>
           </p:cNvSpPr>
@@ -588,7 +595,7 @@
           <a:p>
             <a:fld id="{3C26D507-50A3-40A7-8B18-0882E64726B7}" type="datetimeFigureOut">
               <a:rPr lang="ko-KR" altLang="en-US" smtClean="0"/>
-              <a:t>2023-06-30</a:t>
+              <a:t>2023-07-03</a:t>
             </a:fld>
             <a:endParaRPr lang="ko-KR" altLang="en-US"/>
           </a:p>
@@ -596,7 +603,7 @@
       </p:sp>
       <p:sp>
         <p:nvSpPr>
-          <p:cNvPr id="5" name="바닥글 개체 틀 4"/>
+          <p:cNvPr id="5" name="Footer Placeholder 4"/>
           <p:cNvSpPr>
             <a:spLocks noGrp="1"/>
           </p:cNvSpPr>
@@ -615,7 +622,7 @@
       </p:sp>
       <p:sp>
         <p:nvSpPr>
-          <p:cNvPr id="6" name="슬라이드 번호 개체 틀 5"/>
+          <p:cNvPr id="6" name="Slide Number Placeholder 5"/>
           <p:cNvSpPr>
             <a:spLocks noGrp="1"/>
           </p:cNvSpPr>
@@ -639,7 +646,7 @@
     </p:spTree>
     <p:extLst>
       <p:ext uri="{BB962C8B-B14F-4D97-AF65-F5344CB8AC3E}">
-        <p14:creationId xmlns:p14="http://schemas.microsoft.com/office/powerpoint/2010/main" val="2633984830"/>
+        <p14:creationId xmlns:p14="http://schemas.microsoft.com/office/powerpoint/2010/main" val="2867329285"/>
       </p:ext>
     </p:extLst>
   </p:cSld>
@@ -668,7 +675,7 @@
       </p:grpSpPr>
       <p:sp>
         <p:nvSpPr>
-          <p:cNvPr id="2" name="제목 1"/>
+          <p:cNvPr id="2" name="Title 1"/>
           <p:cNvSpPr>
             <a:spLocks noGrp="1"/>
           </p:cNvSpPr>
@@ -682,16 +689,16 @@
           <a:lstStyle/>
           <a:p>
             <a:r>
-              <a:rPr lang="ko-KR" altLang="en-US" smtClean="0"/>
+              <a:rPr lang="ko-KR" altLang="en-US"/>
               <a:t>마스터 제목 스타일 편집</a:t>
             </a:r>
-            <a:endParaRPr lang="ko-KR" altLang="en-US"/>
-          </a:p>
-        </p:txBody>
-      </p:sp>
-      <p:sp>
-        <p:nvSpPr>
-          <p:cNvPr id="3" name="내용 개체 틀 2"/>
+            <a:endParaRPr lang="en-US" dirty="0"/>
+          </a:p>
+        </p:txBody>
+      </p:sp>
+      <p:sp>
+        <p:nvSpPr>
+          <p:cNvPr id="3" name="Content Placeholder 2"/>
           <p:cNvSpPr>
             <a:spLocks noGrp="1"/>
           </p:cNvSpPr>
@@ -706,44 +713,44 @@
           <a:p>
             <a:pPr lvl="0"/>
             <a:r>
-              <a:rPr lang="ko-KR" altLang="en-US" smtClean="0"/>
-              <a:t>마스터 텍스트 스타일을 편집합니다</a:t>
+              <a:rPr lang="ko-KR" altLang="en-US"/>
+              <a:t>마스터 텍스트 스타일을 편집하려면 클릭</a:t>
             </a:r>
           </a:p>
           <a:p>
             <a:pPr lvl="1"/>
             <a:r>
-              <a:rPr lang="ko-KR" altLang="en-US" smtClean="0"/>
-              <a:t>둘째 수준</a:t>
+              <a:rPr lang="ko-KR" altLang="en-US"/>
+              <a:t>두 번째 수준</a:t>
             </a:r>
           </a:p>
           <a:p>
             <a:pPr lvl="2"/>
             <a:r>
-              <a:rPr lang="ko-KR" altLang="en-US" smtClean="0"/>
-              <a:t>셋째 수준</a:t>
+              <a:rPr lang="ko-KR" altLang="en-US"/>
+              <a:t>세 번째 수준</a:t>
             </a:r>
           </a:p>
           <a:p>
             <a:pPr lvl="3"/>
             <a:r>
-              <a:rPr lang="ko-KR" altLang="en-US" smtClean="0"/>
-              <a:t>넷째 수준</a:t>
+              <a:rPr lang="ko-KR" altLang="en-US"/>
+              <a:t>네 번째 수준</a:t>
             </a:r>
           </a:p>
           <a:p>
             <a:pPr lvl="4"/>
             <a:r>
-              <a:rPr lang="ko-KR" altLang="en-US" smtClean="0"/>
-              <a:t>다섯째 수준</a:t>
-            </a:r>
-            <a:endParaRPr lang="ko-KR" altLang="en-US"/>
-          </a:p>
-        </p:txBody>
-      </p:sp>
-      <p:sp>
-        <p:nvSpPr>
-          <p:cNvPr id="4" name="날짜 개체 틀 3"/>
+              <a:rPr lang="ko-KR" altLang="en-US"/>
+              <a:t>다섯 번째 수준</a:t>
+            </a:r>
+            <a:endParaRPr lang="en-US" dirty="0"/>
+          </a:p>
+        </p:txBody>
+      </p:sp>
+      <p:sp>
+        <p:nvSpPr>
+          <p:cNvPr id="4" name="Date Placeholder 3"/>
           <p:cNvSpPr>
             <a:spLocks noGrp="1"/>
           </p:cNvSpPr>
@@ -758,7 +765,7 @@
           <a:p>
             <a:fld id="{3C26D507-50A3-40A7-8B18-0882E64726B7}" type="datetimeFigureOut">
               <a:rPr lang="ko-KR" altLang="en-US" smtClean="0"/>
-              <a:t>2023-06-30</a:t>
+              <a:t>2023-07-03</a:t>
             </a:fld>
             <a:endParaRPr lang="ko-KR" altLang="en-US"/>
           </a:p>
@@ -766,7 +773,7 @@
       </p:sp>
       <p:sp>
         <p:nvSpPr>
-          <p:cNvPr id="5" name="바닥글 개체 틀 4"/>
+          <p:cNvPr id="5" name="Footer Placeholder 4"/>
           <p:cNvSpPr>
             <a:spLocks noGrp="1"/>
           </p:cNvSpPr>
@@ -785,7 +792,7 @@
       </p:sp>
       <p:sp>
         <p:nvSpPr>
-          <p:cNvPr id="6" name="슬라이드 번호 개체 틀 5"/>
+          <p:cNvPr id="6" name="Slide Number Placeholder 5"/>
           <p:cNvSpPr>
             <a:spLocks noGrp="1"/>
           </p:cNvSpPr>
@@ -809,7 +816,7 @@
     </p:spTree>
     <p:extLst>
       <p:ext uri="{BB962C8B-B14F-4D97-AF65-F5344CB8AC3E}">
-        <p14:creationId xmlns:p14="http://schemas.microsoft.com/office/powerpoint/2010/main" val="1808075429"/>
+        <p14:creationId xmlns:p14="http://schemas.microsoft.com/office/powerpoint/2010/main" val="2631769599"/>
       </p:ext>
     </p:extLst>
   </p:cSld>
@@ -838,7 +845,7 @@
       </p:grpSpPr>
       <p:sp>
         <p:nvSpPr>
-          <p:cNvPr id="2" name="제목 1"/>
+          <p:cNvPr id="2" name="Title 1"/>
           <p:cNvSpPr>
             <a:spLocks noGrp="1"/>
           </p:cNvSpPr>
@@ -848,29 +855,29 @@
         </p:nvSpPr>
         <p:spPr>
           <a:xfrm>
-            <a:off x="831850" y="1709738"/>
-            <a:ext cx="10515600" cy="2852737"/>
+            <a:off x="889149" y="2432421"/>
+            <a:ext cx="11239917" cy="4058547"/>
           </a:xfrm>
         </p:spPr>
         <p:txBody>
           <a:bodyPr anchor="b"/>
           <a:lstStyle>
             <a:lvl1pPr>
-              <a:defRPr sz="6000"/>
+              <a:defRPr sz="8536"/>
             </a:lvl1pPr>
           </a:lstStyle>
           <a:p>
             <a:r>
-              <a:rPr lang="ko-KR" altLang="en-US" smtClean="0"/>
+              <a:rPr lang="ko-KR" altLang="en-US"/>
               <a:t>마스터 제목 스타일 편집</a:t>
             </a:r>
-            <a:endParaRPr lang="ko-KR" altLang="en-US"/>
-          </a:p>
-        </p:txBody>
-      </p:sp>
-      <p:sp>
-        <p:nvSpPr>
-          <p:cNvPr id="3" name="텍스트 개체 틀 2"/>
+            <a:endParaRPr lang="en-US" dirty="0"/>
+          </a:p>
+        </p:txBody>
+      </p:sp>
+      <p:sp>
+        <p:nvSpPr>
+          <p:cNvPr id="3" name="Text Placeholder 2"/>
           <p:cNvSpPr>
             <a:spLocks noGrp="1"/>
           </p:cNvSpPr>
@@ -880,8 +887,8 @@
         </p:nvSpPr>
         <p:spPr>
           <a:xfrm>
-            <a:off x="831850" y="4589463"/>
-            <a:ext cx="10515600" cy="1500187"/>
+            <a:off x="889149" y="6529363"/>
+            <a:ext cx="11239917" cy="2134294"/>
           </a:xfrm>
         </p:spPr>
         <p:txBody>
@@ -889,17 +896,15 @@
           <a:lstStyle>
             <a:lvl1pPr marL="0" indent="0">
               <a:buNone/>
-              <a:defRPr sz="2400">
+              <a:defRPr sz="3414">
                 <a:solidFill>
-                  <a:schemeClr val="tx1">
-                    <a:tint val="75000"/>
-                  </a:schemeClr>
+                  <a:schemeClr val="tx1"/>
                 </a:solidFill>
               </a:defRPr>
             </a:lvl1pPr>
-            <a:lvl2pPr marL="457200" indent="0">
-              <a:buNone/>
-              <a:defRPr sz="2000">
+            <a:lvl2pPr marL="650458" indent="0">
+              <a:buNone/>
+              <a:defRPr sz="2845">
                 <a:solidFill>
                   <a:schemeClr val="tx1">
                     <a:tint val="75000"/>
@@ -907,9 +912,9 @@
                 </a:solidFill>
               </a:defRPr>
             </a:lvl2pPr>
-            <a:lvl3pPr marL="914400" indent="0">
-              <a:buNone/>
-              <a:defRPr sz="1800">
+            <a:lvl3pPr marL="1300917" indent="0">
+              <a:buNone/>
+              <a:defRPr sz="2561">
                 <a:solidFill>
                   <a:schemeClr val="tx1">
                     <a:tint val="75000"/>
@@ -917,9 +922,9 @@
                 </a:solidFill>
               </a:defRPr>
             </a:lvl3pPr>
-            <a:lvl4pPr marL="1371600" indent="0">
-              <a:buNone/>
-              <a:defRPr sz="1600">
+            <a:lvl4pPr marL="1951375" indent="0">
+              <a:buNone/>
+              <a:defRPr sz="2276">
                 <a:solidFill>
                   <a:schemeClr val="tx1">
                     <a:tint val="75000"/>
@@ -927,9 +932,9 @@
                 </a:solidFill>
               </a:defRPr>
             </a:lvl4pPr>
-            <a:lvl5pPr marL="1828800" indent="0">
-              <a:buNone/>
-              <a:defRPr sz="1600">
+            <a:lvl5pPr marL="2601834" indent="0">
+              <a:buNone/>
+              <a:defRPr sz="2276">
                 <a:solidFill>
                   <a:schemeClr val="tx1">
                     <a:tint val="75000"/>
@@ -937,9 +942,9 @@
                 </a:solidFill>
               </a:defRPr>
             </a:lvl5pPr>
-            <a:lvl6pPr marL="2286000" indent="0">
-              <a:buNone/>
-              <a:defRPr sz="1600">
+            <a:lvl6pPr marL="3252292" indent="0">
+              <a:buNone/>
+              <a:defRPr sz="2276">
                 <a:solidFill>
                   <a:schemeClr val="tx1">
                     <a:tint val="75000"/>
@@ -947,9 +952,9 @@
                 </a:solidFill>
               </a:defRPr>
             </a:lvl6pPr>
-            <a:lvl7pPr marL="2743200" indent="0">
-              <a:buNone/>
-              <a:defRPr sz="1600">
+            <a:lvl7pPr marL="3902751" indent="0">
+              <a:buNone/>
+              <a:defRPr sz="2276">
                 <a:solidFill>
                   <a:schemeClr val="tx1">
                     <a:tint val="75000"/>
@@ -957,9 +962,9 @@
                 </a:solidFill>
               </a:defRPr>
             </a:lvl7pPr>
-            <a:lvl8pPr marL="3200400" indent="0">
-              <a:buNone/>
-              <a:defRPr sz="1600">
+            <a:lvl8pPr marL="4553209" indent="0">
+              <a:buNone/>
+              <a:defRPr sz="2276">
                 <a:solidFill>
                   <a:schemeClr val="tx1">
                     <a:tint val="75000"/>
@@ -967,9 +972,9 @@
                 </a:solidFill>
               </a:defRPr>
             </a:lvl8pPr>
-            <a:lvl9pPr marL="3657600" indent="0">
-              <a:buNone/>
-              <a:defRPr sz="1600">
+            <a:lvl9pPr marL="5203668" indent="0">
+              <a:buNone/>
+              <a:defRPr sz="2276">
                 <a:solidFill>
                   <a:schemeClr val="tx1">
                     <a:tint val="75000"/>
@@ -981,15 +986,15 @@
           <a:p>
             <a:pPr lvl="0"/>
             <a:r>
-              <a:rPr lang="ko-KR" altLang="en-US" smtClean="0"/>
-              <a:t>마스터 텍스트 스타일을 편집합니다</a:t>
-            </a:r>
-          </a:p>
-        </p:txBody>
-      </p:sp>
-      <p:sp>
-        <p:nvSpPr>
-          <p:cNvPr id="4" name="날짜 개체 틀 3"/>
+              <a:rPr lang="ko-KR" altLang="en-US"/>
+              <a:t>마스터 텍스트 스타일을 편집하려면 클릭</a:t>
+            </a:r>
+          </a:p>
+        </p:txBody>
+      </p:sp>
+      <p:sp>
+        <p:nvSpPr>
+          <p:cNvPr id="4" name="Date Placeholder 3"/>
           <p:cNvSpPr>
             <a:spLocks noGrp="1"/>
           </p:cNvSpPr>
@@ -1004,7 +1009,7 @@
           <a:p>
             <a:fld id="{3C26D507-50A3-40A7-8B18-0882E64726B7}" type="datetimeFigureOut">
               <a:rPr lang="ko-KR" altLang="en-US" smtClean="0"/>
-              <a:t>2023-06-30</a:t>
+              <a:t>2023-07-03</a:t>
             </a:fld>
             <a:endParaRPr lang="ko-KR" altLang="en-US"/>
           </a:p>
@@ -1012,7 +1017,7 @@
       </p:sp>
       <p:sp>
         <p:nvSpPr>
-          <p:cNvPr id="5" name="바닥글 개체 틀 4"/>
+          <p:cNvPr id="5" name="Footer Placeholder 4"/>
           <p:cNvSpPr>
             <a:spLocks noGrp="1"/>
           </p:cNvSpPr>
@@ -1031,7 +1036,7 @@
       </p:sp>
       <p:sp>
         <p:nvSpPr>
-          <p:cNvPr id="6" name="슬라이드 번호 개체 틀 5"/>
+          <p:cNvPr id="6" name="Slide Number Placeholder 5"/>
           <p:cNvSpPr>
             <a:spLocks noGrp="1"/>
           </p:cNvSpPr>
@@ -1055,7 +1060,7 @@
     </p:spTree>
     <p:extLst>
       <p:ext uri="{BB962C8B-B14F-4D97-AF65-F5344CB8AC3E}">
-        <p14:creationId xmlns:p14="http://schemas.microsoft.com/office/powerpoint/2010/main" val="436843074"/>
+        <p14:creationId xmlns:p14="http://schemas.microsoft.com/office/powerpoint/2010/main" val="1957813184"/>
       </p:ext>
     </p:extLst>
   </p:cSld>
@@ -1084,7 +1089,7 @@
       </p:grpSpPr>
       <p:sp>
         <p:nvSpPr>
-          <p:cNvPr id="2" name="제목 1"/>
+          <p:cNvPr id="2" name="Title 1"/>
           <p:cNvSpPr>
             <a:spLocks noGrp="1"/>
           </p:cNvSpPr>
@@ -1098,16 +1103,16 @@
           <a:lstStyle/>
           <a:p>
             <a:r>
-              <a:rPr lang="ko-KR" altLang="en-US" smtClean="0"/>
+              <a:rPr lang="ko-KR" altLang="en-US"/>
               <a:t>마스터 제목 스타일 편집</a:t>
             </a:r>
-            <a:endParaRPr lang="ko-KR" altLang="en-US"/>
-          </a:p>
-        </p:txBody>
-      </p:sp>
-      <p:sp>
-        <p:nvSpPr>
-          <p:cNvPr id="3" name="내용 개체 틀 2"/>
+            <a:endParaRPr lang="en-US" dirty="0"/>
+          </a:p>
+        </p:txBody>
+      </p:sp>
+      <p:sp>
+        <p:nvSpPr>
+          <p:cNvPr id="3" name="Content Placeholder 2"/>
           <p:cNvSpPr>
             <a:spLocks noGrp="1"/>
           </p:cNvSpPr>
@@ -1117,8 +1122,8 @@
         </p:nvSpPr>
         <p:spPr>
           <a:xfrm>
-            <a:off x="838200" y="1825625"/>
-            <a:ext cx="5181600" cy="4351338"/>
+            <a:off x="895935" y="2597290"/>
+            <a:ext cx="5538510" cy="6190584"/>
           </a:xfrm>
         </p:spPr>
         <p:txBody>
@@ -1127,44 +1132,44 @@
           <a:p>
             <a:pPr lvl="0"/>
             <a:r>
-              <a:rPr lang="ko-KR" altLang="en-US" smtClean="0"/>
-              <a:t>마스터 텍스트 스타일을 편집합니다</a:t>
+              <a:rPr lang="ko-KR" altLang="en-US"/>
+              <a:t>마스터 텍스트 스타일을 편집하려면 클릭</a:t>
             </a:r>
           </a:p>
           <a:p>
             <a:pPr lvl="1"/>
             <a:r>
-              <a:rPr lang="ko-KR" altLang="en-US" smtClean="0"/>
-              <a:t>둘째 수준</a:t>
+              <a:rPr lang="ko-KR" altLang="en-US"/>
+              <a:t>두 번째 수준</a:t>
             </a:r>
           </a:p>
           <a:p>
             <a:pPr lvl="2"/>
             <a:r>
-              <a:rPr lang="ko-KR" altLang="en-US" smtClean="0"/>
-              <a:t>셋째 수준</a:t>
+              <a:rPr lang="ko-KR" altLang="en-US"/>
+              <a:t>세 번째 수준</a:t>
             </a:r>
           </a:p>
           <a:p>
             <a:pPr lvl="3"/>
             <a:r>
-              <a:rPr lang="ko-KR" altLang="en-US" smtClean="0"/>
-              <a:t>넷째 수준</a:t>
+              <a:rPr lang="ko-KR" altLang="en-US"/>
+              <a:t>네 번째 수준</a:t>
             </a:r>
           </a:p>
           <a:p>
             <a:pPr lvl="4"/>
             <a:r>
-              <a:rPr lang="ko-KR" altLang="en-US" smtClean="0"/>
-              <a:t>다섯째 수준</a:t>
-            </a:r>
-            <a:endParaRPr lang="ko-KR" altLang="en-US"/>
-          </a:p>
-        </p:txBody>
-      </p:sp>
-      <p:sp>
-        <p:nvSpPr>
-          <p:cNvPr id="4" name="내용 개체 틀 3"/>
+              <a:rPr lang="ko-KR" altLang="en-US"/>
+              <a:t>다섯 번째 수준</a:t>
+            </a:r>
+            <a:endParaRPr lang="en-US" dirty="0"/>
+          </a:p>
+        </p:txBody>
+      </p:sp>
+      <p:sp>
+        <p:nvSpPr>
+          <p:cNvPr id="4" name="Content Placeholder 3"/>
           <p:cNvSpPr>
             <a:spLocks noGrp="1"/>
           </p:cNvSpPr>
@@ -1174,8 +1179,8 @@
         </p:nvSpPr>
         <p:spPr>
           <a:xfrm>
-            <a:off x="6172200" y="1825625"/>
-            <a:ext cx="5181600" cy="4351338"/>
+            <a:off x="6597343" y="2597290"/>
+            <a:ext cx="5538510" cy="6190584"/>
           </a:xfrm>
         </p:spPr>
         <p:txBody>
@@ -1184,44 +1189,44 @@
           <a:p>
             <a:pPr lvl="0"/>
             <a:r>
-              <a:rPr lang="ko-KR" altLang="en-US" smtClean="0"/>
-              <a:t>마스터 텍스트 스타일을 편집합니다</a:t>
+              <a:rPr lang="ko-KR" altLang="en-US"/>
+              <a:t>마스터 텍스트 스타일을 편집하려면 클릭</a:t>
             </a:r>
           </a:p>
           <a:p>
             <a:pPr lvl="1"/>
             <a:r>
-              <a:rPr lang="ko-KR" altLang="en-US" smtClean="0"/>
-              <a:t>둘째 수준</a:t>
+              <a:rPr lang="ko-KR" altLang="en-US"/>
+              <a:t>두 번째 수준</a:t>
             </a:r>
           </a:p>
           <a:p>
             <a:pPr lvl="2"/>
             <a:r>
-              <a:rPr lang="ko-KR" altLang="en-US" smtClean="0"/>
-              <a:t>셋째 수준</a:t>
+              <a:rPr lang="ko-KR" altLang="en-US"/>
+              <a:t>세 번째 수준</a:t>
             </a:r>
           </a:p>
           <a:p>
             <a:pPr lvl="3"/>
             <a:r>
-              <a:rPr lang="ko-KR" altLang="en-US" smtClean="0"/>
-              <a:t>넷째 수준</a:t>
+              <a:rPr lang="ko-KR" altLang="en-US"/>
+              <a:t>네 번째 수준</a:t>
             </a:r>
           </a:p>
           <a:p>
             <a:pPr lvl="4"/>
             <a:r>
-              <a:rPr lang="ko-KR" altLang="en-US" smtClean="0"/>
-              <a:t>다섯째 수준</a:t>
-            </a:r>
-            <a:endParaRPr lang="ko-KR" altLang="en-US"/>
-          </a:p>
-        </p:txBody>
-      </p:sp>
-      <p:sp>
-        <p:nvSpPr>
-          <p:cNvPr id="5" name="날짜 개체 틀 4"/>
+              <a:rPr lang="ko-KR" altLang="en-US"/>
+              <a:t>다섯 번째 수준</a:t>
+            </a:r>
+            <a:endParaRPr lang="en-US" dirty="0"/>
+          </a:p>
+        </p:txBody>
+      </p:sp>
+      <p:sp>
+        <p:nvSpPr>
+          <p:cNvPr id="5" name="Date Placeholder 4"/>
           <p:cNvSpPr>
             <a:spLocks noGrp="1"/>
           </p:cNvSpPr>
@@ -1236,7 +1241,7 @@
           <a:p>
             <a:fld id="{3C26D507-50A3-40A7-8B18-0882E64726B7}" type="datetimeFigureOut">
               <a:rPr lang="ko-KR" altLang="en-US" smtClean="0"/>
-              <a:t>2023-06-30</a:t>
+              <a:t>2023-07-03</a:t>
             </a:fld>
             <a:endParaRPr lang="ko-KR" altLang="en-US"/>
           </a:p>
@@ -1244,7 +1249,7 @@
       </p:sp>
       <p:sp>
         <p:nvSpPr>
-          <p:cNvPr id="6" name="바닥글 개체 틀 5"/>
+          <p:cNvPr id="6" name="Footer Placeholder 5"/>
           <p:cNvSpPr>
             <a:spLocks noGrp="1"/>
           </p:cNvSpPr>
@@ -1263,7 +1268,7 @@
       </p:sp>
       <p:sp>
         <p:nvSpPr>
-          <p:cNvPr id="7" name="슬라이드 번호 개체 틀 6"/>
+          <p:cNvPr id="7" name="Slide Number Placeholder 6"/>
           <p:cNvSpPr>
             <a:spLocks noGrp="1"/>
           </p:cNvSpPr>
@@ -1287,7 +1292,7 @@
     </p:spTree>
     <p:extLst>
       <p:ext uri="{BB962C8B-B14F-4D97-AF65-F5344CB8AC3E}">
-        <p14:creationId xmlns:p14="http://schemas.microsoft.com/office/powerpoint/2010/main" val="2470449393"/>
+        <p14:creationId xmlns:p14="http://schemas.microsoft.com/office/powerpoint/2010/main" val="1934633134"/>
       </p:ext>
     </p:extLst>
   </p:cSld>
@@ -1316,7 +1321,7 @@
       </p:grpSpPr>
       <p:sp>
         <p:nvSpPr>
-          <p:cNvPr id="2" name="제목 1"/>
+          <p:cNvPr id="2" name="Title 1"/>
           <p:cNvSpPr>
             <a:spLocks noGrp="1"/>
           </p:cNvSpPr>
@@ -1326,8 +1331,8 @@
         </p:nvSpPr>
         <p:spPr>
           <a:xfrm>
-            <a:off x="839788" y="365125"/>
-            <a:ext cx="10515600" cy="1325563"/>
+            <a:off x="897633" y="519460"/>
+            <a:ext cx="11239917" cy="1885859"/>
           </a:xfrm>
         </p:spPr>
         <p:txBody>
@@ -1335,16 +1340,16 @@
           <a:lstStyle/>
           <a:p>
             <a:r>
-              <a:rPr lang="ko-KR" altLang="en-US" smtClean="0"/>
+              <a:rPr lang="ko-KR" altLang="en-US"/>
               <a:t>마스터 제목 스타일 편집</a:t>
             </a:r>
-            <a:endParaRPr lang="ko-KR" altLang="en-US"/>
-          </a:p>
-        </p:txBody>
-      </p:sp>
-      <p:sp>
-        <p:nvSpPr>
-          <p:cNvPr id="3" name="텍스트 개체 틀 2"/>
+            <a:endParaRPr lang="en-US" dirty="0"/>
+          </a:p>
+        </p:txBody>
+      </p:sp>
+      <p:sp>
+        <p:nvSpPr>
+          <p:cNvPr id="3" name="Text Placeholder 2"/>
           <p:cNvSpPr>
             <a:spLocks noGrp="1"/>
           </p:cNvSpPr>
@@ -1354,8 +1359,8 @@
         </p:nvSpPr>
         <p:spPr>
           <a:xfrm>
-            <a:off x="839788" y="1681163"/>
-            <a:ext cx="5157787" cy="823912"/>
+            <a:off x="897634" y="2391766"/>
+            <a:ext cx="5513056" cy="1172167"/>
           </a:xfrm>
         </p:spPr>
         <p:txBody>
@@ -1363,53 +1368,53 @@
           <a:lstStyle>
             <a:lvl1pPr marL="0" indent="0">
               <a:buNone/>
-              <a:defRPr sz="2400" b="1"/>
+              <a:defRPr sz="3414" b="1"/>
             </a:lvl1pPr>
-            <a:lvl2pPr marL="457200" indent="0">
-              <a:buNone/>
-              <a:defRPr sz="2000" b="1"/>
+            <a:lvl2pPr marL="650458" indent="0">
+              <a:buNone/>
+              <a:defRPr sz="2845" b="1"/>
             </a:lvl2pPr>
-            <a:lvl3pPr marL="914400" indent="0">
-              <a:buNone/>
-              <a:defRPr sz="1800" b="1"/>
+            <a:lvl3pPr marL="1300917" indent="0">
+              <a:buNone/>
+              <a:defRPr sz="2561" b="1"/>
             </a:lvl3pPr>
-            <a:lvl4pPr marL="1371600" indent="0">
-              <a:buNone/>
-              <a:defRPr sz="1600" b="1"/>
+            <a:lvl4pPr marL="1951375" indent="0">
+              <a:buNone/>
+              <a:defRPr sz="2276" b="1"/>
             </a:lvl4pPr>
-            <a:lvl5pPr marL="1828800" indent="0">
-              <a:buNone/>
-              <a:defRPr sz="1600" b="1"/>
+            <a:lvl5pPr marL="2601834" indent="0">
+              <a:buNone/>
+              <a:defRPr sz="2276" b="1"/>
             </a:lvl5pPr>
-            <a:lvl6pPr marL="2286000" indent="0">
-              <a:buNone/>
-              <a:defRPr sz="1600" b="1"/>
+            <a:lvl6pPr marL="3252292" indent="0">
+              <a:buNone/>
+              <a:defRPr sz="2276" b="1"/>
             </a:lvl6pPr>
-            <a:lvl7pPr marL="2743200" indent="0">
-              <a:buNone/>
-              <a:defRPr sz="1600" b="1"/>
+            <a:lvl7pPr marL="3902751" indent="0">
+              <a:buNone/>
+              <a:defRPr sz="2276" b="1"/>
             </a:lvl7pPr>
-            <a:lvl8pPr marL="3200400" indent="0">
-              <a:buNone/>
-              <a:defRPr sz="1600" b="1"/>
+            <a:lvl8pPr marL="4553209" indent="0">
+              <a:buNone/>
+              <a:defRPr sz="2276" b="1"/>
             </a:lvl8pPr>
-            <a:lvl9pPr marL="3657600" indent="0">
-              <a:buNone/>
-              <a:defRPr sz="1600" b="1"/>
+            <a:lvl9pPr marL="5203668" indent="0">
+              <a:buNone/>
+              <a:defRPr sz="2276" b="1"/>
             </a:lvl9pPr>
           </a:lstStyle>
           <a:p>
             <a:pPr lvl="0"/>
             <a:r>
-              <a:rPr lang="ko-KR" altLang="en-US" smtClean="0"/>
-              <a:t>마스터 텍스트 스타일을 편집합니다</a:t>
-            </a:r>
-          </a:p>
-        </p:txBody>
-      </p:sp>
-      <p:sp>
-        <p:nvSpPr>
-          <p:cNvPr id="4" name="내용 개체 틀 3"/>
+              <a:rPr lang="ko-KR" altLang="en-US"/>
+              <a:t>마스터 텍스트 스타일을 편집하려면 클릭</a:t>
+            </a:r>
+          </a:p>
+        </p:txBody>
+      </p:sp>
+      <p:sp>
+        <p:nvSpPr>
+          <p:cNvPr id="4" name="Content Placeholder 3"/>
           <p:cNvSpPr>
             <a:spLocks noGrp="1"/>
           </p:cNvSpPr>
@@ -1419,8 +1424,8 @@
         </p:nvSpPr>
         <p:spPr>
           <a:xfrm>
-            <a:off x="839788" y="2505075"/>
-            <a:ext cx="5157787" cy="3684588"/>
+            <a:off x="897634" y="3563933"/>
+            <a:ext cx="5513056" cy="5242009"/>
           </a:xfrm>
         </p:spPr>
         <p:txBody>
@@ -1429,44 +1434,44 @@
           <a:p>
             <a:pPr lvl="0"/>
             <a:r>
-              <a:rPr lang="ko-KR" altLang="en-US" smtClean="0"/>
-              <a:t>마스터 텍스트 스타일을 편집합니다</a:t>
+              <a:rPr lang="ko-KR" altLang="en-US"/>
+              <a:t>마스터 텍스트 스타일을 편집하려면 클릭</a:t>
             </a:r>
           </a:p>
           <a:p>
             <a:pPr lvl="1"/>
             <a:r>
-              <a:rPr lang="ko-KR" altLang="en-US" smtClean="0"/>
-              <a:t>둘째 수준</a:t>
+              <a:rPr lang="ko-KR" altLang="en-US"/>
+              <a:t>두 번째 수준</a:t>
             </a:r>
           </a:p>
           <a:p>
             <a:pPr lvl="2"/>
             <a:r>
-              <a:rPr lang="ko-KR" altLang="en-US" smtClean="0"/>
-              <a:t>셋째 수준</a:t>
+              <a:rPr lang="ko-KR" altLang="en-US"/>
+              <a:t>세 번째 수준</a:t>
             </a:r>
           </a:p>
           <a:p>
             <a:pPr lvl="3"/>
             <a:r>
-              <a:rPr lang="ko-KR" altLang="en-US" smtClean="0"/>
-              <a:t>넷째 수준</a:t>
+              <a:rPr lang="ko-KR" altLang="en-US"/>
+              <a:t>네 번째 수준</a:t>
             </a:r>
           </a:p>
           <a:p>
             <a:pPr lvl="4"/>
             <a:r>
-              <a:rPr lang="ko-KR" altLang="en-US" smtClean="0"/>
-              <a:t>다섯째 수준</a:t>
-            </a:r>
-            <a:endParaRPr lang="ko-KR" altLang="en-US"/>
-          </a:p>
-        </p:txBody>
-      </p:sp>
-      <p:sp>
-        <p:nvSpPr>
-          <p:cNvPr id="5" name="텍스트 개체 틀 4"/>
+              <a:rPr lang="ko-KR" altLang="en-US"/>
+              <a:t>다섯 번째 수준</a:t>
+            </a:r>
+            <a:endParaRPr lang="en-US" dirty="0"/>
+          </a:p>
+        </p:txBody>
+      </p:sp>
+      <p:sp>
+        <p:nvSpPr>
+          <p:cNvPr id="5" name="Text Placeholder 4"/>
           <p:cNvSpPr>
             <a:spLocks noGrp="1"/>
           </p:cNvSpPr>
@@ -1476,8 +1481,8 @@
         </p:nvSpPr>
         <p:spPr>
           <a:xfrm>
-            <a:off x="6172200" y="1681163"/>
-            <a:ext cx="5183188" cy="823912"/>
+            <a:off x="6597344" y="2391766"/>
+            <a:ext cx="5540207" cy="1172167"/>
           </a:xfrm>
         </p:spPr>
         <p:txBody>
@@ -1485,53 +1490,53 @@
           <a:lstStyle>
             <a:lvl1pPr marL="0" indent="0">
               <a:buNone/>
-              <a:defRPr sz="2400" b="1"/>
+              <a:defRPr sz="3414" b="1"/>
             </a:lvl1pPr>
-            <a:lvl2pPr marL="457200" indent="0">
-              <a:buNone/>
-              <a:defRPr sz="2000" b="1"/>
+            <a:lvl2pPr marL="650458" indent="0">
+              <a:buNone/>
+              <a:defRPr sz="2845" b="1"/>
             </a:lvl2pPr>
-            <a:lvl3pPr marL="914400" indent="0">
-              <a:buNone/>
-              <a:defRPr sz="1800" b="1"/>
+            <a:lvl3pPr marL="1300917" indent="0">
+              <a:buNone/>
+              <a:defRPr sz="2561" b="1"/>
             </a:lvl3pPr>
-            <a:lvl4pPr marL="1371600" indent="0">
-              <a:buNone/>
-              <a:defRPr sz="1600" b="1"/>
+            <a:lvl4pPr marL="1951375" indent="0">
+              <a:buNone/>
+              <a:defRPr sz="2276" b="1"/>
             </a:lvl4pPr>
-            <a:lvl5pPr marL="1828800" indent="0">
-              <a:buNone/>
-              <a:defRPr sz="1600" b="1"/>
+            <a:lvl5pPr marL="2601834" indent="0">
+              <a:buNone/>
+              <a:defRPr sz="2276" b="1"/>
             </a:lvl5pPr>
-            <a:lvl6pPr marL="2286000" indent="0">
-              <a:buNone/>
-              <a:defRPr sz="1600" b="1"/>
+            <a:lvl6pPr marL="3252292" indent="0">
+              <a:buNone/>
+              <a:defRPr sz="2276" b="1"/>
             </a:lvl6pPr>
-            <a:lvl7pPr marL="2743200" indent="0">
-              <a:buNone/>
-              <a:defRPr sz="1600" b="1"/>
+            <a:lvl7pPr marL="3902751" indent="0">
+              <a:buNone/>
+              <a:defRPr sz="2276" b="1"/>
             </a:lvl7pPr>
-            <a:lvl8pPr marL="3200400" indent="0">
-              <a:buNone/>
-              <a:defRPr sz="1600" b="1"/>
+            <a:lvl8pPr marL="4553209" indent="0">
+              <a:buNone/>
+              <a:defRPr sz="2276" b="1"/>
             </a:lvl8pPr>
-            <a:lvl9pPr marL="3657600" indent="0">
-              <a:buNone/>
-              <a:defRPr sz="1600" b="1"/>
+            <a:lvl9pPr marL="5203668" indent="0">
+              <a:buNone/>
+              <a:defRPr sz="2276" b="1"/>
             </a:lvl9pPr>
           </a:lstStyle>
           <a:p>
             <a:pPr lvl="0"/>
             <a:r>
-              <a:rPr lang="ko-KR" altLang="en-US" smtClean="0"/>
-              <a:t>마스터 텍스트 스타일을 편집합니다</a:t>
-            </a:r>
-          </a:p>
-        </p:txBody>
-      </p:sp>
-      <p:sp>
-        <p:nvSpPr>
-          <p:cNvPr id="6" name="내용 개체 틀 5"/>
+              <a:rPr lang="ko-KR" altLang="en-US"/>
+              <a:t>마스터 텍스트 스타일을 편집하려면 클릭</a:t>
+            </a:r>
+          </a:p>
+        </p:txBody>
+      </p:sp>
+      <p:sp>
+        <p:nvSpPr>
+          <p:cNvPr id="6" name="Content Placeholder 5"/>
           <p:cNvSpPr>
             <a:spLocks noGrp="1"/>
           </p:cNvSpPr>
@@ -1541,8 +1546,8 @@
         </p:nvSpPr>
         <p:spPr>
           <a:xfrm>
-            <a:off x="6172200" y="2505075"/>
-            <a:ext cx="5183188" cy="3684588"/>
+            <a:off x="6597344" y="3563933"/>
+            <a:ext cx="5540207" cy="5242009"/>
           </a:xfrm>
         </p:spPr>
         <p:txBody>
@@ -1551,44 +1556,44 @@
           <a:p>
             <a:pPr lvl="0"/>
             <a:r>
-              <a:rPr lang="ko-KR" altLang="en-US" smtClean="0"/>
-              <a:t>마스터 텍스트 스타일을 편집합니다</a:t>
+              <a:rPr lang="ko-KR" altLang="en-US"/>
+              <a:t>마스터 텍스트 스타일을 편집하려면 클릭</a:t>
             </a:r>
           </a:p>
           <a:p>
             <a:pPr lvl="1"/>
             <a:r>
-              <a:rPr lang="ko-KR" altLang="en-US" smtClean="0"/>
-              <a:t>둘째 수준</a:t>
+              <a:rPr lang="ko-KR" altLang="en-US"/>
+              <a:t>두 번째 수준</a:t>
             </a:r>
           </a:p>
           <a:p>
             <a:pPr lvl="2"/>
             <a:r>
-              <a:rPr lang="ko-KR" altLang="en-US" smtClean="0"/>
-              <a:t>셋째 수준</a:t>
+              <a:rPr lang="ko-KR" altLang="en-US"/>
+              <a:t>세 번째 수준</a:t>
             </a:r>
           </a:p>
           <a:p>
             <a:pPr lvl="3"/>
             <a:r>
-              <a:rPr lang="ko-KR" altLang="en-US" smtClean="0"/>
-              <a:t>넷째 수준</a:t>
+              <a:rPr lang="ko-KR" altLang="en-US"/>
+              <a:t>네 번째 수준</a:t>
             </a:r>
           </a:p>
           <a:p>
             <a:pPr lvl="4"/>
             <a:r>
-              <a:rPr lang="ko-KR" altLang="en-US" smtClean="0"/>
-              <a:t>다섯째 수준</a:t>
-            </a:r>
-            <a:endParaRPr lang="ko-KR" altLang="en-US"/>
-          </a:p>
-        </p:txBody>
-      </p:sp>
-      <p:sp>
-        <p:nvSpPr>
-          <p:cNvPr id="7" name="날짜 개체 틀 6"/>
+              <a:rPr lang="ko-KR" altLang="en-US"/>
+              <a:t>다섯 번째 수준</a:t>
+            </a:r>
+            <a:endParaRPr lang="en-US" dirty="0"/>
+          </a:p>
+        </p:txBody>
+      </p:sp>
+      <p:sp>
+        <p:nvSpPr>
+          <p:cNvPr id="7" name="Date Placeholder 6"/>
           <p:cNvSpPr>
             <a:spLocks noGrp="1"/>
           </p:cNvSpPr>
@@ -1603,7 +1608,7 @@
           <a:p>
             <a:fld id="{3C26D507-50A3-40A7-8B18-0882E64726B7}" type="datetimeFigureOut">
               <a:rPr lang="ko-KR" altLang="en-US" smtClean="0"/>
-              <a:t>2023-06-30</a:t>
+              <a:t>2023-07-03</a:t>
             </a:fld>
             <a:endParaRPr lang="ko-KR" altLang="en-US"/>
           </a:p>
@@ -1611,7 +1616,7 @@
       </p:sp>
       <p:sp>
         <p:nvSpPr>
-          <p:cNvPr id="8" name="바닥글 개체 틀 7"/>
+          <p:cNvPr id="8" name="Footer Placeholder 7"/>
           <p:cNvSpPr>
             <a:spLocks noGrp="1"/>
           </p:cNvSpPr>
@@ -1630,7 +1635,7 @@
       </p:sp>
       <p:sp>
         <p:nvSpPr>
-          <p:cNvPr id="9" name="슬라이드 번호 개체 틀 8"/>
+          <p:cNvPr id="9" name="Slide Number Placeholder 8"/>
           <p:cNvSpPr>
             <a:spLocks noGrp="1"/>
           </p:cNvSpPr>
@@ -1654,7 +1659,7 @@
     </p:spTree>
     <p:extLst>
       <p:ext uri="{BB962C8B-B14F-4D97-AF65-F5344CB8AC3E}">
-        <p14:creationId xmlns:p14="http://schemas.microsoft.com/office/powerpoint/2010/main" val="1213620112"/>
+        <p14:creationId xmlns:p14="http://schemas.microsoft.com/office/powerpoint/2010/main" val="3074983012"/>
       </p:ext>
     </p:extLst>
   </p:cSld>
@@ -1683,7 +1688,7 @@
       </p:grpSpPr>
       <p:sp>
         <p:nvSpPr>
-          <p:cNvPr id="2" name="제목 1"/>
+          <p:cNvPr id="2" name="Title 1"/>
           <p:cNvSpPr>
             <a:spLocks noGrp="1"/>
           </p:cNvSpPr>
@@ -1697,16 +1702,16 @@
           <a:lstStyle/>
           <a:p>
             <a:r>
-              <a:rPr lang="ko-KR" altLang="en-US" smtClean="0"/>
+              <a:rPr lang="ko-KR" altLang="en-US"/>
               <a:t>마스터 제목 스타일 편집</a:t>
             </a:r>
-            <a:endParaRPr lang="ko-KR" altLang="en-US"/>
-          </a:p>
-        </p:txBody>
-      </p:sp>
-      <p:sp>
-        <p:nvSpPr>
-          <p:cNvPr id="3" name="날짜 개체 틀 2"/>
+            <a:endParaRPr lang="en-US" dirty="0"/>
+          </a:p>
+        </p:txBody>
+      </p:sp>
+      <p:sp>
+        <p:nvSpPr>
+          <p:cNvPr id="3" name="Date Placeholder 2"/>
           <p:cNvSpPr>
             <a:spLocks noGrp="1"/>
           </p:cNvSpPr>
@@ -1721,7 +1726,7 @@
           <a:p>
             <a:fld id="{3C26D507-50A3-40A7-8B18-0882E64726B7}" type="datetimeFigureOut">
               <a:rPr lang="ko-KR" altLang="en-US" smtClean="0"/>
-              <a:t>2023-06-30</a:t>
+              <a:t>2023-07-03</a:t>
             </a:fld>
             <a:endParaRPr lang="ko-KR" altLang="en-US"/>
           </a:p>
@@ -1729,7 +1734,7 @@
       </p:sp>
       <p:sp>
         <p:nvSpPr>
-          <p:cNvPr id="4" name="바닥글 개체 틀 3"/>
+          <p:cNvPr id="4" name="Footer Placeholder 3"/>
           <p:cNvSpPr>
             <a:spLocks noGrp="1"/>
           </p:cNvSpPr>
@@ -1748,7 +1753,7 @@
       </p:sp>
       <p:sp>
         <p:nvSpPr>
-          <p:cNvPr id="5" name="슬라이드 번호 개체 틀 4"/>
+          <p:cNvPr id="5" name="Slide Number Placeholder 4"/>
           <p:cNvSpPr>
             <a:spLocks noGrp="1"/>
           </p:cNvSpPr>
@@ -1772,7 +1777,7 @@
     </p:spTree>
     <p:extLst>
       <p:ext uri="{BB962C8B-B14F-4D97-AF65-F5344CB8AC3E}">
-        <p14:creationId xmlns:p14="http://schemas.microsoft.com/office/powerpoint/2010/main" val="1124864131"/>
+        <p14:creationId xmlns:p14="http://schemas.microsoft.com/office/powerpoint/2010/main" val="2733613427"/>
       </p:ext>
     </p:extLst>
   </p:cSld>
@@ -1801,7 +1806,7 @@
       </p:grpSpPr>
       <p:sp>
         <p:nvSpPr>
-          <p:cNvPr id="2" name="날짜 개체 틀 1"/>
+          <p:cNvPr id="2" name="Date Placeholder 1"/>
           <p:cNvSpPr>
             <a:spLocks noGrp="1"/>
           </p:cNvSpPr>
@@ -1816,7 +1821,7 @@
           <a:p>
             <a:fld id="{3C26D507-50A3-40A7-8B18-0882E64726B7}" type="datetimeFigureOut">
               <a:rPr lang="ko-KR" altLang="en-US" smtClean="0"/>
-              <a:t>2023-06-30</a:t>
+              <a:t>2023-07-03</a:t>
             </a:fld>
             <a:endParaRPr lang="ko-KR" altLang="en-US"/>
           </a:p>
@@ -1824,7 +1829,7 @@
       </p:sp>
       <p:sp>
         <p:nvSpPr>
-          <p:cNvPr id="3" name="바닥글 개체 틀 2"/>
+          <p:cNvPr id="3" name="Footer Placeholder 2"/>
           <p:cNvSpPr>
             <a:spLocks noGrp="1"/>
           </p:cNvSpPr>
@@ -1843,7 +1848,7 @@
       </p:sp>
       <p:sp>
         <p:nvSpPr>
-          <p:cNvPr id="4" name="슬라이드 번호 개체 틀 3"/>
+          <p:cNvPr id="4" name="Slide Number Placeholder 3"/>
           <p:cNvSpPr>
             <a:spLocks noGrp="1"/>
           </p:cNvSpPr>
@@ -1867,7 +1872,7 @@
     </p:spTree>
     <p:extLst>
       <p:ext uri="{BB962C8B-B14F-4D97-AF65-F5344CB8AC3E}">
-        <p14:creationId xmlns:p14="http://schemas.microsoft.com/office/powerpoint/2010/main" val="1781046013"/>
+        <p14:creationId xmlns:p14="http://schemas.microsoft.com/office/powerpoint/2010/main" val="41193810"/>
       </p:ext>
     </p:extLst>
   </p:cSld>
@@ -1896,7 +1901,7 @@
       </p:grpSpPr>
       <p:sp>
         <p:nvSpPr>
-          <p:cNvPr id="2" name="제목 1"/>
+          <p:cNvPr id="2" name="Title 1"/>
           <p:cNvSpPr>
             <a:spLocks noGrp="1"/>
           </p:cNvSpPr>
@@ -1906,29 +1911,29 @@
         </p:nvSpPr>
         <p:spPr>
           <a:xfrm>
-            <a:off x="839788" y="457200"/>
-            <a:ext cx="3932237" cy="1600200"/>
+            <a:off x="897633" y="650452"/>
+            <a:ext cx="4203091" cy="2276581"/>
           </a:xfrm>
         </p:spPr>
         <p:txBody>
           <a:bodyPr anchor="b"/>
           <a:lstStyle>
             <a:lvl1pPr>
-              <a:defRPr sz="3200"/>
+              <a:defRPr sz="4553"/>
             </a:lvl1pPr>
           </a:lstStyle>
           <a:p>
             <a:r>
-              <a:rPr lang="ko-KR" altLang="en-US" smtClean="0"/>
+              <a:rPr lang="ko-KR" altLang="en-US"/>
               <a:t>마스터 제목 스타일 편집</a:t>
             </a:r>
-            <a:endParaRPr lang="ko-KR" altLang="en-US"/>
-          </a:p>
-        </p:txBody>
-      </p:sp>
-      <p:sp>
-        <p:nvSpPr>
-          <p:cNvPr id="3" name="내용 개체 틀 2"/>
+            <a:endParaRPr lang="en-US" dirty="0"/>
+          </a:p>
+        </p:txBody>
+      </p:sp>
+      <p:sp>
+        <p:nvSpPr>
+          <p:cNvPr id="3" name="Content Placeholder 2"/>
           <p:cNvSpPr>
             <a:spLocks noGrp="1"/>
           </p:cNvSpPr>
@@ -1938,82 +1943,82 @@
         </p:nvSpPr>
         <p:spPr>
           <a:xfrm>
-            <a:off x="5183188" y="987425"/>
-            <a:ext cx="6172200" cy="4873625"/>
+            <a:off x="5540207" y="1404797"/>
+            <a:ext cx="6597343" cy="6933634"/>
           </a:xfrm>
         </p:spPr>
         <p:txBody>
           <a:bodyPr/>
           <a:lstStyle>
             <a:lvl1pPr>
-              <a:defRPr sz="3200"/>
+              <a:defRPr sz="4553"/>
             </a:lvl1pPr>
             <a:lvl2pPr>
-              <a:defRPr sz="2800"/>
+              <a:defRPr sz="3984"/>
             </a:lvl2pPr>
             <a:lvl3pPr>
-              <a:defRPr sz="2400"/>
+              <a:defRPr sz="3414"/>
             </a:lvl3pPr>
             <a:lvl4pPr>
-              <a:defRPr sz="2000"/>
+              <a:defRPr sz="2845"/>
             </a:lvl4pPr>
             <a:lvl5pPr>
-              <a:defRPr sz="2000"/>
+              <a:defRPr sz="2845"/>
             </a:lvl5pPr>
             <a:lvl6pPr>
-              <a:defRPr sz="2000"/>
+              <a:defRPr sz="2845"/>
             </a:lvl6pPr>
             <a:lvl7pPr>
-              <a:defRPr sz="2000"/>
+              <a:defRPr sz="2845"/>
             </a:lvl7pPr>
             <a:lvl8pPr>
-              <a:defRPr sz="2000"/>
+              <a:defRPr sz="2845"/>
             </a:lvl8pPr>
             <a:lvl9pPr>
-              <a:defRPr sz="2000"/>
+              <a:defRPr sz="2845"/>
             </a:lvl9pPr>
           </a:lstStyle>
           <a:p>
             <a:pPr lvl="0"/>
             <a:r>
-              <a:rPr lang="ko-KR" altLang="en-US" smtClean="0"/>
-              <a:t>마스터 텍스트 스타일을 편집합니다</a:t>
+              <a:rPr lang="ko-KR" altLang="en-US"/>
+              <a:t>마스터 텍스트 스타일을 편집하려면 클릭</a:t>
             </a:r>
           </a:p>
           <a:p>
             <a:pPr lvl="1"/>
             <a:r>
-              <a:rPr lang="ko-KR" altLang="en-US" smtClean="0"/>
-              <a:t>둘째 수준</a:t>
+              <a:rPr lang="ko-KR" altLang="en-US"/>
+              <a:t>두 번째 수준</a:t>
             </a:r>
           </a:p>
           <a:p>
             <a:pPr lvl="2"/>
             <a:r>
-              <a:rPr lang="ko-KR" altLang="en-US" smtClean="0"/>
-              <a:t>셋째 수준</a:t>
+              <a:rPr lang="ko-KR" altLang="en-US"/>
+              <a:t>세 번째 수준</a:t>
             </a:r>
           </a:p>
           <a:p>
             <a:pPr lvl="3"/>
             <a:r>
-              <a:rPr lang="ko-KR" altLang="en-US" smtClean="0"/>
-              <a:t>넷째 수준</a:t>
+              <a:rPr lang="ko-KR" altLang="en-US"/>
+              <a:t>네 번째 수준</a:t>
             </a:r>
           </a:p>
           <a:p>
             <a:pPr lvl="4"/>
             <a:r>
-              <a:rPr lang="ko-KR" altLang="en-US" smtClean="0"/>
-              <a:t>다섯째 수준</a:t>
-            </a:r>
-            <a:endParaRPr lang="ko-KR" altLang="en-US"/>
-          </a:p>
-        </p:txBody>
-      </p:sp>
-      <p:sp>
-        <p:nvSpPr>
-          <p:cNvPr id="4" name="텍스트 개체 틀 3"/>
+              <a:rPr lang="ko-KR" altLang="en-US"/>
+              <a:t>다섯 번째 수준</a:t>
+            </a:r>
+            <a:endParaRPr lang="en-US" dirty="0"/>
+          </a:p>
+        </p:txBody>
+      </p:sp>
+      <p:sp>
+        <p:nvSpPr>
+          <p:cNvPr id="4" name="Text Placeholder 3"/>
           <p:cNvSpPr>
             <a:spLocks noGrp="1"/>
           </p:cNvSpPr>
@@ -2023,8 +2028,8 @@
         </p:nvSpPr>
         <p:spPr>
           <a:xfrm>
-            <a:off x="839788" y="2057400"/>
-            <a:ext cx="3932237" cy="3811588"/>
+            <a:off x="897633" y="2927032"/>
+            <a:ext cx="4203091" cy="5422690"/>
           </a:xfrm>
         </p:spPr>
         <p:txBody>
@@ -2032,53 +2037,53 @@
           <a:lstStyle>
             <a:lvl1pPr marL="0" indent="0">
               <a:buNone/>
-              <a:defRPr sz="1600"/>
+              <a:defRPr sz="2276"/>
             </a:lvl1pPr>
-            <a:lvl2pPr marL="457200" indent="0">
-              <a:buNone/>
-              <a:defRPr sz="1400"/>
+            <a:lvl2pPr marL="650458" indent="0">
+              <a:buNone/>
+              <a:defRPr sz="1992"/>
             </a:lvl2pPr>
-            <a:lvl3pPr marL="914400" indent="0">
-              <a:buNone/>
-              <a:defRPr sz="1200"/>
+            <a:lvl3pPr marL="1300917" indent="0">
+              <a:buNone/>
+              <a:defRPr sz="1707"/>
             </a:lvl3pPr>
-            <a:lvl4pPr marL="1371600" indent="0">
-              <a:buNone/>
-              <a:defRPr sz="1000"/>
+            <a:lvl4pPr marL="1951375" indent="0">
+              <a:buNone/>
+              <a:defRPr sz="1423"/>
             </a:lvl4pPr>
-            <a:lvl5pPr marL="1828800" indent="0">
-              <a:buNone/>
-              <a:defRPr sz="1000"/>
+            <a:lvl5pPr marL="2601834" indent="0">
+              <a:buNone/>
+              <a:defRPr sz="1423"/>
             </a:lvl5pPr>
-            <a:lvl6pPr marL="2286000" indent="0">
-              <a:buNone/>
-              <a:defRPr sz="1000"/>
+            <a:lvl6pPr marL="3252292" indent="0">
+              <a:buNone/>
+              <a:defRPr sz="1423"/>
             </a:lvl6pPr>
-            <a:lvl7pPr marL="2743200" indent="0">
-              <a:buNone/>
-              <a:defRPr sz="1000"/>
+            <a:lvl7pPr marL="3902751" indent="0">
+              <a:buNone/>
+              <a:defRPr sz="1423"/>
             </a:lvl7pPr>
-            <a:lvl8pPr marL="3200400" indent="0">
-              <a:buNone/>
-              <a:defRPr sz="1000"/>
+            <a:lvl8pPr marL="4553209" indent="0">
+              <a:buNone/>
+              <a:defRPr sz="1423"/>
             </a:lvl8pPr>
-            <a:lvl9pPr marL="3657600" indent="0">
-              <a:buNone/>
-              <a:defRPr sz="1000"/>
+            <a:lvl9pPr marL="5203668" indent="0">
+              <a:buNone/>
+              <a:defRPr sz="1423"/>
             </a:lvl9pPr>
           </a:lstStyle>
           <a:p>
             <a:pPr lvl="0"/>
             <a:r>
-              <a:rPr lang="ko-KR" altLang="en-US" smtClean="0"/>
-              <a:t>마스터 텍스트 스타일을 편집합니다</a:t>
-            </a:r>
-          </a:p>
-        </p:txBody>
-      </p:sp>
-      <p:sp>
-        <p:nvSpPr>
-          <p:cNvPr id="5" name="날짜 개체 틀 4"/>
+              <a:rPr lang="ko-KR" altLang="en-US"/>
+              <a:t>마스터 텍스트 스타일을 편집하려면 클릭</a:t>
+            </a:r>
+          </a:p>
+        </p:txBody>
+      </p:sp>
+      <p:sp>
+        <p:nvSpPr>
+          <p:cNvPr id="5" name="Date Placeholder 4"/>
           <p:cNvSpPr>
             <a:spLocks noGrp="1"/>
           </p:cNvSpPr>
@@ -2093,7 +2098,7 @@
           <a:p>
             <a:fld id="{3C26D507-50A3-40A7-8B18-0882E64726B7}" type="datetimeFigureOut">
               <a:rPr lang="ko-KR" altLang="en-US" smtClean="0"/>
-              <a:t>2023-06-30</a:t>
+              <a:t>2023-07-03</a:t>
             </a:fld>
             <a:endParaRPr lang="ko-KR" altLang="en-US"/>
           </a:p>
@@ -2101,7 +2106,7 @@
       </p:sp>
       <p:sp>
         <p:nvSpPr>
-          <p:cNvPr id="6" name="바닥글 개체 틀 5"/>
+          <p:cNvPr id="6" name="Footer Placeholder 5"/>
           <p:cNvSpPr>
             <a:spLocks noGrp="1"/>
           </p:cNvSpPr>
@@ -2120,7 +2125,7 @@
       </p:sp>
       <p:sp>
         <p:nvSpPr>
-          <p:cNvPr id="7" name="슬라이드 번호 개체 틀 6"/>
+          <p:cNvPr id="7" name="Slide Number Placeholder 6"/>
           <p:cNvSpPr>
             <a:spLocks noGrp="1"/>
           </p:cNvSpPr>
@@ -2144,7 +2149,7 @@
     </p:spTree>
     <p:extLst>
       <p:ext uri="{BB962C8B-B14F-4D97-AF65-F5344CB8AC3E}">
-        <p14:creationId xmlns:p14="http://schemas.microsoft.com/office/powerpoint/2010/main" val="2855503030"/>
+        <p14:creationId xmlns:p14="http://schemas.microsoft.com/office/powerpoint/2010/main" val="66450076"/>
       </p:ext>
     </p:extLst>
   </p:cSld>
@@ -2173,7 +2178,7 @@
       </p:grpSpPr>
       <p:sp>
         <p:nvSpPr>
-          <p:cNvPr id="2" name="제목 1"/>
+          <p:cNvPr id="2" name="Title 1"/>
           <p:cNvSpPr>
             <a:spLocks noGrp="1"/>
           </p:cNvSpPr>
@@ -2183,31 +2188,31 @@
         </p:nvSpPr>
         <p:spPr>
           <a:xfrm>
-            <a:off x="839788" y="457200"/>
-            <a:ext cx="3932237" cy="1600200"/>
+            <a:off x="897633" y="650452"/>
+            <a:ext cx="4203091" cy="2276581"/>
           </a:xfrm>
         </p:spPr>
         <p:txBody>
           <a:bodyPr anchor="b"/>
           <a:lstStyle>
             <a:lvl1pPr>
-              <a:defRPr sz="3200"/>
+              <a:defRPr sz="4553"/>
             </a:lvl1pPr>
           </a:lstStyle>
           <a:p>
             <a:r>
-              <a:rPr lang="ko-KR" altLang="en-US" smtClean="0"/>
+              <a:rPr lang="ko-KR" altLang="en-US"/>
               <a:t>마스터 제목 스타일 편집</a:t>
             </a:r>
-            <a:endParaRPr lang="ko-KR" altLang="en-US"/>
-          </a:p>
-        </p:txBody>
-      </p:sp>
-      <p:sp>
-        <p:nvSpPr>
-          <p:cNvPr id="3" name="그림 개체 틀 2"/>
-          <p:cNvSpPr>
-            <a:spLocks noGrp="1"/>
+            <a:endParaRPr lang="en-US" dirty="0"/>
+          </a:p>
+        </p:txBody>
+      </p:sp>
+      <p:sp>
+        <p:nvSpPr>
+          <p:cNvPr id="3" name="Picture Placeholder 2"/>
+          <p:cNvSpPr>
+            <a:spLocks noGrp="1" noChangeAspect="1"/>
           </p:cNvSpPr>
           <p:nvPr>
             <p:ph type="pic" idx="1"/>
@@ -2215,8 +2220,73 @@
         </p:nvSpPr>
         <p:spPr>
           <a:xfrm>
-            <a:off x="5183188" y="987425"/>
-            <a:ext cx="6172200" cy="4873625"/>
+            <a:off x="5540207" y="1404797"/>
+            <a:ext cx="6597343" cy="6933634"/>
+          </a:xfrm>
+        </p:spPr>
+        <p:txBody>
+          <a:bodyPr anchor="t"/>
+          <a:lstStyle>
+            <a:lvl1pPr marL="0" indent="0">
+              <a:buNone/>
+              <a:defRPr sz="4553"/>
+            </a:lvl1pPr>
+            <a:lvl2pPr marL="650458" indent="0">
+              <a:buNone/>
+              <a:defRPr sz="3984"/>
+            </a:lvl2pPr>
+            <a:lvl3pPr marL="1300917" indent="0">
+              <a:buNone/>
+              <a:defRPr sz="3414"/>
+            </a:lvl3pPr>
+            <a:lvl4pPr marL="1951375" indent="0">
+              <a:buNone/>
+              <a:defRPr sz="2845"/>
+            </a:lvl4pPr>
+            <a:lvl5pPr marL="2601834" indent="0">
+              <a:buNone/>
+              <a:defRPr sz="2845"/>
+            </a:lvl5pPr>
+            <a:lvl6pPr marL="3252292" indent="0">
+              <a:buNone/>
+              <a:defRPr sz="2845"/>
+            </a:lvl6pPr>
+            <a:lvl7pPr marL="3902751" indent="0">
+              <a:buNone/>
+              <a:defRPr sz="2845"/>
+            </a:lvl7pPr>
+            <a:lvl8pPr marL="4553209" indent="0">
+              <a:buNone/>
+              <a:defRPr sz="2845"/>
+            </a:lvl8pPr>
+            <a:lvl9pPr marL="5203668" indent="0">
+              <a:buNone/>
+              <a:defRPr sz="2845"/>
+            </a:lvl9pPr>
+          </a:lstStyle>
+          <a:p>
+            <a:r>
+              <a:rPr lang="ko-KR" altLang="en-US"/>
+              <a:t>그림을 추가하려면 아이콘을 클릭하십시오</a:t>
+            </a:r>
+            <a:endParaRPr lang="en-US" dirty="0"/>
+          </a:p>
+        </p:txBody>
+      </p:sp>
+      <p:sp>
+        <p:nvSpPr>
+          <p:cNvPr id="4" name="Text Placeholder 3"/>
+          <p:cNvSpPr>
+            <a:spLocks noGrp="1"/>
+          </p:cNvSpPr>
+          <p:nvPr>
+            <p:ph type="body" sz="half" idx="2"/>
+          </p:nvPr>
+        </p:nvSpPr>
+        <p:spPr>
+          <a:xfrm>
+            <a:off x="897633" y="2927032"/>
+            <a:ext cx="4203091" cy="5422690"/>
           </a:xfrm>
         </p:spPr>
         <p:txBody>
@@ -2224,114 +2294,53 @@
           <a:lstStyle>
             <a:lvl1pPr marL="0" indent="0">
               <a:buNone/>
-              <a:defRPr sz="3200"/>
+              <a:defRPr sz="2276"/>
             </a:lvl1pPr>
-            <a:lvl2pPr marL="457200" indent="0">
-              <a:buNone/>
-              <a:defRPr sz="2800"/>
+            <a:lvl2pPr marL="650458" indent="0">
+              <a:buNone/>
+              <a:defRPr sz="1992"/>
             </a:lvl2pPr>
-            <a:lvl3pPr marL="914400" indent="0">
-              <a:buNone/>
-              <a:defRPr sz="2400"/>
+            <a:lvl3pPr marL="1300917" indent="0">
+              <a:buNone/>
+              <a:defRPr sz="1707"/>
             </a:lvl3pPr>
-            <a:lvl4pPr marL="1371600" indent="0">
-              <a:buNone/>
-              <a:defRPr sz="2000"/>
+            <a:lvl4pPr marL="1951375" indent="0">
+              <a:buNone/>
+              <a:defRPr sz="1423"/>
             </a:lvl4pPr>
-            <a:lvl5pPr marL="1828800" indent="0">
-              <a:buNone/>
-              <a:defRPr sz="2000"/>
+            <a:lvl5pPr marL="2601834" indent="0">
+              <a:buNone/>
+              <a:defRPr sz="1423"/>
             </a:lvl5pPr>
-            <a:lvl6pPr marL="2286000" indent="0">
-              <a:buNone/>
-              <a:defRPr sz="2000"/>
+            <a:lvl6pPr marL="3252292" indent="0">
+              <a:buNone/>
+              <a:defRPr sz="1423"/>
             </a:lvl6pPr>
-            <a:lvl7pPr marL="2743200" indent="0">
-              <a:buNone/>
-              <a:defRPr sz="2000"/>
+            <a:lvl7pPr marL="3902751" indent="0">
+              <a:buNone/>
+              <a:defRPr sz="1423"/>
             </a:lvl7pPr>
-            <a:lvl8pPr marL="3200400" indent="0">
-              <a:buNone/>
-              <a:defRPr sz="2000"/>
+            <a:lvl8pPr marL="4553209" indent="0">
+              <a:buNone/>
+              <a:defRPr sz="1423"/>
             </a:lvl8pPr>
-            <a:lvl9pPr marL="3657600" indent="0">
-              <a:buNone/>
-              <a:defRPr sz="2000"/>
+            <a:lvl9pPr marL="5203668" indent="0">
+              <a:buNone/>
+              <a:defRPr sz="1423"/>
             </a:lvl9pPr>
           </a:lstStyle>
           <a:p>
-            <a:endParaRPr lang="ko-KR" altLang="en-US"/>
-          </a:p>
-        </p:txBody>
-      </p:sp>
-      <p:sp>
-        <p:nvSpPr>
-          <p:cNvPr id="4" name="텍스트 개체 틀 3"/>
-          <p:cNvSpPr>
-            <a:spLocks noGrp="1"/>
-          </p:cNvSpPr>
-          <p:nvPr>
-            <p:ph type="body" sz="half" idx="2"/>
-          </p:nvPr>
-        </p:nvSpPr>
-        <p:spPr>
-          <a:xfrm>
-            <a:off x="839788" y="2057400"/>
-            <a:ext cx="3932237" cy="3811588"/>
-          </a:xfrm>
-        </p:spPr>
-        <p:txBody>
-          <a:bodyPr/>
-          <a:lstStyle>
-            <a:lvl1pPr marL="0" indent="0">
-              <a:buNone/>
-              <a:defRPr sz="1600"/>
-            </a:lvl1pPr>
-            <a:lvl2pPr marL="457200" indent="0">
-              <a:buNone/>
-              <a:defRPr sz="1400"/>
-            </a:lvl2pPr>
-            <a:lvl3pPr marL="914400" indent="0">
-              <a:buNone/>
-              <a:defRPr sz="1200"/>
-            </a:lvl3pPr>
-            <a:lvl4pPr marL="1371600" indent="0">
-              <a:buNone/>
-              <a:defRPr sz="1000"/>
-            </a:lvl4pPr>
-            <a:lvl5pPr marL="1828800" indent="0">
-              <a:buNone/>
-              <a:defRPr sz="1000"/>
-            </a:lvl5pPr>
-            <a:lvl6pPr marL="2286000" indent="0">
-              <a:buNone/>
-              <a:defRPr sz="1000"/>
-            </a:lvl6pPr>
-            <a:lvl7pPr marL="2743200" indent="0">
-              <a:buNone/>
-              <a:defRPr sz="1000"/>
-            </a:lvl7pPr>
-            <a:lvl8pPr marL="3200400" indent="0">
-              <a:buNone/>
-              <a:defRPr sz="1000"/>
-            </a:lvl8pPr>
-            <a:lvl9pPr marL="3657600" indent="0">
-              <a:buNone/>
-              <a:defRPr sz="1000"/>
-            </a:lvl9pPr>
-          </a:lstStyle>
-          <a:p>
             <a:pPr lvl="0"/>
             <a:r>
-              <a:rPr lang="ko-KR" altLang="en-US" smtClean="0"/>
-              <a:t>마스터 텍스트 스타일을 편집합니다</a:t>
-            </a:r>
-          </a:p>
-        </p:txBody>
-      </p:sp>
-      <p:sp>
-        <p:nvSpPr>
-          <p:cNvPr id="5" name="날짜 개체 틀 4"/>
+              <a:rPr lang="ko-KR" altLang="en-US"/>
+              <a:t>마스터 텍스트 스타일을 편집하려면 클릭</a:t>
+            </a:r>
+          </a:p>
+        </p:txBody>
+      </p:sp>
+      <p:sp>
+        <p:nvSpPr>
+          <p:cNvPr id="5" name="Date Placeholder 4"/>
           <p:cNvSpPr>
             <a:spLocks noGrp="1"/>
           </p:cNvSpPr>
@@ -2346,7 +2355,7 @@
           <a:p>
             <a:fld id="{3C26D507-50A3-40A7-8B18-0882E64726B7}" type="datetimeFigureOut">
               <a:rPr lang="ko-KR" altLang="en-US" smtClean="0"/>
-              <a:t>2023-06-30</a:t>
+              <a:t>2023-07-03</a:t>
             </a:fld>
             <a:endParaRPr lang="ko-KR" altLang="en-US"/>
           </a:p>
@@ -2354,7 +2363,7 @@
       </p:sp>
       <p:sp>
         <p:nvSpPr>
-          <p:cNvPr id="6" name="바닥글 개체 틀 5"/>
+          <p:cNvPr id="6" name="Footer Placeholder 5"/>
           <p:cNvSpPr>
             <a:spLocks noGrp="1"/>
           </p:cNvSpPr>
@@ -2373,7 +2382,7 @@
       </p:sp>
       <p:sp>
         <p:nvSpPr>
-          <p:cNvPr id="7" name="슬라이드 번호 개체 틀 6"/>
+          <p:cNvPr id="7" name="Slide Number Placeholder 6"/>
           <p:cNvSpPr>
             <a:spLocks noGrp="1"/>
           </p:cNvSpPr>
@@ -2397,7 +2406,7 @@
     </p:spTree>
     <p:extLst>
       <p:ext uri="{BB962C8B-B14F-4D97-AF65-F5344CB8AC3E}">
-        <p14:creationId xmlns:p14="http://schemas.microsoft.com/office/powerpoint/2010/main" val="1259782448"/>
+        <p14:creationId xmlns:p14="http://schemas.microsoft.com/office/powerpoint/2010/main" val="533553582"/>
       </p:ext>
     </p:extLst>
   </p:cSld>
@@ -2431,7 +2440,7 @@
       </p:grpSpPr>
       <p:sp>
         <p:nvSpPr>
-          <p:cNvPr id="2" name="제목 개체 틀 1"/>
+          <p:cNvPr id="2" name="Title Placeholder 1"/>
           <p:cNvSpPr>
             <a:spLocks noGrp="1"/>
           </p:cNvSpPr>
@@ -2441,8 +2450,8 @@
         </p:nvSpPr>
         <p:spPr>
           <a:xfrm>
-            <a:off x="838200" y="365125"/>
-            <a:ext cx="10515600" cy="1325563"/>
+            <a:off x="895936" y="519460"/>
+            <a:ext cx="11239917" cy="1885859"/>
           </a:xfrm>
           <a:prstGeom prst="rect">
             <a:avLst/>
@@ -2455,16 +2464,16 @@
           <a:lstStyle/>
           <a:p>
             <a:r>
-              <a:rPr lang="ko-KR" altLang="en-US" smtClean="0"/>
+              <a:rPr lang="ko-KR" altLang="en-US"/>
               <a:t>마스터 제목 스타일 편집</a:t>
             </a:r>
-            <a:endParaRPr lang="ko-KR" altLang="en-US"/>
-          </a:p>
-        </p:txBody>
-      </p:sp>
-      <p:sp>
-        <p:nvSpPr>
-          <p:cNvPr id="3" name="텍스트 개체 틀 2"/>
+            <a:endParaRPr lang="en-US" dirty="0"/>
+          </a:p>
+        </p:txBody>
+      </p:sp>
+      <p:sp>
+        <p:nvSpPr>
+          <p:cNvPr id="3" name="Text Placeholder 2"/>
           <p:cNvSpPr>
             <a:spLocks noGrp="1"/>
           </p:cNvSpPr>
@@ -2474,8 +2483,8 @@
         </p:nvSpPr>
         <p:spPr>
           <a:xfrm>
-            <a:off x="838200" y="1825625"/>
-            <a:ext cx="10515600" cy="4351338"/>
+            <a:off x="895936" y="2597290"/>
+            <a:ext cx="11239917" cy="6190584"/>
           </a:xfrm>
           <a:prstGeom prst="rect">
             <a:avLst/>
@@ -2489,44 +2498,44 @@
           <a:p>
             <a:pPr lvl="0"/>
             <a:r>
-              <a:rPr lang="ko-KR" altLang="en-US" smtClean="0"/>
-              <a:t>마스터 텍스트 스타일을 편집합니다</a:t>
+              <a:rPr lang="ko-KR" altLang="en-US"/>
+              <a:t>마스터 텍스트 스타일을 편집하려면 클릭</a:t>
             </a:r>
           </a:p>
           <a:p>
             <a:pPr lvl="1"/>
             <a:r>
-              <a:rPr lang="ko-KR" altLang="en-US" smtClean="0"/>
-              <a:t>둘째 수준</a:t>
+              <a:rPr lang="ko-KR" altLang="en-US"/>
+              <a:t>두 번째 수준</a:t>
             </a:r>
           </a:p>
           <a:p>
             <a:pPr lvl="2"/>
             <a:r>
-              <a:rPr lang="ko-KR" altLang="en-US" smtClean="0"/>
-              <a:t>셋째 수준</a:t>
+              <a:rPr lang="ko-KR" altLang="en-US"/>
+              <a:t>세 번째 수준</a:t>
             </a:r>
           </a:p>
           <a:p>
             <a:pPr lvl="3"/>
             <a:r>
-              <a:rPr lang="ko-KR" altLang="en-US" smtClean="0"/>
-              <a:t>넷째 수준</a:t>
+              <a:rPr lang="ko-KR" altLang="en-US"/>
+              <a:t>네 번째 수준</a:t>
             </a:r>
           </a:p>
           <a:p>
             <a:pPr lvl="4"/>
             <a:r>
-              <a:rPr lang="ko-KR" altLang="en-US" smtClean="0"/>
-              <a:t>다섯째 수준</a:t>
-            </a:r>
-            <a:endParaRPr lang="ko-KR" altLang="en-US"/>
-          </a:p>
-        </p:txBody>
-      </p:sp>
-      <p:sp>
-        <p:nvSpPr>
-          <p:cNvPr id="4" name="날짜 개체 틀 3"/>
+              <a:rPr lang="ko-KR" altLang="en-US"/>
+              <a:t>다섯 번째 수준</a:t>
+            </a:r>
+            <a:endParaRPr lang="en-US" dirty="0"/>
+          </a:p>
+        </p:txBody>
+      </p:sp>
+      <p:sp>
+        <p:nvSpPr>
+          <p:cNvPr id="4" name="Date Placeholder 3"/>
           <p:cNvSpPr>
             <a:spLocks noGrp="1"/>
           </p:cNvSpPr>
@@ -2536,8 +2545,8 @@
         </p:nvSpPr>
         <p:spPr>
           <a:xfrm>
-            <a:off x="838200" y="6356350"/>
-            <a:ext cx="2743200" cy="365125"/>
+            <a:off x="895936" y="9043087"/>
+            <a:ext cx="2932152" cy="519458"/>
           </a:xfrm>
           <a:prstGeom prst="rect">
             <a:avLst/>
@@ -2547,7 +2556,7 @@
           <a:bodyPr vert="horz" lIns="91440" tIns="45720" rIns="91440" bIns="45720" rtlCol="0" anchor="ctr"/>
           <a:lstStyle>
             <a:lvl1pPr algn="l">
-              <a:defRPr sz="1200">
+              <a:defRPr sz="1707">
                 <a:solidFill>
                   <a:schemeClr val="tx1">
                     <a:tint val="75000"/>
@@ -2559,7 +2568,7 @@
           <a:p>
             <a:fld id="{3C26D507-50A3-40A7-8B18-0882E64726B7}" type="datetimeFigureOut">
               <a:rPr lang="ko-KR" altLang="en-US" smtClean="0"/>
-              <a:t>2023-06-30</a:t>
+              <a:t>2023-07-03</a:t>
             </a:fld>
             <a:endParaRPr lang="ko-KR" altLang="en-US"/>
           </a:p>
@@ -2567,7 +2576,7 @@
       </p:sp>
       <p:sp>
         <p:nvSpPr>
-          <p:cNvPr id="5" name="바닥글 개체 틀 4"/>
+          <p:cNvPr id="5" name="Footer Placeholder 4"/>
           <p:cNvSpPr>
             <a:spLocks noGrp="1"/>
           </p:cNvSpPr>
@@ -2577,8 +2586,8 @@
         </p:nvSpPr>
         <p:spPr>
           <a:xfrm>
-            <a:off x="4038600" y="6356350"/>
-            <a:ext cx="4114800" cy="365125"/>
+            <a:off x="4316780" y="9043087"/>
+            <a:ext cx="4398228" cy="519458"/>
           </a:xfrm>
           <a:prstGeom prst="rect">
             <a:avLst/>
@@ -2588,7 +2597,7 @@
           <a:bodyPr vert="horz" lIns="91440" tIns="45720" rIns="91440" bIns="45720" rtlCol="0" anchor="ctr"/>
           <a:lstStyle>
             <a:lvl1pPr algn="ctr">
-              <a:defRPr sz="1200">
+              <a:defRPr sz="1707">
                 <a:solidFill>
                   <a:schemeClr val="tx1">
                     <a:tint val="75000"/>
@@ -2604,7 +2613,7 @@
       </p:sp>
       <p:sp>
         <p:nvSpPr>
-          <p:cNvPr id="6" name="슬라이드 번호 개체 틀 5"/>
+          <p:cNvPr id="6" name="Slide Number Placeholder 5"/>
           <p:cNvSpPr>
             <a:spLocks noGrp="1"/>
           </p:cNvSpPr>
@@ -2614,8 +2623,8 @@
         </p:nvSpPr>
         <p:spPr>
           <a:xfrm>
-            <a:off x="8610600" y="6356350"/>
-            <a:ext cx="2743200" cy="365125"/>
+            <a:off x="9203700" y="9043087"/>
+            <a:ext cx="2932152" cy="519458"/>
           </a:xfrm>
           <a:prstGeom prst="rect">
             <a:avLst/>
@@ -2625,7 +2634,7 @@
           <a:bodyPr vert="horz" lIns="91440" tIns="45720" rIns="91440" bIns="45720" rtlCol="0" anchor="ctr"/>
           <a:lstStyle>
             <a:lvl1pPr algn="r">
-              <a:defRPr sz="1200">
+              <a:defRPr sz="1707">
                 <a:solidFill>
                   <a:schemeClr val="tx1">
                     <a:tint val="75000"/>
@@ -2646,27 +2655,27 @@
     </p:spTree>
     <p:extLst>
       <p:ext uri="{BB962C8B-B14F-4D97-AF65-F5344CB8AC3E}">
-        <p14:creationId xmlns:p14="http://schemas.microsoft.com/office/powerpoint/2010/main" val="132529158"/>
+        <p14:creationId xmlns:p14="http://schemas.microsoft.com/office/powerpoint/2010/main" val="2266016116"/>
       </p:ext>
     </p:extLst>
   </p:cSld>
   <p:clrMap bg1="lt1" tx1="dk1" bg2="lt2" tx2="dk2" accent1="accent1" accent2="accent2" accent3="accent3" accent4="accent4" accent5="accent5" accent6="accent6" hlink="hlink" folHlink="folHlink"/>
   <p:sldLayoutIdLst>
-    <p:sldLayoutId id="2147483649" r:id="rId1"/>
-    <p:sldLayoutId id="2147483650" r:id="rId2"/>
-    <p:sldLayoutId id="2147483651" r:id="rId3"/>
-    <p:sldLayoutId id="2147483652" r:id="rId4"/>
-    <p:sldLayoutId id="2147483653" r:id="rId5"/>
-    <p:sldLayoutId id="2147483654" r:id="rId6"/>
-    <p:sldLayoutId id="2147483655" r:id="rId7"/>
-    <p:sldLayoutId id="2147483656" r:id="rId8"/>
-    <p:sldLayoutId id="2147483657" r:id="rId9"/>
-    <p:sldLayoutId id="2147483658" r:id="rId10"/>
-    <p:sldLayoutId id="2147483659" r:id="rId11"/>
+    <p:sldLayoutId id="2147483673" r:id="rId1"/>
+    <p:sldLayoutId id="2147483674" r:id="rId2"/>
+    <p:sldLayoutId id="2147483675" r:id="rId3"/>
+    <p:sldLayoutId id="2147483676" r:id="rId4"/>
+    <p:sldLayoutId id="2147483677" r:id="rId5"/>
+    <p:sldLayoutId id="2147483678" r:id="rId6"/>
+    <p:sldLayoutId id="2147483679" r:id="rId7"/>
+    <p:sldLayoutId id="2147483680" r:id="rId8"/>
+    <p:sldLayoutId id="2147483681" r:id="rId9"/>
+    <p:sldLayoutId id="2147483682" r:id="rId10"/>
+    <p:sldLayoutId id="2147483683" r:id="rId11"/>
   </p:sldLayoutIdLst>
   <p:txStyles>
     <p:titleStyle>
-      <a:lvl1pPr algn="l" defTabSz="914400" rtl="0" eaLnBrk="1" latinLnBrk="1" hangingPunct="1">
+      <a:lvl1pPr algn="l" defTabSz="1300917" rtl="0" eaLnBrk="1" latinLnBrk="1" hangingPunct="1">
         <a:lnSpc>
           <a:spcPct val="90000"/>
         </a:lnSpc>
@@ -2674,7 +2683,7 @@
           <a:spcPct val="0"/>
         </a:spcBef>
         <a:buNone/>
-        <a:defRPr sz="4400" kern="1200">
+        <a:defRPr sz="6260" kern="1200">
           <a:solidFill>
             <a:schemeClr val="tx1"/>
           </a:solidFill>
@@ -2685,16 +2694,16 @@
       </a:lvl1pPr>
     </p:titleStyle>
     <p:bodyStyle>
-      <a:lvl1pPr marL="228600" indent="-228600" algn="l" defTabSz="914400" rtl="0" eaLnBrk="1" latinLnBrk="1" hangingPunct="1">
+      <a:lvl1pPr marL="325229" indent="-325229" algn="l" defTabSz="1300917" rtl="0" eaLnBrk="1" latinLnBrk="1" hangingPunct="1">
         <a:lnSpc>
           <a:spcPct val="90000"/>
         </a:lnSpc>
         <a:spcBef>
-          <a:spcPts val="1000"/>
+          <a:spcPts val="1423"/>
         </a:spcBef>
         <a:buFont typeface="Arial" panose="020B0604020202020204" pitchFamily="34" charset="0"/>
         <a:buChar char="•"/>
-        <a:defRPr sz="2800" kern="1200">
+        <a:defRPr sz="3984" kern="1200">
           <a:solidFill>
             <a:schemeClr val="tx1"/>
           </a:solidFill>
@@ -2703,16 +2712,16 @@
           <a:cs typeface="+mn-cs"/>
         </a:defRPr>
       </a:lvl1pPr>
-      <a:lvl2pPr marL="685800" indent="-228600" algn="l" defTabSz="914400" rtl="0" eaLnBrk="1" latinLnBrk="1" hangingPunct="1">
+      <a:lvl2pPr marL="975688" indent="-325229" algn="l" defTabSz="1300917" rtl="0" eaLnBrk="1" latinLnBrk="1" hangingPunct="1">
         <a:lnSpc>
           <a:spcPct val="90000"/>
         </a:lnSpc>
         <a:spcBef>
-          <a:spcPts val="500"/>
+          <a:spcPts val="711"/>
         </a:spcBef>
         <a:buFont typeface="Arial" panose="020B0604020202020204" pitchFamily="34" charset="0"/>
         <a:buChar char="•"/>
-        <a:defRPr sz="2400" kern="1200">
+        <a:defRPr sz="3414" kern="1200">
           <a:solidFill>
             <a:schemeClr val="tx1"/>
           </a:solidFill>
@@ -2721,16 +2730,16 @@
           <a:cs typeface="+mn-cs"/>
         </a:defRPr>
       </a:lvl2pPr>
-      <a:lvl3pPr marL="1143000" indent="-228600" algn="l" defTabSz="914400" rtl="0" eaLnBrk="1" latinLnBrk="1" hangingPunct="1">
+      <a:lvl3pPr marL="1626146" indent="-325229" algn="l" defTabSz="1300917" rtl="0" eaLnBrk="1" latinLnBrk="1" hangingPunct="1">
         <a:lnSpc>
           <a:spcPct val="90000"/>
         </a:lnSpc>
         <a:spcBef>
-          <a:spcPts val="500"/>
+          <a:spcPts val="711"/>
         </a:spcBef>
         <a:buFont typeface="Arial" panose="020B0604020202020204" pitchFamily="34" charset="0"/>
         <a:buChar char="•"/>
-        <a:defRPr sz="2000" kern="1200">
+        <a:defRPr sz="2845" kern="1200">
           <a:solidFill>
             <a:schemeClr val="tx1"/>
           </a:solidFill>
@@ -2739,16 +2748,16 @@
           <a:cs typeface="+mn-cs"/>
         </a:defRPr>
       </a:lvl3pPr>
-      <a:lvl4pPr marL="1600200" indent="-228600" algn="l" defTabSz="914400" rtl="0" eaLnBrk="1" latinLnBrk="1" hangingPunct="1">
+      <a:lvl4pPr marL="2276605" indent="-325229" algn="l" defTabSz="1300917" rtl="0" eaLnBrk="1" latinLnBrk="1" hangingPunct="1">
         <a:lnSpc>
           <a:spcPct val="90000"/>
         </a:lnSpc>
         <a:spcBef>
-          <a:spcPts val="500"/>
+          <a:spcPts val="711"/>
         </a:spcBef>
         <a:buFont typeface="Arial" panose="020B0604020202020204" pitchFamily="34" charset="0"/>
         <a:buChar char="•"/>
-        <a:defRPr sz="1800" kern="1200">
+        <a:defRPr sz="2561" kern="1200">
           <a:solidFill>
             <a:schemeClr val="tx1"/>
           </a:solidFill>
@@ -2757,16 +2766,16 @@
           <a:cs typeface="+mn-cs"/>
         </a:defRPr>
       </a:lvl4pPr>
-      <a:lvl5pPr marL="2057400" indent="-228600" algn="l" defTabSz="914400" rtl="0" eaLnBrk="1" latinLnBrk="1" hangingPunct="1">
+      <a:lvl5pPr marL="2927063" indent="-325229" algn="l" defTabSz="1300917" rtl="0" eaLnBrk="1" latinLnBrk="1" hangingPunct="1">
         <a:lnSpc>
           <a:spcPct val="90000"/>
         </a:lnSpc>
         <a:spcBef>
-          <a:spcPts val="500"/>
+          <a:spcPts val="711"/>
         </a:spcBef>
         <a:buFont typeface="Arial" panose="020B0604020202020204" pitchFamily="34" charset="0"/>
         <a:buChar char="•"/>
-        <a:defRPr sz="1800" kern="1200">
+        <a:defRPr sz="2561" kern="1200">
           <a:solidFill>
             <a:schemeClr val="tx1"/>
           </a:solidFill>
@@ -2775,16 +2784,16 @@
           <a:cs typeface="+mn-cs"/>
         </a:defRPr>
       </a:lvl5pPr>
-      <a:lvl6pPr marL="2514600" indent="-228600" algn="l" defTabSz="914400" rtl="0" eaLnBrk="1" latinLnBrk="1" hangingPunct="1">
+      <a:lvl6pPr marL="3577521" indent="-325229" algn="l" defTabSz="1300917" rtl="0" eaLnBrk="1" latinLnBrk="1" hangingPunct="1">
         <a:lnSpc>
           <a:spcPct val="90000"/>
         </a:lnSpc>
         <a:spcBef>
-          <a:spcPts val="500"/>
+          <a:spcPts val="711"/>
         </a:spcBef>
         <a:buFont typeface="Arial" panose="020B0604020202020204" pitchFamily="34" charset="0"/>
         <a:buChar char="•"/>
-        <a:defRPr sz="1800" kern="1200">
+        <a:defRPr sz="2561" kern="1200">
           <a:solidFill>
             <a:schemeClr val="tx1"/>
           </a:solidFill>
@@ -2793,16 +2802,16 @@
           <a:cs typeface="+mn-cs"/>
         </a:defRPr>
       </a:lvl6pPr>
-      <a:lvl7pPr marL="2971800" indent="-228600" algn="l" defTabSz="914400" rtl="0" eaLnBrk="1" latinLnBrk="1" hangingPunct="1">
+      <a:lvl7pPr marL="4227980" indent="-325229" algn="l" defTabSz="1300917" rtl="0" eaLnBrk="1" latinLnBrk="1" hangingPunct="1">
         <a:lnSpc>
           <a:spcPct val="90000"/>
         </a:lnSpc>
         <a:spcBef>
-          <a:spcPts val="500"/>
+          <a:spcPts val="711"/>
         </a:spcBef>
         <a:buFont typeface="Arial" panose="020B0604020202020204" pitchFamily="34" charset="0"/>
         <a:buChar char="•"/>
-        <a:defRPr sz="1800" kern="1200">
+        <a:defRPr sz="2561" kern="1200">
           <a:solidFill>
             <a:schemeClr val="tx1"/>
           </a:solidFill>
@@ -2811,16 +2820,16 @@
           <a:cs typeface="+mn-cs"/>
         </a:defRPr>
       </a:lvl7pPr>
-      <a:lvl8pPr marL="3429000" indent="-228600" algn="l" defTabSz="914400" rtl="0" eaLnBrk="1" latinLnBrk="1" hangingPunct="1">
+      <a:lvl8pPr marL="4878438" indent="-325229" algn="l" defTabSz="1300917" rtl="0" eaLnBrk="1" latinLnBrk="1" hangingPunct="1">
         <a:lnSpc>
           <a:spcPct val="90000"/>
         </a:lnSpc>
         <a:spcBef>
-          <a:spcPts val="500"/>
+          <a:spcPts val="711"/>
         </a:spcBef>
         <a:buFont typeface="Arial" panose="020B0604020202020204" pitchFamily="34" charset="0"/>
         <a:buChar char="•"/>
-        <a:defRPr sz="1800" kern="1200">
+        <a:defRPr sz="2561" kern="1200">
           <a:solidFill>
             <a:schemeClr val="tx1"/>
           </a:solidFill>
@@ -2829,16 +2838,16 @@
           <a:cs typeface="+mn-cs"/>
         </a:defRPr>
       </a:lvl8pPr>
-      <a:lvl9pPr marL="3886200" indent="-228600" algn="l" defTabSz="914400" rtl="0" eaLnBrk="1" latinLnBrk="1" hangingPunct="1">
+      <a:lvl9pPr marL="5528897" indent="-325229" algn="l" defTabSz="1300917" rtl="0" eaLnBrk="1" latinLnBrk="1" hangingPunct="1">
         <a:lnSpc>
           <a:spcPct val="90000"/>
         </a:lnSpc>
         <a:spcBef>
-          <a:spcPts val="500"/>
+          <a:spcPts val="711"/>
         </a:spcBef>
         <a:buFont typeface="Arial" panose="020B0604020202020204" pitchFamily="34" charset="0"/>
         <a:buChar char="•"/>
-        <a:defRPr sz="1800" kern="1200">
+        <a:defRPr sz="2561" kern="1200">
           <a:solidFill>
             <a:schemeClr val="tx1"/>
           </a:solidFill>
@@ -2850,10 +2859,10 @@
     </p:bodyStyle>
     <p:otherStyle>
       <a:defPPr>
-        <a:defRPr lang="ko-KR"/>
+        <a:defRPr lang="en-US"/>
       </a:defPPr>
-      <a:lvl1pPr marL="0" algn="l" defTabSz="914400" rtl="0" eaLnBrk="1" latinLnBrk="1" hangingPunct="1">
-        <a:defRPr sz="1800" kern="1200">
+      <a:lvl1pPr marL="0" algn="l" defTabSz="1300917" rtl="0" eaLnBrk="1" latinLnBrk="1" hangingPunct="1">
+        <a:defRPr sz="2561" kern="1200">
           <a:solidFill>
             <a:schemeClr val="tx1"/>
           </a:solidFill>
@@ -2862,8 +2871,8 @@
           <a:cs typeface="+mn-cs"/>
         </a:defRPr>
       </a:lvl1pPr>
-      <a:lvl2pPr marL="457200" algn="l" defTabSz="914400" rtl="0" eaLnBrk="1" latinLnBrk="1" hangingPunct="1">
-        <a:defRPr sz="1800" kern="1200">
+      <a:lvl2pPr marL="650458" algn="l" defTabSz="1300917" rtl="0" eaLnBrk="1" latinLnBrk="1" hangingPunct="1">
+        <a:defRPr sz="2561" kern="1200">
           <a:solidFill>
             <a:schemeClr val="tx1"/>
           </a:solidFill>
@@ -2872,8 +2881,8 @@
           <a:cs typeface="+mn-cs"/>
         </a:defRPr>
       </a:lvl2pPr>
-      <a:lvl3pPr marL="914400" algn="l" defTabSz="914400" rtl="0" eaLnBrk="1" latinLnBrk="1" hangingPunct="1">
-        <a:defRPr sz="1800" kern="1200">
+      <a:lvl3pPr marL="1300917" algn="l" defTabSz="1300917" rtl="0" eaLnBrk="1" latinLnBrk="1" hangingPunct="1">
+        <a:defRPr sz="2561" kern="1200">
           <a:solidFill>
             <a:schemeClr val="tx1"/>
           </a:solidFill>
@@ -2882,8 +2891,8 @@
           <a:cs typeface="+mn-cs"/>
         </a:defRPr>
       </a:lvl3pPr>
-      <a:lvl4pPr marL="1371600" algn="l" defTabSz="914400" rtl="0" eaLnBrk="1" latinLnBrk="1" hangingPunct="1">
-        <a:defRPr sz="1800" kern="1200">
+      <a:lvl4pPr marL="1951375" algn="l" defTabSz="1300917" rtl="0" eaLnBrk="1" latinLnBrk="1" hangingPunct="1">
+        <a:defRPr sz="2561" kern="1200">
           <a:solidFill>
             <a:schemeClr val="tx1"/>
           </a:solidFill>
@@ -2892,8 +2901,8 @@
           <a:cs typeface="+mn-cs"/>
         </a:defRPr>
       </a:lvl4pPr>
-      <a:lvl5pPr marL="1828800" algn="l" defTabSz="914400" rtl="0" eaLnBrk="1" latinLnBrk="1" hangingPunct="1">
-        <a:defRPr sz="1800" kern="1200">
+      <a:lvl5pPr marL="2601834" algn="l" defTabSz="1300917" rtl="0" eaLnBrk="1" latinLnBrk="1" hangingPunct="1">
+        <a:defRPr sz="2561" kern="1200">
           <a:solidFill>
             <a:schemeClr val="tx1"/>
           </a:solidFill>
@@ -2902,8 +2911,8 @@
           <a:cs typeface="+mn-cs"/>
         </a:defRPr>
       </a:lvl5pPr>
-      <a:lvl6pPr marL="2286000" algn="l" defTabSz="914400" rtl="0" eaLnBrk="1" latinLnBrk="1" hangingPunct="1">
-        <a:defRPr sz="1800" kern="1200">
+      <a:lvl6pPr marL="3252292" algn="l" defTabSz="1300917" rtl="0" eaLnBrk="1" latinLnBrk="1" hangingPunct="1">
+        <a:defRPr sz="2561" kern="1200">
           <a:solidFill>
             <a:schemeClr val="tx1"/>
           </a:solidFill>
@@ -2912,8 +2921,8 @@
           <a:cs typeface="+mn-cs"/>
         </a:defRPr>
       </a:lvl6pPr>
-      <a:lvl7pPr marL="2743200" algn="l" defTabSz="914400" rtl="0" eaLnBrk="1" latinLnBrk="1" hangingPunct="1">
-        <a:defRPr sz="1800" kern="1200">
+      <a:lvl7pPr marL="3902751" algn="l" defTabSz="1300917" rtl="0" eaLnBrk="1" latinLnBrk="1" hangingPunct="1">
+        <a:defRPr sz="2561" kern="1200">
           <a:solidFill>
             <a:schemeClr val="tx1"/>
           </a:solidFill>
@@ -2922,8 +2931,8 @@
           <a:cs typeface="+mn-cs"/>
         </a:defRPr>
       </a:lvl7pPr>
-      <a:lvl8pPr marL="3200400" algn="l" defTabSz="914400" rtl="0" eaLnBrk="1" latinLnBrk="1" hangingPunct="1">
-        <a:defRPr sz="1800" kern="1200">
+      <a:lvl8pPr marL="4553209" algn="l" defTabSz="1300917" rtl="0" eaLnBrk="1" latinLnBrk="1" hangingPunct="1">
+        <a:defRPr sz="2561" kern="1200">
           <a:solidFill>
             <a:schemeClr val="tx1"/>
           </a:solidFill>
@@ -2932,8 +2941,8 @@
           <a:cs typeface="+mn-cs"/>
         </a:defRPr>
       </a:lvl8pPr>
-      <a:lvl9pPr marL="3657600" algn="l" defTabSz="914400" rtl="0" eaLnBrk="1" latinLnBrk="1" hangingPunct="1">
-        <a:defRPr sz="1800" kern="1200">
+      <a:lvl9pPr marL="5203668" algn="l" defTabSz="1300917" rtl="0" eaLnBrk="1" latinLnBrk="1" hangingPunct="1">
+        <a:defRPr sz="2561" kern="1200">
           <a:solidFill>
             <a:schemeClr val="tx1"/>
           </a:solidFill>
@@ -2972,8 +2981,8 @@
         </p:nvCxnSpPr>
         <p:spPr>
           <a:xfrm>
-            <a:off x="-12700" y="1360714"/>
-            <a:ext cx="12192000" cy="0"/>
+            <a:off x="1158852" y="3064597"/>
+            <a:ext cx="10691813" cy="0"/>
           </a:xfrm>
           <a:prstGeom prst="line">
             <a:avLst/>
@@ -3007,8 +3016,8 @@
         </p:nvCxnSpPr>
         <p:spPr>
           <a:xfrm>
-            <a:off x="-12700" y="1818821"/>
-            <a:ext cx="12192000" cy="0"/>
+            <a:off x="1158852" y="3466335"/>
+            <a:ext cx="10691813" cy="0"/>
           </a:xfrm>
           <a:prstGeom prst="line">
             <a:avLst/>
@@ -3042,8 +3051,8 @@
         </p:nvCxnSpPr>
         <p:spPr>
           <a:xfrm>
-            <a:off x="-12700" y="2276928"/>
-            <a:ext cx="12192000" cy="0"/>
+            <a:off x="1158852" y="3868074"/>
+            <a:ext cx="10691813" cy="0"/>
           </a:xfrm>
           <a:prstGeom prst="line">
             <a:avLst/>
@@ -3077,8 +3086,8 @@
         </p:nvCxnSpPr>
         <p:spPr>
           <a:xfrm>
-            <a:off x="-12700" y="2735035"/>
-            <a:ext cx="12192000" cy="0"/>
+            <a:off x="1158852" y="4269812"/>
+            <a:ext cx="10691813" cy="0"/>
           </a:xfrm>
           <a:prstGeom prst="line">
             <a:avLst/>
@@ -3112,8 +3121,8 @@
         </p:nvCxnSpPr>
         <p:spPr>
           <a:xfrm>
-            <a:off x="-12700" y="3193142"/>
-            <a:ext cx="12192000" cy="0"/>
+            <a:off x="1158852" y="4671551"/>
+            <a:ext cx="10691813" cy="0"/>
           </a:xfrm>
           <a:prstGeom prst="line">
             <a:avLst/>
@@ -3147,8 +3156,8 @@
         </p:nvCxnSpPr>
         <p:spPr>
           <a:xfrm>
-            <a:off x="-12700" y="3651249"/>
-            <a:ext cx="12192000" cy="0"/>
+            <a:off x="1158852" y="5073289"/>
+            <a:ext cx="10691813" cy="0"/>
           </a:xfrm>
           <a:prstGeom prst="line">
             <a:avLst/>
@@ -3182,8 +3191,8 @@
         </p:nvCxnSpPr>
         <p:spPr>
           <a:xfrm>
-            <a:off x="-12700" y="4109356"/>
-            <a:ext cx="12192000" cy="0"/>
+            <a:off x="1158852" y="5475027"/>
+            <a:ext cx="10691813" cy="0"/>
           </a:xfrm>
           <a:prstGeom prst="line">
             <a:avLst/>
@@ -3217,8 +3226,8 @@
         </p:nvCxnSpPr>
         <p:spPr>
           <a:xfrm>
-            <a:off x="-12700" y="4567463"/>
-            <a:ext cx="12192000" cy="0"/>
+            <a:off x="1158852" y="5876766"/>
+            <a:ext cx="10691813" cy="0"/>
           </a:xfrm>
           <a:prstGeom prst="line">
             <a:avLst/>
@@ -3252,8 +3261,8 @@
         </p:nvCxnSpPr>
         <p:spPr>
           <a:xfrm>
-            <a:off x="-12700" y="5025570"/>
-            <a:ext cx="12192000" cy="0"/>
+            <a:off x="1158852" y="6278504"/>
+            <a:ext cx="10691813" cy="0"/>
           </a:xfrm>
           <a:prstGeom prst="line">
             <a:avLst/>
@@ -3287,8 +3296,8 @@
         </p:nvCxnSpPr>
         <p:spPr>
           <a:xfrm>
-            <a:off x="-12700" y="5483677"/>
-            <a:ext cx="12192000" cy="0"/>
+            <a:off x="1158852" y="6680242"/>
+            <a:ext cx="10691813" cy="0"/>
           </a:xfrm>
           <a:prstGeom prst="line">
             <a:avLst/>
@@ -3322,8 +3331,8 @@
         </p:nvCxnSpPr>
         <p:spPr>
           <a:xfrm>
-            <a:off x="-12700" y="5941784"/>
-            <a:ext cx="12192000" cy="0"/>
+            <a:off x="1158852" y="7081981"/>
+            <a:ext cx="10691813" cy="0"/>
           </a:xfrm>
           <a:prstGeom prst="line">
             <a:avLst/>
@@ -3357,8 +3366,8 @@
         </p:nvCxnSpPr>
         <p:spPr>
           <a:xfrm>
-            <a:off x="-12700" y="6399891"/>
-            <a:ext cx="12192000" cy="0"/>
+            <a:off x="1158852" y="7483719"/>
+            <a:ext cx="10691813" cy="0"/>
           </a:xfrm>
           <a:prstGeom prst="line">
             <a:avLst/>
@@ -3387,13 +3396,50 @@
       <p:cxnSp>
         <p:nvCxnSpPr>
           <p:cNvPr id="21" name="직선 연결선 20"/>
+          <p:cNvCxnSpPr>
+            <a:cxnSpLocks/>
+          </p:cNvCxnSpPr>
+          <p:nvPr/>
+        </p:nvCxnSpPr>
+        <p:spPr>
+          <a:xfrm>
+            <a:off x="1158852" y="2045350"/>
+            <a:ext cx="10691813" cy="0"/>
+          </a:xfrm>
+          <a:prstGeom prst="line">
+            <a:avLst/>
+          </a:prstGeom>
+          <a:ln w="19050">
+            <a:solidFill>
+              <a:schemeClr val="accent1"/>
+            </a:solidFill>
+          </a:ln>
+        </p:spPr>
+        <p:style>
+          <a:lnRef idx="1">
+            <a:schemeClr val="accent1"/>
+          </a:lnRef>
+          <a:fillRef idx="0">
+            <a:schemeClr val="accent1"/>
+          </a:fillRef>
+          <a:effectRef idx="0">
+            <a:schemeClr val="accent1"/>
+          </a:effectRef>
+          <a:fontRef idx="minor">
+            <a:schemeClr val="tx1"/>
+          </a:fontRef>
+        </p:style>
+      </p:cxnSp>
+      <p:cxnSp>
+        <p:nvCxnSpPr>
+          <p:cNvPr id="23" name="직선 연결선 22"/>
           <p:cNvCxnSpPr/>
           <p:nvPr/>
         </p:nvCxnSpPr>
         <p:spPr>
           <a:xfrm>
-            <a:off x="-12700" y="902607"/>
-            <a:ext cx="12192000" cy="0"/>
+            <a:off x="1158852" y="7885459"/>
+            <a:ext cx="10691813" cy="0"/>
           </a:xfrm>
           <a:prstGeom prst="line">
             <a:avLst/>
@@ -3421,21 +3467,23 @@
       </p:cxnSp>
       <p:cxnSp>
         <p:nvCxnSpPr>
-          <p:cNvPr id="23" name="직선 연결선 22"/>
-          <p:cNvCxnSpPr/>
-          <p:nvPr/>
-        </p:nvCxnSpPr>
-        <p:spPr>
-          <a:xfrm>
-            <a:off x="-12700" y="6858000"/>
-            <a:ext cx="12192000" cy="0"/>
+          <p:cNvPr id="26" name="직선 연결선 25"/>
+          <p:cNvCxnSpPr>
+            <a:cxnSpLocks/>
+          </p:cNvCxnSpPr>
+          <p:nvPr/>
+        </p:nvCxnSpPr>
+        <p:spPr>
+          <a:xfrm>
+            <a:off x="1158852" y="1570150"/>
+            <a:ext cx="10691813" cy="0"/>
           </a:xfrm>
           <a:prstGeom prst="line">
             <a:avLst/>
           </a:prstGeom>
           <a:ln w="19050">
             <a:solidFill>
-              <a:schemeClr val="bg2"/>
+              <a:schemeClr val="accent1"/>
             </a:solidFill>
           </a:ln>
         </p:spPr>
@@ -3456,21 +3504,144 @@
       </p:cxnSp>
       <p:cxnSp>
         <p:nvCxnSpPr>
-          <p:cNvPr id="26" name="직선 연결선 25"/>
+          <p:cNvPr id="3" name="직선 연결선 2">
+            <a:extLst>
+              <a:ext uri="{FF2B5EF4-FFF2-40B4-BE49-F238E27FC236}">
+                <a16:creationId xmlns:a16="http://schemas.microsoft.com/office/drawing/2014/main" id="{1E2F16BB-01F8-4E99-BD6B-55272AE1D02C}"/>
+              </a:ext>
+            </a:extLst>
+          </p:cNvPr>
           <p:cNvCxnSpPr/>
           <p:nvPr/>
         </p:nvCxnSpPr>
         <p:spPr>
           <a:xfrm>
-            <a:off x="-12700" y="444500"/>
-            <a:ext cx="12192000" cy="0"/>
+            <a:off x="3681619" y="1098550"/>
+            <a:ext cx="0" cy="471600"/>
+          </a:xfrm>
+          <a:prstGeom prst="line">
+            <a:avLst/>
+          </a:prstGeom>
+        </p:spPr>
+        <p:style>
+          <a:lnRef idx="1">
+            <a:schemeClr val="accent1"/>
+          </a:lnRef>
+          <a:fillRef idx="0">
+            <a:schemeClr val="accent1"/>
+          </a:fillRef>
+          <a:effectRef idx="0">
+            <a:schemeClr val="accent1"/>
+          </a:effectRef>
+          <a:fontRef idx="minor">
+            <a:schemeClr val="tx1"/>
+          </a:fontRef>
+        </p:style>
+      </p:cxnSp>
+      <p:cxnSp>
+        <p:nvCxnSpPr>
+          <p:cNvPr id="20" name="직선 연결선 19">
+            <a:extLst>
+              <a:ext uri="{FF2B5EF4-FFF2-40B4-BE49-F238E27FC236}">
+                <a16:creationId xmlns:a16="http://schemas.microsoft.com/office/drawing/2014/main" id="{9012F788-22F3-4674-ADBA-C341AE855092}"/>
+              </a:ext>
+            </a:extLst>
+          </p:cNvPr>
+          <p:cNvCxnSpPr/>
+          <p:nvPr/>
+        </p:nvCxnSpPr>
+        <p:spPr>
+          <a:xfrm>
+            <a:off x="3828082" y="1098550"/>
+            <a:ext cx="0" cy="946800"/>
+          </a:xfrm>
+          <a:prstGeom prst="line">
+            <a:avLst/>
+          </a:prstGeom>
+        </p:spPr>
+        <p:style>
+          <a:lnRef idx="1">
+            <a:schemeClr val="accent1"/>
+          </a:lnRef>
+          <a:fillRef idx="0">
+            <a:schemeClr val="accent1"/>
+          </a:fillRef>
+          <a:effectRef idx="0">
+            <a:schemeClr val="accent1"/>
+          </a:effectRef>
+          <a:fontRef idx="minor">
+            <a:schemeClr val="tx1"/>
+          </a:fontRef>
+        </p:style>
+      </p:cxnSp>
+      <p:cxnSp>
+        <p:nvCxnSpPr>
+          <p:cNvPr id="22" name="직선 연결선 21">
+            <a:extLst>
+              <a:ext uri="{FF2B5EF4-FFF2-40B4-BE49-F238E27FC236}">
+                <a16:creationId xmlns:a16="http://schemas.microsoft.com/office/drawing/2014/main" id="{195DAB8B-3F9D-4928-91EC-D7EB18D7B324}"/>
+              </a:ext>
+            </a:extLst>
+          </p:cNvPr>
+          <p:cNvCxnSpPr>
+            <a:cxnSpLocks/>
+          </p:cNvCxnSpPr>
+          <p:nvPr/>
+        </p:nvCxnSpPr>
+        <p:spPr>
+          <a:xfrm>
+            <a:off x="1169992" y="3005953"/>
+            <a:ext cx="10691813" cy="0"/>
           </a:xfrm>
           <a:prstGeom prst="line">
             <a:avLst/>
           </a:prstGeom>
           <a:ln w="19050">
             <a:solidFill>
-              <a:schemeClr val="bg2"/>
+              <a:schemeClr val="accent1"/>
+            </a:solidFill>
+          </a:ln>
+        </p:spPr>
+        <p:style>
+          <a:lnRef idx="1">
+            <a:schemeClr val="accent1"/>
+          </a:lnRef>
+          <a:fillRef idx="0">
+            <a:schemeClr val="accent1"/>
+          </a:fillRef>
+          <a:effectRef idx="0">
+            <a:schemeClr val="accent1"/>
+          </a:effectRef>
+          <a:fontRef idx="minor">
+            <a:schemeClr val="tx1"/>
+          </a:fontRef>
+        </p:style>
+      </p:cxnSp>
+      <p:cxnSp>
+        <p:nvCxnSpPr>
+          <p:cNvPr id="24" name="직선 연결선 23">
+            <a:extLst>
+              <a:ext uri="{FF2B5EF4-FFF2-40B4-BE49-F238E27FC236}">
+                <a16:creationId xmlns:a16="http://schemas.microsoft.com/office/drawing/2014/main" id="{5B122C34-A810-4B68-9FF6-2510C8748084}"/>
+              </a:ext>
+            </a:extLst>
+          </p:cNvPr>
+          <p:cNvCxnSpPr>
+            <a:cxnSpLocks/>
+          </p:cNvCxnSpPr>
+          <p:nvPr/>
+        </p:nvCxnSpPr>
+        <p:spPr>
+          <a:xfrm>
+            <a:off x="1169992" y="2530753"/>
+            <a:ext cx="10691813" cy="0"/>
+          </a:xfrm>
+          <a:prstGeom prst="line">
+            <a:avLst/>
+          </a:prstGeom>
+          <a:ln w="19050">
+            <a:solidFill>
+              <a:schemeClr val="accent1"/>
             </a:solidFill>
           </a:ln>
         </p:spPr>
@@ -3502,10 +3673,1736 @@
 </p:sld>
 </file>
 
+<file path=ppt/slides/slide2.xml><?xml version="1.0" encoding="utf-8"?>
+<p:sld xmlns:a="http://schemas.openxmlformats.org/drawingml/2006/main" xmlns:r="http://schemas.openxmlformats.org/officeDocument/2006/relationships" xmlns:p="http://schemas.openxmlformats.org/presentationml/2006/main">
+  <p:cSld>
+    <p:spTree>
+      <p:nvGrpSpPr>
+        <p:cNvPr id="1" name=""/>
+        <p:cNvGrpSpPr/>
+        <p:nvPr/>
+      </p:nvGrpSpPr>
+      <p:grpSpPr>
+        <a:xfrm>
+          <a:off x="0" y="0"/>
+          <a:ext cx="0" cy="0"/>
+          <a:chOff x="0" y="0"/>
+          <a:chExt cx="0" cy="0"/>
+        </a:xfrm>
+      </p:grpSpPr>
+      <p:cxnSp>
+        <p:nvCxnSpPr>
+          <p:cNvPr id="21" name="직선 연결선 20"/>
+          <p:cNvCxnSpPr>
+            <a:cxnSpLocks/>
+          </p:cNvCxnSpPr>
+          <p:nvPr/>
+        </p:nvCxnSpPr>
+        <p:spPr>
+          <a:xfrm>
+            <a:off x="1158852" y="2045350"/>
+            <a:ext cx="10691813" cy="0"/>
+          </a:xfrm>
+          <a:prstGeom prst="line">
+            <a:avLst/>
+          </a:prstGeom>
+          <a:ln w="19050">
+            <a:solidFill>
+              <a:schemeClr val="accent1"/>
+            </a:solidFill>
+          </a:ln>
+        </p:spPr>
+        <p:style>
+          <a:lnRef idx="1">
+            <a:schemeClr val="accent1"/>
+          </a:lnRef>
+          <a:fillRef idx="0">
+            <a:schemeClr val="accent1"/>
+          </a:fillRef>
+          <a:effectRef idx="0">
+            <a:schemeClr val="accent1"/>
+          </a:effectRef>
+          <a:fontRef idx="minor">
+            <a:schemeClr val="tx1"/>
+          </a:fontRef>
+        </p:style>
+      </p:cxnSp>
+      <p:cxnSp>
+        <p:nvCxnSpPr>
+          <p:cNvPr id="26" name="직선 연결선 25"/>
+          <p:cNvCxnSpPr>
+            <a:cxnSpLocks/>
+          </p:cNvCxnSpPr>
+          <p:nvPr/>
+        </p:nvCxnSpPr>
+        <p:spPr>
+          <a:xfrm>
+            <a:off x="1158852" y="1570150"/>
+            <a:ext cx="10691813" cy="0"/>
+          </a:xfrm>
+          <a:prstGeom prst="line">
+            <a:avLst/>
+          </a:prstGeom>
+          <a:ln w="19050">
+            <a:solidFill>
+              <a:schemeClr val="accent1"/>
+            </a:solidFill>
+          </a:ln>
+        </p:spPr>
+        <p:style>
+          <a:lnRef idx="1">
+            <a:schemeClr val="accent1"/>
+          </a:lnRef>
+          <a:fillRef idx="0">
+            <a:schemeClr val="accent1"/>
+          </a:fillRef>
+          <a:effectRef idx="0">
+            <a:schemeClr val="accent1"/>
+          </a:effectRef>
+          <a:fontRef idx="minor">
+            <a:schemeClr val="tx1"/>
+          </a:fontRef>
+        </p:style>
+      </p:cxnSp>
+      <p:cxnSp>
+        <p:nvCxnSpPr>
+          <p:cNvPr id="3" name="직선 연결선 2">
+            <a:extLst>
+              <a:ext uri="{FF2B5EF4-FFF2-40B4-BE49-F238E27FC236}">
+                <a16:creationId xmlns:a16="http://schemas.microsoft.com/office/drawing/2014/main" id="{1E2F16BB-01F8-4E99-BD6B-55272AE1D02C}"/>
+              </a:ext>
+            </a:extLst>
+          </p:cNvPr>
+          <p:cNvCxnSpPr>
+            <a:cxnSpLocks/>
+          </p:cNvCxnSpPr>
+          <p:nvPr/>
+        </p:nvCxnSpPr>
+        <p:spPr>
+          <a:xfrm>
+            <a:off x="3094536" y="1098550"/>
+            <a:ext cx="0" cy="471600"/>
+          </a:xfrm>
+          <a:prstGeom prst="line">
+            <a:avLst/>
+          </a:prstGeom>
+        </p:spPr>
+        <p:style>
+          <a:lnRef idx="1">
+            <a:schemeClr val="accent1"/>
+          </a:lnRef>
+          <a:fillRef idx="0">
+            <a:schemeClr val="accent1"/>
+          </a:fillRef>
+          <a:effectRef idx="0">
+            <a:schemeClr val="accent1"/>
+          </a:effectRef>
+          <a:fontRef idx="minor">
+            <a:schemeClr val="tx1"/>
+          </a:fontRef>
+        </p:style>
+      </p:cxnSp>
+      <p:cxnSp>
+        <p:nvCxnSpPr>
+          <p:cNvPr id="20" name="직선 연결선 19">
+            <a:extLst>
+              <a:ext uri="{FF2B5EF4-FFF2-40B4-BE49-F238E27FC236}">
+                <a16:creationId xmlns:a16="http://schemas.microsoft.com/office/drawing/2014/main" id="{9012F788-22F3-4674-ADBA-C341AE855092}"/>
+              </a:ext>
+            </a:extLst>
+          </p:cNvPr>
+          <p:cNvCxnSpPr>
+            <a:cxnSpLocks/>
+          </p:cNvCxnSpPr>
+          <p:nvPr/>
+        </p:nvCxnSpPr>
+        <p:spPr>
+          <a:xfrm>
+            <a:off x="3094536" y="2045350"/>
+            <a:ext cx="0" cy="946800"/>
+          </a:xfrm>
+          <a:prstGeom prst="line">
+            <a:avLst/>
+          </a:prstGeom>
+        </p:spPr>
+        <p:style>
+          <a:lnRef idx="1">
+            <a:schemeClr val="accent1"/>
+          </a:lnRef>
+          <a:fillRef idx="0">
+            <a:schemeClr val="accent1"/>
+          </a:fillRef>
+          <a:effectRef idx="0">
+            <a:schemeClr val="accent1"/>
+          </a:effectRef>
+          <a:fontRef idx="minor">
+            <a:schemeClr val="tx1"/>
+          </a:fontRef>
+        </p:style>
+      </p:cxnSp>
+      <p:cxnSp>
+        <p:nvCxnSpPr>
+          <p:cNvPr id="22" name="직선 연결선 21">
+            <a:extLst>
+              <a:ext uri="{FF2B5EF4-FFF2-40B4-BE49-F238E27FC236}">
+                <a16:creationId xmlns:a16="http://schemas.microsoft.com/office/drawing/2014/main" id="{195DAB8B-3F9D-4928-91EC-D7EB18D7B324}"/>
+              </a:ext>
+            </a:extLst>
+          </p:cNvPr>
+          <p:cNvCxnSpPr>
+            <a:cxnSpLocks/>
+          </p:cNvCxnSpPr>
+          <p:nvPr/>
+        </p:nvCxnSpPr>
+        <p:spPr>
+          <a:xfrm>
+            <a:off x="1158852" y="2999501"/>
+            <a:ext cx="10691813" cy="0"/>
+          </a:xfrm>
+          <a:prstGeom prst="line">
+            <a:avLst/>
+          </a:prstGeom>
+          <a:ln w="19050">
+            <a:solidFill>
+              <a:schemeClr val="accent1"/>
+            </a:solidFill>
+          </a:ln>
+        </p:spPr>
+        <p:style>
+          <a:lnRef idx="1">
+            <a:schemeClr val="accent1"/>
+          </a:lnRef>
+          <a:fillRef idx="0">
+            <a:schemeClr val="accent1"/>
+          </a:fillRef>
+          <a:effectRef idx="0">
+            <a:schemeClr val="accent1"/>
+          </a:effectRef>
+          <a:fontRef idx="minor">
+            <a:schemeClr val="tx1"/>
+          </a:fontRef>
+        </p:style>
+      </p:cxnSp>
+      <p:cxnSp>
+        <p:nvCxnSpPr>
+          <p:cNvPr id="24" name="직선 연결선 23">
+            <a:extLst>
+              <a:ext uri="{FF2B5EF4-FFF2-40B4-BE49-F238E27FC236}">
+                <a16:creationId xmlns:a16="http://schemas.microsoft.com/office/drawing/2014/main" id="{5B122C34-A810-4B68-9FF6-2510C8748084}"/>
+              </a:ext>
+            </a:extLst>
+          </p:cNvPr>
+          <p:cNvCxnSpPr>
+            <a:cxnSpLocks/>
+          </p:cNvCxnSpPr>
+          <p:nvPr/>
+        </p:nvCxnSpPr>
+        <p:spPr>
+          <a:xfrm>
+            <a:off x="1158852" y="2530753"/>
+            <a:ext cx="10691813" cy="0"/>
+          </a:xfrm>
+          <a:prstGeom prst="line">
+            <a:avLst/>
+          </a:prstGeom>
+          <a:ln w="19050">
+            <a:solidFill>
+              <a:schemeClr val="accent1"/>
+            </a:solidFill>
+          </a:ln>
+        </p:spPr>
+        <p:style>
+          <a:lnRef idx="1">
+            <a:schemeClr val="accent1"/>
+          </a:lnRef>
+          <a:fillRef idx="0">
+            <a:schemeClr val="accent1"/>
+          </a:fillRef>
+          <a:effectRef idx="0">
+            <a:schemeClr val="accent1"/>
+          </a:effectRef>
+          <a:fontRef idx="minor">
+            <a:schemeClr val="tx1"/>
+          </a:fontRef>
+        </p:style>
+      </p:cxnSp>
+      <p:cxnSp>
+        <p:nvCxnSpPr>
+          <p:cNvPr id="25" name="직선 연결선 24">
+            <a:extLst>
+              <a:ext uri="{FF2B5EF4-FFF2-40B4-BE49-F238E27FC236}">
+                <a16:creationId xmlns:a16="http://schemas.microsoft.com/office/drawing/2014/main" id="{0844810E-F48B-437D-B0D9-28EC66062631}"/>
+              </a:ext>
+            </a:extLst>
+          </p:cNvPr>
+          <p:cNvCxnSpPr>
+            <a:cxnSpLocks/>
+          </p:cNvCxnSpPr>
+          <p:nvPr/>
+        </p:nvCxnSpPr>
+        <p:spPr>
+          <a:xfrm>
+            <a:off x="1158852" y="3949359"/>
+            <a:ext cx="10691813" cy="0"/>
+          </a:xfrm>
+          <a:prstGeom prst="line">
+            <a:avLst/>
+          </a:prstGeom>
+          <a:ln w="19050">
+            <a:solidFill>
+              <a:schemeClr val="accent1"/>
+            </a:solidFill>
+          </a:ln>
+        </p:spPr>
+        <p:style>
+          <a:lnRef idx="1">
+            <a:schemeClr val="accent1"/>
+          </a:lnRef>
+          <a:fillRef idx="0">
+            <a:schemeClr val="accent1"/>
+          </a:fillRef>
+          <a:effectRef idx="0">
+            <a:schemeClr val="accent1"/>
+          </a:effectRef>
+          <a:fontRef idx="minor">
+            <a:schemeClr val="tx1"/>
+          </a:fontRef>
+        </p:style>
+      </p:cxnSp>
+      <p:cxnSp>
+        <p:nvCxnSpPr>
+          <p:cNvPr id="27" name="직선 연결선 26">
+            <a:extLst>
+              <a:ext uri="{FF2B5EF4-FFF2-40B4-BE49-F238E27FC236}">
+                <a16:creationId xmlns:a16="http://schemas.microsoft.com/office/drawing/2014/main" id="{9D58B9EE-95A9-4387-AA25-5092CDB84953}"/>
+              </a:ext>
+            </a:extLst>
+          </p:cNvPr>
+          <p:cNvCxnSpPr>
+            <a:cxnSpLocks/>
+          </p:cNvCxnSpPr>
+          <p:nvPr/>
+        </p:nvCxnSpPr>
+        <p:spPr>
+          <a:xfrm>
+            <a:off x="1158852" y="3490630"/>
+            <a:ext cx="10691813" cy="0"/>
+          </a:xfrm>
+          <a:prstGeom prst="line">
+            <a:avLst/>
+          </a:prstGeom>
+          <a:ln w="19050">
+            <a:solidFill>
+              <a:schemeClr val="accent1"/>
+            </a:solidFill>
+          </a:ln>
+        </p:spPr>
+        <p:style>
+          <a:lnRef idx="1">
+            <a:schemeClr val="accent1"/>
+          </a:lnRef>
+          <a:fillRef idx="0">
+            <a:schemeClr val="accent1"/>
+          </a:fillRef>
+          <a:effectRef idx="0">
+            <a:schemeClr val="accent1"/>
+          </a:effectRef>
+          <a:fontRef idx="minor">
+            <a:schemeClr val="tx1"/>
+          </a:fontRef>
+        </p:style>
+      </p:cxnSp>
+      <p:cxnSp>
+        <p:nvCxnSpPr>
+          <p:cNvPr id="28" name="직선 연결선 27">
+            <a:extLst>
+              <a:ext uri="{FF2B5EF4-FFF2-40B4-BE49-F238E27FC236}">
+                <a16:creationId xmlns:a16="http://schemas.microsoft.com/office/drawing/2014/main" id="{C301EEDD-8185-4932-9D11-849ED6AAA53E}"/>
+              </a:ext>
+            </a:extLst>
+          </p:cNvPr>
+          <p:cNvCxnSpPr>
+            <a:cxnSpLocks/>
+          </p:cNvCxnSpPr>
+          <p:nvPr/>
+        </p:nvCxnSpPr>
+        <p:spPr>
+          <a:xfrm>
+            <a:off x="1158852" y="4903510"/>
+            <a:ext cx="10691813" cy="0"/>
+          </a:xfrm>
+          <a:prstGeom prst="line">
+            <a:avLst/>
+          </a:prstGeom>
+          <a:ln w="19050">
+            <a:solidFill>
+              <a:schemeClr val="accent1"/>
+            </a:solidFill>
+          </a:ln>
+        </p:spPr>
+        <p:style>
+          <a:lnRef idx="1">
+            <a:schemeClr val="accent1"/>
+          </a:lnRef>
+          <a:fillRef idx="0">
+            <a:schemeClr val="accent1"/>
+          </a:fillRef>
+          <a:effectRef idx="0">
+            <a:schemeClr val="accent1"/>
+          </a:effectRef>
+          <a:fontRef idx="minor">
+            <a:schemeClr val="tx1"/>
+          </a:fontRef>
+        </p:style>
+      </p:cxnSp>
+      <p:cxnSp>
+        <p:nvCxnSpPr>
+          <p:cNvPr id="29" name="직선 연결선 28">
+            <a:extLst>
+              <a:ext uri="{FF2B5EF4-FFF2-40B4-BE49-F238E27FC236}">
+                <a16:creationId xmlns:a16="http://schemas.microsoft.com/office/drawing/2014/main" id="{1B1267B5-E1D2-4073-B33D-33B18FC8A640}"/>
+              </a:ext>
+            </a:extLst>
+          </p:cNvPr>
+          <p:cNvCxnSpPr>
+            <a:cxnSpLocks/>
+          </p:cNvCxnSpPr>
+          <p:nvPr/>
+        </p:nvCxnSpPr>
+        <p:spPr>
+          <a:xfrm>
+            <a:off x="1158852" y="4434762"/>
+            <a:ext cx="10691813" cy="0"/>
+          </a:xfrm>
+          <a:prstGeom prst="line">
+            <a:avLst/>
+          </a:prstGeom>
+          <a:ln w="19050">
+            <a:solidFill>
+              <a:schemeClr val="accent1"/>
+            </a:solidFill>
+          </a:ln>
+        </p:spPr>
+        <p:style>
+          <a:lnRef idx="1">
+            <a:schemeClr val="accent1"/>
+          </a:lnRef>
+          <a:fillRef idx="0">
+            <a:schemeClr val="accent1"/>
+          </a:fillRef>
+          <a:effectRef idx="0">
+            <a:schemeClr val="accent1"/>
+          </a:effectRef>
+          <a:fontRef idx="minor">
+            <a:schemeClr val="tx1"/>
+          </a:fontRef>
+        </p:style>
+      </p:cxnSp>
+      <p:cxnSp>
+        <p:nvCxnSpPr>
+          <p:cNvPr id="30" name="직선 연결선 29">
+            <a:extLst>
+              <a:ext uri="{FF2B5EF4-FFF2-40B4-BE49-F238E27FC236}">
+                <a16:creationId xmlns:a16="http://schemas.microsoft.com/office/drawing/2014/main" id="{6B9D6E82-F2DF-4B04-90DE-06B40FD7D04B}"/>
+              </a:ext>
+            </a:extLst>
+          </p:cNvPr>
+          <p:cNvCxnSpPr>
+            <a:cxnSpLocks/>
+          </p:cNvCxnSpPr>
+          <p:nvPr/>
+        </p:nvCxnSpPr>
+        <p:spPr>
+          <a:xfrm>
+            <a:off x="3094536" y="2999501"/>
+            <a:ext cx="0" cy="946800"/>
+          </a:xfrm>
+          <a:prstGeom prst="line">
+            <a:avLst/>
+          </a:prstGeom>
+        </p:spPr>
+        <p:style>
+          <a:lnRef idx="1">
+            <a:schemeClr val="accent1"/>
+          </a:lnRef>
+          <a:fillRef idx="0">
+            <a:schemeClr val="accent1"/>
+          </a:fillRef>
+          <a:effectRef idx="0">
+            <a:schemeClr val="accent1"/>
+          </a:effectRef>
+          <a:fontRef idx="minor">
+            <a:schemeClr val="tx1"/>
+          </a:fontRef>
+        </p:style>
+      </p:cxnSp>
+      <p:cxnSp>
+        <p:nvCxnSpPr>
+          <p:cNvPr id="31" name="직선 연결선 30">
+            <a:extLst>
+              <a:ext uri="{FF2B5EF4-FFF2-40B4-BE49-F238E27FC236}">
+                <a16:creationId xmlns:a16="http://schemas.microsoft.com/office/drawing/2014/main" id="{2C656832-A46B-4176-8E05-91027B2DE449}"/>
+              </a:ext>
+            </a:extLst>
+          </p:cNvPr>
+          <p:cNvCxnSpPr>
+            <a:cxnSpLocks/>
+          </p:cNvCxnSpPr>
+          <p:nvPr/>
+        </p:nvCxnSpPr>
+        <p:spPr>
+          <a:xfrm>
+            <a:off x="1158852" y="5392212"/>
+            <a:ext cx="10691813" cy="0"/>
+          </a:xfrm>
+          <a:prstGeom prst="line">
+            <a:avLst/>
+          </a:prstGeom>
+          <a:ln w="19050">
+            <a:solidFill>
+              <a:schemeClr val="accent1"/>
+            </a:solidFill>
+          </a:ln>
+        </p:spPr>
+        <p:style>
+          <a:lnRef idx="1">
+            <a:schemeClr val="accent1"/>
+          </a:lnRef>
+          <a:fillRef idx="0">
+            <a:schemeClr val="accent1"/>
+          </a:fillRef>
+          <a:effectRef idx="0">
+            <a:schemeClr val="accent1"/>
+          </a:effectRef>
+          <a:fontRef idx="minor">
+            <a:schemeClr val="tx1"/>
+          </a:fontRef>
+        </p:style>
+      </p:cxnSp>
+      <p:cxnSp>
+        <p:nvCxnSpPr>
+          <p:cNvPr id="33" name="직선 연결선 32">
+            <a:extLst>
+              <a:ext uri="{FF2B5EF4-FFF2-40B4-BE49-F238E27FC236}">
+                <a16:creationId xmlns:a16="http://schemas.microsoft.com/office/drawing/2014/main" id="{04E3F2FB-7886-4FBC-BDBC-0627D3A895B0}"/>
+              </a:ext>
+            </a:extLst>
+          </p:cNvPr>
+          <p:cNvCxnSpPr>
+            <a:cxnSpLocks/>
+          </p:cNvCxnSpPr>
+          <p:nvPr/>
+        </p:nvCxnSpPr>
+        <p:spPr>
+          <a:xfrm>
+            <a:off x="3094536" y="4445412"/>
+            <a:ext cx="0" cy="471600"/>
+          </a:xfrm>
+          <a:prstGeom prst="line">
+            <a:avLst/>
+          </a:prstGeom>
+        </p:spPr>
+        <p:style>
+          <a:lnRef idx="1">
+            <a:schemeClr val="accent1"/>
+          </a:lnRef>
+          <a:fillRef idx="0">
+            <a:schemeClr val="accent1"/>
+          </a:fillRef>
+          <a:effectRef idx="0">
+            <a:schemeClr val="accent1"/>
+          </a:effectRef>
+          <a:fontRef idx="minor">
+            <a:schemeClr val="tx1"/>
+          </a:fontRef>
+        </p:style>
+      </p:cxnSp>
+      <p:cxnSp>
+        <p:nvCxnSpPr>
+          <p:cNvPr id="35" name="직선 연결선 34">
+            <a:extLst>
+              <a:ext uri="{FF2B5EF4-FFF2-40B4-BE49-F238E27FC236}">
+                <a16:creationId xmlns:a16="http://schemas.microsoft.com/office/drawing/2014/main" id="{F24123E2-FEA0-453D-B6FB-F397016ED8E3}"/>
+              </a:ext>
+            </a:extLst>
+          </p:cNvPr>
+          <p:cNvCxnSpPr>
+            <a:cxnSpLocks/>
+          </p:cNvCxnSpPr>
+          <p:nvPr/>
+        </p:nvCxnSpPr>
+        <p:spPr>
+          <a:xfrm>
+            <a:off x="1158852" y="6346363"/>
+            <a:ext cx="10691813" cy="0"/>
+          </a:xfrm>
+          <a:prstGeom prst="line">
+            <a:avLst/>
+          </a:prstGeom>
+          <a:ln w="19050">
+            <a:solidFill>
+              <a:schemeClr val="accent1"/>
+            </a:solidFill>
+          </a:ln>
+        </p:spPr>
+        <p:style>
+          <a:lnRef idx="1">
+            <a:schemeClr val="accent1"/>
+          </a:lnRef>
+          <a:fillRef idx="0">
+            <a:schemeClr val="accent1"/>
+          </a:fillRef>
+          <a:effectRef idx="0">
+            <a:schemeClr val="accent1"/>
+          </a:effectRef>
+          <a:fontRef idx="minor">
+            <a:schemeClr val="tx1"/>
+          </a:fontRef>
+        </p:style>
+      </p:cxnSp>
+      <p:cxnSp>
+        <p:nvCxnSpPr>
+          <p:cNvPr id="36" name="직선 연결선 35">
+            <a:extLst>
+              <a:ext uri="{FF2B5EF4-FFF2-40B4-BE49-F238E27FC236}">
+                <a16:creationId xmlns:a16="http://schemas.microsoft.com/office/drawing/2014/main" id="{ECDF1514-30A0-4008-99A5-B8EC4D94CBC0}"/>
+              </a:ext>
+            </a:extLst>
+          </p:cNvPr>
+          <p:cNvCxnSpPr>
+            <a:cxnSpLocks/>
+          </p:cNvCxnSpPr>
+          <p:nvPr/>
+        </p:nvCxnSpPr>
+        <p:spPr>
+          <a:xfrm>
+            <a:off x="1158852" y="5877615"/>
+            <a:ext cx="10691813" cy="0"/>
+          </a:xfrm>
+          <a:prstGeom prst="line">
+            <a:avLst/>
+          </a:prstGeom>
+          <a:ln w="19050">
+            <a:solidFill>
+              <a:schemeClr val="accent1"/>
+            </a:solidFill>
+          </a:ln>
+        </p:spPr>
+        <p:style>
+          <a:lnRef idx="1">
+            <a:schemeClr val="accent1"/>
+          </a:lnRef>
+          <a:fillRef idx="0">
+            <a:schemeClr val="accent1"/>
+          </a:fillRef>
+          <a:effectRef idx="0">
+            <a:schemeClr val="accent1"/>
+          </a:effectRef>
+          <a:fontRef idx="minor">
+            <a:schemeClr val="tx1"/>
+          </a:fontRef>
+        </p:style>
+      </p:cxnSp>
+      <p:cxnSp>
+        <p:nvCxnSpPr>
+          <p:cNvPr id="37" name="직선 연결선 36">
+            <a:extLst>
+              <a:ext uri="{FF2B5EF4-FFF2-40B4-BE49-F238E27FC236}">
+                <a16:creationId xmlns:a16="http://schemas.microsoft.com/office/drawing/2014/main" id="{6E9DBD09-A246-45B4-8B09-A328F2970F10}"/>
+              </a:ext>
+            </a:extLst>
+          </p:cNvPr>
+          <p:cNvCxnSpPr>
+            <a:cxnSpLocks/>
+          </p:cNvCxnSpPr>
+          <p:nvPr/>
+        </p:nvCxnSpPr>
+        <p:spPr>
+          <a:xfrm>
+            <a:off x="1158852" y="7296221"/>
+            <a:ext cx="10691813" cy="0"/>
+          </a:xfrm>
+          <a:prstGeom prst="line">
+            <a:avLst/>
+          </a:prstGeom>
+          <a:ln w="19050">
+            <a:solidFill>
+              <a:schemeClr val="accent1"/>
+            </a:solidFill>
+          </a:ln>
+        </p:spPr>
+        <p:style>
+          <a:lnRef idx="1">
+            <a:schemeClr val="accent1"/>
+          </a:lnRef>
+          <a:fillRef idx="0">
+            <a:schemeClr val="accent1"/>
+          </a:fillRef>
+          <a:effectRef idx="0">
+            <a:schemeClr val="accent1"/>
+          </a:effectRef>
+          <a:fontRef idx="minor">
+            <a:schemeClr val="tx1"/>
+          </a:fontRef>
+        </p:style>
+      </p:cxnSp>
+      <p:cxnSp>
+        <p:nvCxnSpPr>
+          <p:cNvPr id="38" name="직선 연결선 37">
+            <a:extLst>
+              <a:ext uri="{FF2B5EF4-FFF2-40B4-BE49-F238E27FC236}">
+                <a16:creationId xmlns:a16="http://schemas.microsoft.com/office/drawing/2014/main" id="{86C740A7-E5B0-4D02-B488-F45DAC83C5F8}"/>
+              </a:ext>
+            </a:extLst>
+          </p:cNvPr>
+          <p:cNvCxnSpPr>
+            <a:cxnSpLocks/>
+          </p:cNvCxnSpPr>
+          <p:nvPr/>
+        </p:nvCxnSpPr>
+        <p:spPr>
+          <a:xfrm>
+            <a:off x="1158852" y="6837492"/>
+            <a:ext cx="10691813" cy="0"/>
+          </a:xfrm>
+          <a:prstGeom prst="line">
+            <a:avLst/>
+          </a:prstGeom>
+          <a:ln w="19050">
+            <a:solidFill>
+              <a:schemeClr val="accent1"/>
+            </a:solidFill>
+          </a:ln>
+        </p:spPr>
+        <p:style>
+          <a:lnRef idx="1">
+            <a:schemeClr val="accent1"/>
+          </a:lnRef>
+          <a:fillRef idx="0">
+            <a:schemeClr val="accent1"/>
+          </a:fillRef>
+          <a:effectRef idx="0">
+            <a:schemeClr val="accent1"/>
+          </a:effectRef>
+          <a:fontRef idx="minor">
+            <a:schemeClr val="tx1"/>
+          </a:fontRef>
+        </p:style>
+      </p:cxnSp>
+      <p:cxnSp>
+        <p:nvCxnSpPr>
+          <p:cNvPr id="39" name="직선 연결선 38">
+            <a:extLst>
+              <a:ext uri="{FF2B5EF4-FFF2-40B4-BE49-F238E27FC236}">
+                <a16:creationId xmlns:a16="http://schemas.microsoft.com/office/drawing/2014/main" id="{FFC65FE0-F79F-4898-A7D1-D06EF63A1E5E}"/>
+              </a:ext>
+            </a:extLst>
+          </p:cNvPr>
+          <p:cNvCxnSpPr>
+            <a:cxnSpLocks/>
+          </p:cNvCxnSpPr>
+          <p:nvPr/>
+        </p:nvCxnSpPr>
+        <p:spPr>
+          <a:xfrm>
+            <a:off x="1158852" y="8250372"/>
+            <a:ext cx="10691813" cy="0"/>
+          </a:xfrm>
+          <a:prstGeom prst="line">
+            <a:avLst/>
+          </a:prstGeom>
+          <a:ln w="19050">
+            <a:solidFill>
+              <a:schemeClr val="accent1"/>
+            </a:solidFill>
+          </a:ln>
+        </p:spPr>
+        <p:style>
+          <a:lnRef idx="1">
+            <a:schemeClr val="accent1"/>
+          </a:lnRef>
+          <a:fillRef idx="0">
+            <a:schemeClr val="accent1"/>
+          </a:fillRef>
+          <a:effectRef idx="0">
+            <a:schemeClr val="accent1"/>
+          </a:effectRef>
+          <a:fontRef idx="minor">
+            <a:schemeClr val="tx1"/>
+          </a:fontRef>
+        </p:style>
+      </p:cxnSp>
+      <p:cxnSp>
+        <p:nvCxnSpPr>
+          <p:cNvPr id="40" name="직선 연결선 39">
+            <a:extLst>
+              <a:ext uri="{FF2B5EF4-FFF2-40B4-BE49-F238E27FC236}">
+                <a16:creationId xmlns:a16="http://schemas.microsoft.com/office/drawing/2014/main" id="{75B030A0-89C0-487F-9660-A78EBF44623C}"/>
+              </a:ext>
+            </a:extLst>
+          </p:cNvPr>
+          <p:cNvCxnSpPr>
+            <a:cxnSpLocks/>
+          </p:cNvCxnSpPr>
+          <p:nvPr/>
+        </p:nvCxnSpPr>
+        <p:spPr>
+          <a:xfrm>
+            <a:off x="1158852" y="7781624"/>
+            <a:ext cx="10691813" cy="0"/>
+          </a:xfrm>
+          <a:prstGeom prst="line">
+            <a:avLst/>
+          </a:prstGeom>
+          <a:ln w="19050">
+            <a:solidFill>
+              <a:schemeClr val="accent1"/>
+            </a:solidFill>
+          </a:ln>
+        </p:spPr>
+        <p:style>
+          <a:lnRef idx="1">
+            <a:schemeClr val="accent1"/>
+          </a:lnRef>
+          <a:fillRef idx="0">
+            <a:schemeClr val="accent1"/>
+          </a:fillRef>
+          <a:effectRef idx="0">
+            <a:schemeClr val="accent1"/>
+          </a:effectRef>
+          <a:fontRef idx="minor">
+            <a:schemeClr val="tx1"/>
+          </a:fontRef>
+        </p:style>
+      </p:cxnSp>
+      <p:cxnSp>
+        <p:nvCxnSpPr>
+          <p:cNvPr id="41" name="직선 연결선 40">
+            <a:extLst>
+              <a:ext uri="{FF2B5EF4-FFF2-40B4-BE49-F238E27FC236}">
+                <a16:creationId xmlns:a16="http://schemas.microsoft.com/office/drawing/2014/main" id="{5743B5BF-9659-4F61-8F91-14C4EB9F3D8C}"/>
+              </a:ext>
+            </a:extLst>
+          </p:cNvPr>
+          <p:cNvCxnSpPr>
+            <a:cxnSpLocks/>
+          </p:cNvCxnSpPr>
+          <p:nvPr/>
+        </p:nvCxnSpPr>
+        <p:spPr>
+          <a:xfrm>
+            <a:off x="-11138" y="6346363"/>
+            <a:ext cx="0" cy="946800"/>
+          </a:xfrm>
+          <a:prstGeom prst="line">
+            <a:avLst/>
+          </a:prstGeom>
+        </p:spPr>
+        <p:style>
+          <a:lnRef idx="1">
+            <a:schemeClr val="accent1"/>
+          </a:lnRef>
+          <a:fillRef idx="0">
+            <a:schemeClr val="accent1"/>
+          </a:fillRef>
+          <a:effectRef idx="0">
+            <a:schemeClr val="accent1"/>
+          </a:effectRef>
+          <a:fontRef idx="minor">
+            <a:schemeClr val="tx1"/>
+          </a:fontRef>
+        </p:style>
+      </p:cxnSp>
+    </p:spTree>
+    <p:extLst>
+      <p:ext uri="{BB962C8B-B14F-4D97-AF65-F5344CB8AC3E}">
+        <p14:creationId xmlns:p14="http://schemas.microsoft.com/office/powerpoint/2010/main" val="47534111"/>
+      </p:ext>
+    </p:extLst>
+  </p:cSld>
+  <p:clrMapOvr>
+    <a:masterClrMapping/>
+  </p:clrMapOvr>
+</p:sld>
+</file>
+
+<file path=ppt/slides/slide3.xml><?xml version="1.0" encoding="utf-8"?>
+<p:sld xmlns:a="http://schemas.openxmlformats.org/drawingml/2006/main" xmlns:r="http://schemas.openxmlformats.org/officeDocument/2006/relationships" xmlns:p="http://schemas.openxmlformats.org/presentationml/2006/main">
+  <p:cSld>
+    <p:spTree>
+      <p:nvGrpSpPr>
+        <p:cNvPr id="1" name=""/>
+        <p:cNvGrpSpPr/>
+        <p:nvPr/>
+      </p:nvGrpSpPr>
+      <p:grpSpPr>
+        <a:xfrm>
+          <a:off x="0" y="0"/>
+          <a:ext cx="0" cy="0"/>
+          <a:chOff x="0" y="0"/>
+          <a:chExt cx="0" cy="0"/>
+        </a:xfrm>
+      </p:grpSpPr>
+      <p:cxnSp>
+        <p:nvCxnSpPr>
+          <p:cNvPr id="21" name="직선 연결선 20"/>
+          <p:cNvCxnSpPr>
+            <a:cxnSpLocks/>
+          </p:cNvCxnSpPr>
+          <p:nvPr/>
+        </p:nvCxnSpPr>
+        <p:spPr>
+          <a:xfrm>
+            <a:off x="0" y="1179752"/>
+            <a:ext cx="13032000" cy="0"/>
+          </a:xfrm>
+          <a:prstGeom prst="line">
+            <a:avLst/>
+          </a:prstGeom>
+          <a:ln w="19050">
+            <a:solidFill>
+              <a:schemeClr val="bg1">
+                <a:lumMod val="85000"/>
+              </a:schemeClr>
+            </a:solidFill>
+          </a:ln>
+        </p:spPr>
+        <p:style>
+          <a:lnRef idx="1">
+            <a:schemeClr val="accent1"/>
+          </a:lnRef>
+          <a:fillRef idx="0">
+            <a:schemeClr val="accent1"/>
+          </a:fillRef>
+          <a:effectRef idx="0">
+            <a:schemeClr val="accent1"/>
+          </a:effectRef>
+          <a:fontRef idx="minor">
+            <a:schemeClr val="tx1"/>
+          </a:fontRef>
+        </p:style>
+      </p:cxnSp>
+      <p:cxnSp>
+        <p:nvCxnSpPr>
+          <p:cNvPr id="26" name="직선 연결선 25"/>
+          <p:cNvCxnSpPr>
+            <a:cxnSpLocks/>
+          </p:cNvCxnSpPr>
+          <p:nvPr/>
+        </p:nvCxnSpPr>
+        <p:spPr>
+          <a:xfrm>
+            <a:off x="0" y="701470"/>
+            <a:ext cx="13032000" cy="0"/>
+          </a:xfrm>
+          <a:prstGeom prst="line">
+            <a:avLst/>
+          </a:prstGeom>
+          <a:ln w="19050">
+            <a:solidFill>
+              <a:schemeClr val="bg1">
+                <a:lumMod val="85000"/>
+              </a:schemeClr>
+            </a:solidFill>
+          </a:ln>
+        </p:spPr>
+        <p:style>
+          <a:lnRef idx="1">
+            <a:schemeClr val="accent1"/>
+          </a:lnRef>
+          <a:fillRef idx="0">
+            <a:schemeClr val="accent1"/>
+          </a:fillRef>
+          <a:effectRef idx="0">
+            <a:schemeClr val="accent1"/>
+          </a:effectRef>
+          <a:fontRef idx="minor">
+            <a:schemeClr val="tx1"/>
+          </a:fontRef>
+        </p:style>
+      </p:cxnSp>
+      <p:cxnSp>
+        <p:nvCxnSpPr>
+          <p:cNvPr id="22" name="직선 연결선 21">
+            <a:extLst>
+              <a:ext uri="{FF2B5EF4-FFF2-40B4-BE49-F238E27FC236}">
+                <a16:creationId xmlns:a16="http://schemas.microsoft.com/office/drawing/2014/main" id="{195DAB8B-3F9D-4928-91EC-D7EB18D7B324}"/>
+              </a:ext>
+            </a:extLst>
+          </p:cNvPr>
+          <p:cNvCxnSpPr>
+            <a:cxnSpLocks/>
+          </p:cNvCxnSpPr>
+          <p:nvPr/>
+        </p:nvCxnSpPr>
+        <p:spPr>
+          <a:xfrm>
+            <a:off x="0" y="2136316"/>
+            <a:ext cx="13032000" cy="0"/>
+          </a:xfrm>
+          <a:prstGeom prst="line">
+            <a:avLst/>
+          </a:prstGeom>
+          <a:ln w="19050">
+            <a:solidFill>
+              <a:schemeClr val="bg1">
+                <a:lumMod val="85000"/>
+              </a:schemeClr>
+            </a:solidFill>
+          </a:ln>
+        </p:spPr>
+        <p:style>
+          <a:lnRef idx="1">
+            <a:schemeClr val="accent1"/>
+          </a:lnRef>
+          <a:fillRef idx="0">
+            <a:schemeClr val="accent1"/>
+          </a:fillRef>
+          <a:effectRef idx="0">
+            <a:schemeClr val="accent1"/>
+          </a:effectRef>
+          <a:fontRef idx="minor">
+            <a:schemeClr val="tx1"/>
+          </a:fontRef>
+        </p:style>
+      </p:cxnSp>
+      <p:cxnSp>
+        <p:nvCxnSpPr>
+          <p:cNvPr id="24" name="직선 연결선 23">
+            <a:extLst>
+              <a:ext uri="{FF2B5EF4-FFF2-40B4-BE49-F238E27FC236}">
+                <a16:creationId xmlns:a16="http://schemas.microsoft.com/office/drawing/2014/main" id="{5B122C34-A810-4B68-9FF6-2510C8748084}"/>
+              </a:ext>
+            </a:extLst>
+          </p:cNvPr>
+          <p:cNvCxnSpPr>
+            <a:cxnSpLocks/>
+          </p:cNvCxnSpPr>
+          <p:nvPr/>
+        </p:nvCxnSpPr>
+        <p:spPr>
+          <a:xfrm>
+            <a:off x="0" y="1658034"/>
+            <a:ext cx="13032000" cy="0"/>
+          </a:xfrm>
+          <a:prstGeom prst="line">
+            <a:avLst/>
+          </a:prstGeom>
+          <a:ln w="19050">
+            <a:solidFill>
+              <a:schemeClr val="bg1">
+                <a:lumMod val="85000"/>
+              </a:schemeClr>
+            </a:solidFill>
+          </a:ln>
+        </p:spPr>
+        <p:style>
+          <a:lnRef idx="1">
+            <a:schemeClr val="accent1"/>
+          </a:lnRef>
+          <a:fillRef idx="0">
+            <a:schemeClr val="accent1"/>
+          </a:fillRef>
+          <a:effectRef idx="0">
+            <a:schemeClr val="accent1"/>
+          </a:effectRef>
+          <a:fontRef idx="minor">
+            <a:schemeClr val="tx1"/>
+          </a:fontRef>
+        </p:style>
+      </p:cxnSp>
+      <p:cxnSp>
+        <p:nvCxnSpPr>
+          <p:cNvPr id="25" name="직선 연결선 24">
+            <a:extLst>
+              <a:ext uri="{FF2B5EF4-FFF2-40B4-BE49-F238E27FC236}">
+                <a16:creationId xmlns:a16="http://schemas.microsoft.com/office/drawing/2014/main" id="{0844810E-F48B-437D-B0D9-28EC66062631}"/>
+              </a:ext>
+            </a:extLst>
+          </p:cNvPr>
+          <p:cNvCxnSpPr>
+            <a:cxnSpLocks/>
+          </p:cNvCxnSpPr>
+          <p:nvPr/>
+        </p:nvCxnSpPr>
+        <p:spPr>
+          <a:xfrm>
+            <a:off x="0" y="3092880"/>
+            <a:ext cx="13032000" cy="0"/>
+          </a:xfrm>
+          <a:prstGeom prst="line">
+            <a:avLst/>
+          </a:prstGeom>
+          <a:ln w="19050">
+            <a:solidFill>
+              <a:schemeClr val="bg1">
+                <a:lumMod val="85000"/>
+              </a:schemeClr>
+            </a:solidFill>
+          </a:ln>
+        </p:spPr>
+        <p:style>
+          <a:lnRef idx="1">
+            <a:schemeClr val="accent1"/>
+          </a:lnRef>
+          <a:fillRef idx="0">
+            <a:schemeClr val="accent1"/>
+          </a:fillRef>
+          <a:effectRef idx="0">
+            <a:schemeClr val="accent1"/>
+          </a:effectRef>
+          <a:fontRef idx="minor">
+            <a:schemeClr val="tx1"/>
+          </a:fontRef>
+        </p:style>
+      </p:cxnSp>
+      <p:cxnSp>
+        <p:nvCxnSpPr>
+          <p:cNvPr id="27" name="직선 연결선 26">
+            <a:extLst>
+              <a:ext uri="{FF2B5EF4-FFF2-40B4-BE49-F238E27FC236}">
+                <a16:creationId xmlns:a16="http://schemas.microsoft.com/office/drawing/2014/main" id="{9D58B9EE-95A9-4387-AA25-5092CDB84953}"/>
+              </a:ext>
+            </a:extLst>
+          </p:cNvPr>
+          <p:cNvCxnSpPr>
+            <a:cxnSpLocks/>
+          </p:cNvCxnSpPr>
+          <p:nvPr/>
+        </p:nvCxnSpPr>
+        <p:spPr>
+          <a:xfrm>
+            <a:off x="0" y="2614598"/>
+            <a:ext cx="13032000" cy="0"/>
+          </a:xfrm>
+          <a:prstGeom prst="line">
+            <a:avLst/>
+          </a:prstGeom>
+          <a:ln w="19050">
+            <a:solidFill>
+              <a:schemeClr val="bg1">
+                <a:lumMod val="85000"/>
+              </a:schemeClr>
+            </a:solidFill>
+          </a:ln>
+        </p:spPr>
+        <p:style>
+          <a:lnRef idx="1">
+            <a:schemeClr val="accent1"/>
+          </a:lnRef>
+          <a:fillRef idx="0">
+            <a:schemeClr val="accent1"/>
+          </a:fillRef>
+          <a:effectRef idx="0">
+            <a:schemeClr val="accent1"/>
+          </a:effectRef>
+          <a:fontRef idx="minor">
+            <a:schemeClr val="tx1"/>
+          </a:fontRef>
+        </p:style>
+      </p:cxnSp>
+      <p:cxnSp>
+        <p:nvCxnSpPr>
+          <p:cNvPr id="28" name="직선 연결선 27">
+            <a:extLst>
+              <a:ext uri="{FF2B5EF4-FFF2-40B4-BE49-F238E27FC236}">
+                <a16:creationId xmlns:a16="http://schemas.microsoft.com/office/drawing/2014/main" id="{C301EEDD-8185-4932-9D11-849ED6AAA53E}"/>
+              </a:ext>
+            </a:extLst>
+          </p:cNvPr>
+          <p:cNvCxnSpPr>
+            <a:cxnSpLocks/>
+          </p:cNvCxnSpPr>
+          <p:nvPr/>
+        </p:nvCxnSpPr>
+        <p:spPr>
+          <a:xfrm>
+            <a:off x="0" y="4049444"/>
+            <a:ext cx="13032000" cy="0"/>
+          </a:xfrm>
+          <a:prstGeom prst="line">
+            <a:avLst/>
+          </a:prstGeom>
+          <a:ln w="19050">
+            <a:solidFill>
+              <a:schemeClr val="bg1">
+                <a:lumMod val="85000"/>
+              </a:schemeClr>
+            </a:solidFill>
+          </a:ln>
+        </p:spPr>
+        <p:style>
+          <a:lnRef idx="1">
+            <a:schemeClr val="accent1"/>
+          </a:lnRef>
+          <a:fillRef idx="0">
+            <a:schemeClr val="accent1"/>
+          </a:fillRef>
+          <a:effectRef idx="0">
+            <a:schemeClr val="accent1"/>
+          </a:effectRef>
+          <a:fontRef idx="minor">
+            <a:schemeClr val="tx1"/>
+          </a:fontRef>
+        </p:style>
+      </p:cxnSp>
+      <p:cxnSp>
+        <p:nvCxnSpPr>
+          <p:cNvPr id="29" name="직선 연결선 28">
+            <a:extLst>
+              <a:ext uri="{FF2B5EF4-FFF2-40B4-BE49-F238E27FC236}">
+                <a16:creationId xmlns:a16="http://schemas.microsoft.com/office/drawing/2014/main" id="{1B1267B5-E1D2-4073-B33D-33B18FC8A640}"/>
+              </a:ext>
+            </a:extLst>
+          </p:cNvPr>
+          <p:cNvCxnSpPr>
+            <a:cxnSpLocks/>
+          </p:cNvCxnSpPr>
+          <p:nvPr/>
+        </p:nvCxnSpPr>
+        <p:spPr>
+          <a:xfrm>
+            <a:off x="0" y="3571162"/>
+            <a:ext cx="13032000" cy="0"/>
+          </a:xfrm>
+          <a:prstGeom prst="line">
+            <a:avLst/>
+          </a:prstGeom>
+          <a:ln w="19050">
+            <a:solidFill>
+              <a:schemeClr val="bg1">
+                <a:lumMod val="85000"/>
+              </a:schemeClr>
+            </a:solidFill>
+          </a:ln>
+        </p:spPr>
+        <p:style>
+          <a:lnRef idx="1">
+            <a:schemeClr val="accent1"/>
+          </a:lnRef>
+          <a:fillRef idx="0">
+            <a:schemeClr val="accent1"/>
+          </a:fillRef>
+          <a:effectRef idx="0">
+            <a:schemeClr val="accent1"/>
+          </a:effectRef>
+          <a:fontRef idx="minor">
+            <a:schemeClr val="tx1"/>
+          </a:fontRef>
+        </p:style>
+      </p:cxnSp>
+      <p:cxnSp>
+        <p:nvCxnSpPr>
+          <p:cNvPr id="31" name="직선 연결선 30">
+            <a:extLst>
+              <a:ext uri="{FF2B5EF4-FFF2-40B4-BE49-F238E27FC236}">
+                <a16:creationId xmlns:a16="http://schemas.microsoft.com/office/drawing/2014/main" id="{2C656832-A46B-4176-8E05-91027B2DE449}"/>
+              </a:ext>
+            </a:extLst>
+          </p:cNvPr>
+          <p:cNvCxnSpPr>
+            <a:cxnSpLocks/>
+          </p:cNvCxnSpPr>
+          <p:nvPr/>
+        </p:nvCxnSpPr>
+        <p:spPr>
+          <a:xfrm>
+            <a:off x="0" y="4527726"/>
+            <a:ext cx="13032000" cy="0"/>
+          </a:xfrm>
+          <a:prstGeom prst="line">
+            <a:avLst/>
+          </a:prstGeom>
+          <a:ln w="19050">
+            <a:solidFill>
+              <a:schemeClr val="bg1">
+                <a:lumMod val="85000"/>
+              </a:schemeClr>
+            </a:solidFill>
+          </a:ln>
+        </p:spPr>
+        <p:style>
+          <a:lnRef idx="1">
+            <a:schemeClr val="accent1"/>
+          </a:lnRef>
+          <a:fillRef idx="0">
+            <a:schemeClr val="accent1"/>
+          </a:fillRef>
+          <a:effectRef idx="0">
+            <a:schemeClr val="accent1"/>
+          </a:effectRef>
+          <a:fontRef idx="minor">
+            <a:schemeClr val="tx1"/>
+          </a:fontRef>
+        </p:style>
+      </p:cxnSp>
+      <p:cxnSp>
+        <p:nvCxnSpPr>
+          <p:cNvPr id="35" name="직선 연결선 34">
+            <a:extLst>
+              <a:ext uri="{FF2B5EF4-FFF2-40B4-BE49-F238E27FC236}">
+                <a16:creationId xmlns:a16="http://schemas.microsoft.com/office/drawing/2014/main" id="{F24123E2-FEA0-453D-B6FB-F397016ED8E3}"/>
+              </a:ext>
+            </a:extLst>
+          </p:cNvPr>
+          <p:cNvCxnSpPr>
+            <a:cxnSpLocks/>
+          </p:cNvCxnSpPr>
+          <p:nvPr/>
+        </p:nvCxnSpPr>
+        <p:spPr>
+          <a:xfrm>
+            <a:off x="0" y="5484290"/>
+            <a:ext cx="13032000" cy="0"/>
+          </a:xfrm>
+          <a:prstGeom prst="line">
+            <a:avLst/>
+          </a:prstGeom>
+          <a:ln w="19050">
+            <a:solidFill>
+              <a:schemeClr val="bg1">
+                <a:lumMod val="85000"/>
+              </a:schemeClr>
+            </a:solidFill>
+          </a:ln>
+        </p:spPr>
+        <p:style>
+          <a:lnRef idx="1">
+            <a:schemeClr val="accent1"/>
+          </a:lnRef>
+          <a:fillRef idx="0">
+            <a:schemeClr val="accent1"/>
+          </a:fillRef>
+          <a:effectRef idx="0">
+            <a:schemeClr val="accent1"/>
+          </a:effectRef>
+          <a:fontRef idx="minor">
+            <a:schemeClr val="tx1"/>
+          </a:fontRef>
+        </p:style>
+      </p:cxnSp>
+      <p:cxnSp>
+        <p:nvCxnSpPr>
+          <p:cNvPr id="36" name="직선 연결선 35">
+            <a:extLst>
+              <a:ext uri="{FF2B5EF4-FFF2-40B4-BE49-F238E27FC236}">
+                <a16:creationId xmlns:a16="http://schemas.microsoft.com/office/drawing/2014/main" id="{ECDF1514-30A0-4008-99A5-B8EC4D94CBC0}"/>
+              </a:ext>
+            </a:extLst>
+          </p:cNvPr>
+          <p:cNvCxnSpPr>
+            <a:cxnSpLocks/>
+          </p:cNvCxnSpPr>
+          <p:nvPr/>
+        </p:nvCxnSpPr>
+        <p:spPr>
+          <a:xfrm>
+            <a:off x="0" y="5006008"/>
+            <a:ext cx="13032000" cy="0"/>
+          </a:xfrm>
+          <a:prstGeom prst="line">
+            <a:avLst/>
+          </a:prstGeom>
+          <a:ln w="19050">
+            <a:solidFill>
+              <a:schemeClr val="bg1">
+                <a:lumMod val="85000"/>
+              </a:schemeClr>
+            </a:solidFill>
+          </a:ln>
+        </p:spPr>
+        <p:style>
+          <a:lnRef idx="1">
+            <a:schemeClr val="accent1"/>
+          </a:lnRef>
+          <a:fillRef idx="0">
+            <a:schemeClr val="accent1"/>
+          </a:fillRef>
+          <a:effectRef idx="0">
+            <a:schemeClr val="accent1"/>
+          </a:effectRef>
+          <a:fontRef idx="minor">
+            <a:schemeClr val="tx1"/>
+          </a:fontRef>
+        </p:style>
+      </p:cxnSp>
+      <p:cxnSp>
+        <p:nvCxnSpPr>
+          <p:cNvPr id="37" name="직선 연결선 36">
+            <a:extLst>
+              <a:ext uri="{FF2B5EF4-FFF2-40B4-BE49-F238E27FC236}">
+                <a16:creationId xmlns:a16="http://schemas.microsoft.com/office/drawing/2014/main" id="{6E9DBD09-A246-45B4-8B09-A328F2970F10}"/>
+              </a:ext>
+            </a:extLst>
+          </p:cNvPr>
+          <p:cNvCxnSpPr>
+            <a:cxnSpLocks/>
+          </p:cNvCxnSpPr>
+          <p:nvPr/>
+        </p:nvCxnSpPr>
+        <p:spPr>
+          <a:xfrm>
+            <a:off x="0" y="6440854"/>
+            <a:ext cx="13032000" cy="0"/>
+          </a:xfrm>
+          <a:prstGeom prst="line">
+            <a:avLst/>
+          </a:prstGeom>
+          <a:ln w="19050">
+            <a:solidFill>
+              <a:schemeClr val="bg1">
+                <a:lumMod val="85000"/>
+              </a:schemeClr>
+            </a:solidFill>
+          </a:ln>
+        </p:spPr>
+        <p:style>
+          <a:lnRef idx="1">
+            <a:schemeClr val="accent1"/>
+          </a:lnRef>
+          <a:fillRef idx="0">
+            <a:schemeClr val="accent1"/>
+          </a:fillRef>
+          <a:effectRef idx="0">
+            <a:schemeClr val="accent1"/>
+          </a:effectRef>
+          <a:fontRef idx="minor">
+            <a:schemeClr val="tx1"/>
+          </a:fontRef>
+        </p:style>
+      </p:cxnSp>
+      <p:cxnSp>
+        <p:nvCxnSpPr>
+          <p:cNvPr id="38" name="직선 연결선 37">
+            <a:extLst>
+              <a:ext uri="{FF2B5EF4-FFF2-40B4-BE49-F238E27FC236}">
+                <a16:creationId xmlns:a16="http://schemas.microsoft.com/office/drawing/2014/main" id="{86C740A7-E5B0-4D02-B488-F45DAC83C5F8}"/>
+              </a:ext>
+            </a:extLst>
+          </p:cNvPr>
+          <p:cNvCxnSpPr>
+            <a:cxnSpLocks/>
+          </p:cNvCxnSpPr>
+          <p:nvPr/>
+        </p:nvCxnSpPr>
+        <p:spPr>
+          <a:xfrm>
+            <a:off x="0" y="5962572"/>
+            <a:ext cx="13032000" cy="0"/>
+          </a:xfrm>
+          <a:prstGeom prst="line">
+            <a:avLst/>
+          </a:prstGeom>
+          <a:ln w="19050">
+            <a:solidFill>
+              <a:schemeClr val="bg1">
+                <a:lumMod val="85000"/>
+              </a:schemeClr>
+            </a:solidFill>
+          </a:ln>
+        </p:spPr>
+        <p:style>
+          <a:lnRef idx="1">
+            <a:schemeClr val="accent1"/>
+          </a:lnRef>
+          <a:fillRef idx="0">
+            <a:schemeClr val="accent1"/>
+          </a:fillRef>
+          <a:effectRef idx="0">
+            <a:schemeClr val="accent1"/>
+          </a:effectRef>
+          <a:fontRef idx="minor">
+            <a:schemeClr val="tx1"/>
+          </a:fontRef>
+        </p:style>
+      </p:cxnSp>
+      <p:cxnSp>
+        <p:nvCxnSpPr>
+          <p:cNvPr id="39" name="직선 연결선 38">
+            <a:extLst>
+              <a:ext uri="{FF2B5EF4-FFF2-40B4-BE49-F238E27FC236}">
+                <a16:creationId xmlns:a16="http://schemas.microsoft.com/office/drawing/2014/main" id="{FFC65FE0-F79F-4898-A7D1-D06EF63A1E5E}"/>
+              </a:ext>
+            </a:extLst>
+          </p:cNvPr>
+          <p:cNvCxnSpPr>
+            <a:cxnSpLocks/>
+          </p:cNvCxnSpPr>
+          <p:nvPr/>
+        </p:nvCxnSpPr>
+        <p:spPr>
+          <a:xfrm>
+            <a:off x="0" y="7397418"/>
+            <a:ext cx="13032000" cy="0"/>
+          </a:xfrm>
+          <a:prstGeom prst="line">
+            <a:avLst/>
+          </a:prstGeom>
+          <a:ln w="19050">
+            <a:solidFill>
+              <a:schemeClr val="bg1">
+                <a:lumMod val="85000"/>
+              </a:schemeClr>
+            </a:solidFill>
+          </a:ln>
+        </p:spPr>
+        <p:style>
+          <a:lnRef idx="1">
+            <a:schemeClr val="accent1"/>
+          </a:lnRef>
+          <a:fillRef idx="0">
+            <a:schemeClr val="accent1"/>
+          </a:fillRef>
+          <a:effectRef idx="0">
+            <a:schemeClr val="accent1"/>
+          </a:effectRef>
+          <a:fontRef idx="minor">
+            <a:schemeClr val="tx1"/>
+          </a:fontRef>
+        </p:style>
+      </p:cxnSp>
+      <p:cxnSp>
+        <p:nvCxnSpPr>
+          <p:cNvPr id="40" name="직선 연결선 39">
+            <a:extLst>
+              <a:ext uri="{FF2B5EF4-FFF2-40B4-BE49-F238E27FC236}">
+                <a16:creationId xmlns:a16="http://schemas.microsoft.com/office/drawing/2014/main" id="{75B030A0-89C0-487F-9660-A78EBF44623C}"/>
+              </a:ext>
+            </a:extLst>
+          </p:cNvPr>
+          <p:cNvCxnSpPr>
+            <a:cxnSpLocks/>
+          </p:cNvCxnSpPr>
+          <p:nvPr/>
+        </p:nvCxnSpPr>
+        <p:spPr>
+          <a:xfrm>
+            <a:off x="0" y="6919136"/>
+            <a:ext cx="13032000" cy="0"/>
+          </a:xfrm>
+          <a:prstGeom prst="line">
+            <a:avLst/>
+          </a:prstGeom>
+          <a:ln w="19050">
+            <a:solidFill>
+              <a:schemeClr val="bg1">
+                <a:lumMod val="85000"/>
+              </a:schemeClr>
+            </a:solidFill>
+          </a:ln>
+        </p:spPr>
+        <p:style>
+          <a:lnRef idx="1">
+            <a:schemeClr val="accent1"/>
+          </a:lnRef>
+          <a:fillRef idx="0">
+            <a:schemeClr val="accent1"/>
+          </a:fillRef>
+          <a:effectRef idx="0">
+            <a:schemeClr val="accent1"/>
+          </a:effectRef>
+          <a:fontRef idx="minor">
+            <a:schemeClr val="tx1"/>
+          </a:fontRef>
+        </p:style>
+      </p:cxnSp>
+      <p:cxnSp>
+        <p:nvCxnSpPr>
+          <p:cNvPr id="18" name="직선 연결선 17">
+            <a:extLst>
+              <a:ext uri="{FF2B5EF4-FFF2-40B4-BE49-F238E27FC236}">
+                <a16:creationId xmlns:a16="http://schemas.microsoft.com/office/drawing/2014/main" id="{2CDE6C41-C510-4345-AADD-7065230F4662}"/>
+              </a:ext>
+            </a:extLst>
+          </p:cNvPr>
+          <p:cNvCxnSpPr>
+            <a:cxnSpLocks/>
+          </p:cNvCxnSpPr>
+          <p:nvPr/>
+        </p:nvCxnSpPr>
+        <p:spPr>
+          <a:xfrm>
+            <a:off x="0" y="7875700"/>
+            <a:ext cx="13032000" cy="0"/>
+          </a:xfrm>
+          <a:prstGeom prst="line">
+            <a:avLst/>
+          </a:prstGeom>
+          <a:ln w="19050">
+            <a:solidFill>
+              <a:schemeClr val="bg1">
+                <a:lumMod val="85000"/>
+              </a:schemeClr>
+            </a:solidFill>
+          </a:ln>
+        </p:spPr>
+        <p:style>
+          <a:lnRef idx="1">
+            <a:schemeClr val="accent1"/>
+          </a:lnRef>
+          <a:fillRef idx="0">
+            <a:schemeClr val="accent1"/>
+          </a:fillRef>
+          <a:effectRef idx="0">
+            <a:schemeClr val="accent1"/>
+          </a:effectRef>
+          <a:fontRef idx="minor">
+            <a:schemeClr val="tx1"/>
+          </a:fontRef>
+        </p:style>
+      </p:cxnSp>
+      <p:cxnSp>
+        <p:nvCxnSpPr>
+          <p:cNvPr id="19" name="직선 연결선 18">
+            <a:extLst>
+              <a:ext uri="{FF2B5EF4-FFF2-40B4-BE49-F238E27FC236}">
+                <a16:creationId xmlns:a16="http://schemas.microsoft.com/office/drawing/2014/main" id="{574F79F0-7B10-4950-BBBB-EDD9D3862FC0}"/>
+              </a:ext>
+            </a:extLst>
+          </p:cNvPr>
+          <p:cNvCxnSpPr>
+            <a:cxnSpLocks/>
+          </p:cNvCxnSpPr>
+          <p:nvPr/>
+        </p:nvCxnSpPr>
+        <p:spPr>
+          <a:xfrm>
+            <a:off x="0" y="8353982"/>
+            <a:ext cx="13032000" cy="0"/>
+          </a:xfrm>
+          <a:prstGeom prst="line">
+            <a:avLst/>
+          </a:prstGeom>
+          <a:ln w="19050">
+            <a:solidFill>
+              <a:schemeClr val="bg1">
+                <a:lumMod val="85000"/>
+              </a:schemeClr>
+            </a:solidFill>
+          </a:ln>
+        </p:spPr>
+        <p:style>
+          <a:lnRef idx="1">
+            <a:schemeClr val="accent1"/>
+          </a:lnRef>
+          <a:fillRef idx="0">
+            <a:schemeClr val="accent1"/>
+          </a:fillRef>
+          <a:effectRef idx="0">
+            <a:schemeClr val="accent1"/>
+          </a:effectRef>
+          <a:fontRef idx="minor">
+            <a:schemeClr val="tx1"/>
+          </a:fontRef>
+        </p:style>
+      </p:cxnSp>
+      <p:cxnSp>
+        <p:nvCxnSpPr>
+          <p:cNvPr id="20" name="직선 연결선 19">
+            <a:extLst>
+              <a:ext uri="{FF2B5EF4-FFF2-40B4-BE49-F238E27FC236}">
+                <a16:creationId xmlns:a16="http://schemas.microsoft.com/office/drawing/2014/main" id="{8FA7892D-9D03-48BF-9483-280C92EF5612}"/>
+              </a:ext>
+            </a:extLst>
+          </p:cNvPr>
+          <p:cNvCxnSpPr>
+            <a:cxnSpLocks/>
+          </p:cNvCxnSpPr>
+          <p:nvPr/>
+        </p:nvCxnSpPr>
+        <p:spPr>
+          <a:xfrm>
+            <a:off x="0" y="9310543"/>
+            <a:ext cx="13032000" cy="0"/>
+          </a:xfrm>
+          <a:prstGeom prst="line">
+            <a:avLst/>
+          </a:prstGeom>
+          <a:ln w="19050">
+            <a:solidFill>
+              <a:schemeClr val="bg1">
+                <a:lumMod val="85000"/>
+              </a:schemeClr>
+            </a:solidFill>
+          </a:ln>
+        </p:spPr>
+        <p:style>
+          <a:lnRef idx="1">
+            <a:schemeClr val="accent1"/>
+          </a:lnRef>
+          <a:fillRef idx="0">
+            <a:schemeClr val="accent1"/>
+          </a:fillRef>
+          <a:effectRef idx="0">
+            <a:schemeClr val="accent1"/>
+          </a:effectRef>
+          <a:fontRef idx="minor">
+            <a:schemeClr val="tx1"/>
+          </a:fontRef>
+        </p:style>
+      </p:cxnSp>
+      <p:cxnSp>
+        <p:nvCxnSpPr>
+          <p:cNvPr id="23" name="직선 연결선 22">
+            <a:extLst>
+              <a:ext uri="{FF2B5EF4-FFF2-40B4-BE49-F238E27FC236}">
+                <a16:creationId xmlns:a16="http://schemas.microsoft.com/office/drawing/2014/main" id="{BFD66220-54AF-49E0-B64F-069BE011AB74}"/>
+              </a:ext>
+            </a:extLst>
+          </p:cNvPr>
+          <p:cNvCxnSpPr>
+            <a:cxnSpLocks/>
+          </p:cNvCxnSpPr>
+          <p:nvPr/>
+        </p:nvCxnSpPr>
+        <p:spPr>
+          <a:xfrm>
+            <a:off x="0" y="8832264"/>
+            <a:ext cx="13032000" cy="0"/>
+          </a:xfrm>
+          <a:prstGeom prst="line">
+            <a:avLst/>
+          </a:prstGeom>
+          <a:ln w="19050">
+            <a:solidFill>
+              <a:schemeClr val="bg1">
+                <a:lumMod val="85000"/>
+              </a:schemeClr>
+            </a:solidFill>
+          </a:ln>
+        </p:spPr>
+        <p:style>
+          <a:lnRef idx="1">
+            <a:schemeClr val="accent1"/>
+          </a:lnRef>
+          <a:fillRef idx="0">
+            <a:schemeClr val="accent1"/>
+          </a:fillRef>
+          <a:effectRef idx="0">
+            <a:schemeClr val="accent1"/>
+          </a:effectRef>
+          <a:fontRef idx="minor">
+            <a:schemeClr val="tx1"/>
+          </a:fontRef>
+        </p:style>
+      </p:cxnSp>
+    </p:spTree>
+    <p:extLst>
+      <p:ext uri="{BB962C8B-B14F-4D97-AF65-F5344CB8AC3E}">
+        <p14:creationId xmlns:p14="http://schemas.microsoft.com/office/powerpoint/2010/main" val="3142644115"/>
+      </p:ext>
+    </p:extLst>
+  </p:cSld>
+  <p:clrMapOvr>
+    <a:masterClrMapping/>
+  </p:clrMapOvr>
+</p:sld>
+</file>
+
 <file path=ppt/theme/theme1.xml><?xml version="1.0" encoding="utf-8"?>
 <a:theme xmlns:a="http://schemas.openxmlformats.org/drawingml/2006/main" name="Office 테마">
   <a:themeElements>
-    <a:clrScheme name="Office">
+    <a:clrScheme name="Office 테마">
       <a:dk1>
         <a:sysClr val="windowText" lastClr="000000"/>
       </a:dk1>
@@ -3519,7 +5416,7 @@
         <a:srgbClr val="E7E6E6"/>
       </a:lt2>
       <a:accent1>
-        <a:srgbClr val="5B9BD5"/>
+        <a:srgbClr val="4472C4"/>
       </a:accent1>
       <a:accent2>
         <a:srgbClr val="ED7D31"/>
@@ -3531,7 +5428,7 @@
         <a:srgbClr val="FFC000"/>
       </a:accent4>
       <a:accent5>
-        <a:srgbClr val="4472C4"/>
+        <a:srgbClr val="5B9BD5"/>
       </a:accent5>
       <a:accent6>
         <a:srgbClr val="70AD47"/>
@@ -3543,14 +5440,14 @@
         <a:srgbClr val="954F72"/>
       </a:folHlink>
     </a:clrScheme>
-    <a:fontScheme name="Office">
+    <a:fontScheme name="Office 테마">
       <a:majorFont>
-        <a:latin typeface="맑은 고딕" panose="020F0302020204030204"/>
+        <a:latin typeface="Calibri Light" panose="020F0302020204030204"/>
         <a:ea typeface=""/>
         <a:cs typeface=""/>
-        <a:font script="Jpan" typeface="ＭＳ Ｐゴシック"/>
+        <a:font script="Jpan" typeface="游ゴシック Light"/>
         <a:font script="Hang" typeface="맑은 고딕"/>
-        <a:font script="Hans" typeface="宋体"/>
+        <a:font script="Hans" typeface="等线 Light"/>
         <a:font script="Hant" typeface="新細明體"/>
         <a:font script="Arab" typeface="Times New Roman"/>
         <a:font script="Hebr" typeface="Times New Roman"/>
@@ -3580,12 +5477,12 @@
         <a:font script="Geor" typeface="Sylfaen"/>
       </a:majorFont>
       <a:minorFont>
-        <a:latin typeface="맑은 고딕" panose="020F0502020204030204"/>
+        <a:latin typeface="Calibri" panose="020F0502020204030204"/>
         <a:ea typeface=""/>
         <a:cs typeface=""/>
-        <a:font script="Jpan" typeface="ＭＳ Ｐゴシック"/>
+        <a:font script="Jpan" typeface="游ゴシック"/>
         <a:font script="Hang" typeface="맑은 고딕"/>
-        <a:font script="Hans" typeface="宋体"/>
+        <a:font script="Hans" typeface="等线"/>
         <a:font script="Hant" typeface="新細明體"/>
         <a:font script="Arab" typeface="Arial"/>
         <a:font script="Hebr" typeface="Arial"/>
@@ -3615,7 +5512,7 @@
         <a:font script="Geor" typeface="Sylfaen"/>
       </a:minorFont>
     </a:fontScheme>
-    <a:fmtScheme name="Office">
+    <a:fmtScheme name="Office 테마">
       <a:fillStyleLst>
         <a:solidFill>
           <a:schemeClr val="phClr"/>

--- a/flexil 속지 template.pptx
+++ b/flexil 속지 template.pptx
@@ -5,9 +5,10 @@
     <p:sldMasterId id="2147483672" r:id="rId1"/>
   </p:sldMasterIdLst>
   <p:sldIdLst>
-    <p:sldId id="256" r:id="rId2"/>
-    <p:sldId id="257" r:id="rId3"/>
-    <p:sldId id="258" r:id="rId4"/>
+    <p:sldId id="258" r:id="rId2"/>
+    <p:sldId id="259" r:id="rId3"/>
+    <p:sldId id="260" r:id="rId4"/>
+    <p:sldId id="261" r:id="rId5"/>
   </p:sldIdLst>
   <p:sldSz cx="13031788" cy="9756775"/>
   <p:notesSz cx="6858000" cy="9144000"/>
@@ -245,7 +246,7 @@
           <a:p>
             <a:fld id="{3C26D507-50A3-40A7-8B18-0882E64726B7}" type="datetimeFigureOut">
               <a:rPr lang="ko-KR" altLang="en-US" smtClean="0"/>
-              <a:t>2023-07-03</a:t>
+              <a:t>2023-07-19</a:t>
             </a:fld>
             <a:endParaRPr lang="ko-KR" altLang="en-US"/>
           </a:p>
@@ -415,7 +416,7 @@
           <a:p>
             <a:fld id="{3C26D507-50A3-40A7-8B18-0882E64726B7}" type="datetimeFigureOut">
               <a:rPr lang="ko-KR" altLang="en-US" smtClean="0"/>
-              <a:t>2023-07-03</a:t>
+              <a:t>2023-07-19</a:t>
             </a:fld>
             <a:endParaRPr lang="ko-KR" altLang="en-US"/>
           </a:p>
@@ -595,7 +596,7 @@
           <a:p>
             <a:fld id="{3C26D507-50A3-40A7-8B18-0882E64726B7}" type="datetimeFigureOut">
               <a:rPr lang="ko-KR" altLang="en-US" smtClean="0"/>
-              <a:t>2023-07-03</a:t>
+              <a:t>2023-07-19</a:t>
             </a:fld>
             <a:endParaRPr lang="ko-KR" altLang="en-US"/>
           </a:p>
@@ -765,7 +766,7 @@
           <a:p>
             <a:fld id="{3C26D507-50A3-40A7-8B18-0882E64726B7}" type="datetimeFigureOut">
               <a:rPr lang="ko-KR" altLang="en-US" smtClean="0"/>
-              <a:t>2023-07-03</a:t>
+              <a:t>2023-07-19</a:t>
             </a:fld>
             <a:endParaRPr lang="ko-KR" altLang="en-US"/>
           </a:p>
@@ -1009,7 +1010,7 @@
           <a:p>
             <a:fld id="{3C26D507-50A3-40A7-8B18-0882E64726B7}" type="datetimeFigureOut">
               <a:rPr lang="ko-KR" altLang="en-US" smtClean="0"/>
-              <a:t>2023-07-03</a:t>
+              <a:t>2023-07-19</a:t>
             </a:fld>
             <a:endParaRPr lang="ko-KR" altLang="en-US"/>
           </a:p>
@@ -1241,7 +1242,7 @@
           <a:p>
             <a:fld id="{3C26D507-50A3-40A7-8B18-0882E64726B7}" type="datetimeFigureOut">
               <a:rPr lang="ko-KR" altLang="en-US" smtClean="0"/>
-              <a:t>2023-07-03</a:t>
+              <a:t>2023-07-19</a:t>
             </a:fld>
             <a:endParaRPr lang="ko-KR" altLang="en-US"/>
           </a:p>
@@ -1608,7 +1609,7 @@
           <a:p>
             <a:fld id="{3C26D507-50A3-40A7-8B18-0882E64726B7}" type="datetimeFigureOut">
               <a:rPr lang="ko-KR" altLang="en-US" smtClean="0"/>
-              <a:t>2023-07-03</a:t>
+              <a:t>2023-07-19</a:t>
             </a:fld>
             <a:endParaRPr lang="ko-KR" altLang="en-US"/>
           </a:p>
@@ -1726,7 +1727,7 @@
           <a:p>
             <a:fld id="{3C26D507-50A3-40A7-8B18-0882E64726B7}" type="datetimeFigureOut">
               <a:rPr lang="ko-KR" altLang="en-US" smtClean="0"/>
-              <a:t>2023-07-03</a:t>
+              <a:t>2023-07-19</a:t>
             </a:fld>
             <a:endParaRPr lang="ko-KR" altLang="en-US"/>
           </a:p>
@@ -1821,7 +1822,7 @@
           <a:p>
             <a:fld id="{3C26D507-50A3-40A7-8B18-0882E64726B7}" type="datetimeFigureOut">
               <a:rPr lang="ko-KR" altLang="en-US" smtClean="0"/>
-              <a:t>2023-07-03</a:t>
+              <a:t>2023-07-19</a:t>
             </a:fld>
             <a:endParaRPr lang="ko-KR" altLang="en-US"/>
           </a:p>
@@ -2098,7 +2099,7 @@
           <a:p>
             <a:fld id="{3C26D507-50A3-40A7-8B18-0882E64726B7}" type="datetimeFigureOut">
               <a:rPr lang="ko-KR" altLang="en-US" smtClean="0"/>
-              <a:t>2023-07-03</a:t>
+              <a:t>2023-07-19</a:t>
             </a:fld>
             <a:endParaRPr lang="ko-KR" altLang="en-US"/>
           </a:p>
@@ -2355,7 +2356,7 @@
           <a:p>
             <a:fld id="{3C26D507-50A3-40A7-8B18-0882E64726B7}" type="datetimeFigureOut">
               <a:rPr lang="ko-KR" altLang="en-US" smtClean="0"/>
-              <a:t>2023-07-03</a:t>
+              <a:t>2023-07-19</a:t>
             </a:fld>
             <a:endParaRPr lang="ko-KR" altLang="en-US"/>
           </a:p>
@@ -2568,7 +2569,7 @@
           <a:p>
             <a:fld id="{3C26D507-50A3-40A7-8B18-0882E64726B7}" type="datetimeFigureOut">
               <a:rPr lang="ko-KR" altLang="en-US" smtClean="0"/>
-              <a:t>2023-07-03</a:t>
+              <a:t>2023-07-19</a:t>
             </a:fld>
             <a:endParaRPr lang="ko-KR" altLang="en-US"/>
           </a:p>
@@ -2975,426 +2976,6 @@
       </p:grpSpPr>
       <p:cxnSp>
         <p:nvCxnSpPr>
-          <p:cNvPr id="6" name="직선 연결선 5"/>
-          <p:cNvCxnSpPr/>
-          <p:nvPr/>
-        </p:nvCxnSpPr>
-        <p:spPr>
-          <a:xfrm>
-            <a:off x="1158852" y="3064597"/>
-            <a:ext cx="10691813" cy="0"/>
-          </a:xfrm>
-          <a:prstGeom prst="line">
-            <a:avLst/>
-          </a:prstGeom>
-          <a:ln w="19050">
-            <a:solidFill>
-              <a:schemeClr val="bg2"/>
-            </a:solidFill>
-          </a:ln>
-        </p:spPr>
-        <p:style>
-          <a:lnRef idx="1">
-            <a:schemeClr val="accent1"/>
-          </a:lnRef>
-          <a:fillRef idx="0">
-            <a:schemeClr val="accent1"/>
-          </a:fillRef>
-          <a:effectRef idx="0">
-            <a:schemeClr val="accent1"/>
-          </a:effectRef>
-          <a:fontRef idx="minor">
-            <a:schemeClr val="tx1"/>
-          </a:fontRef>
-        </p:style>
-      </p:cxnSp>
-      <p:cxnSp>
-        <p:nvCxnSpPr>
-          <p:cNvPr id="7" name="직선 연결선 6"/>
-          <p:cNvCxnSpPr/>
-          <p:nvPr/>
-        </p:nvCxnSpPr>
-        <p:spPr>
-          <a:xfrm>
-            <a:off x="1158852" y="3466335"/>
-            <a:ext cx="10691813" cy="0"/>
-          </a:xfrm>
-          <a:prstGeom prst="line">
-            <a:avLst/>
-          </a:prstGeom>
-          <a:ln w="19050">
-            <a:solidFill>
-              <a:schemeClr val="bg2"/>
-            </a:solidFill>
-          </a:ln>
-        </p:spPr>
-        <p:style>
-          <a:lnRef idx="1">
-            <a:schemeClr val="accent1"/>
-          </a:lnRef>
-          <a:fillRef idx="0">
-            <a:schemeClr val="accent1"/>
-          </a:fillRef>
-          <a:effectRef idx="0">
-            <a:schemeClr val="accent1"/>
-          </a:effectRef>
-          <a:fontRef idx="minor">
-            <a:schemeClr val="tx1"/>
-          </a:fontRef>
-        </p:style>
-      </p:cxnSp>
-      <p:cxnSp>
-        <p:nvCxnSpPr>
-          <p:cNvPr id="10" name="직선 연결선 9"/>
-          <p:cNvCxnSpPr/>
-          <p:nvPr/>
-        </p:nvCxnSpPr>
-        <p:spPr>
-          <a:xfrm>
-            <a:off x="1158852" y="3868074"/>
-            <a:ext cx="10691813" cy="0"/>
-          </a:xfrm>
-          <a:prstGeom prst="line">
-            <a:avLst/>
-          </a:prstGeom>
-          <a:ln w="19050">
-            <a:solidFill>
-              <a:schemeClr val="bg2"/>
-            </a:solidFill>
-          </a:ln>
-        </p:spPr>
-        <p:style>
-          <a:lnRef idx="1">
-            <a:schemeClr val="accent1"/>
-          </a:lnRef>
-          <a:fillRef idx="0">
-            <a:schemeClr val="accent1"/>
-          </a:fillRef>
-          <a:effectRef idx="0">
-            <a:schemeClr val="accent1"/>
-          </a:effectRef>
-          <a:fontRef idx="minor">
-            <a:schemeClr val="tx1"/>
-          </a:fontRef>
-        </p:style>
-      </p:cxnSp>
-      <p:cxnSp>
-        <p:nvCxnSpPr>
-          <p:cNvPr id="11" name="직선 연결선 10"/>
-          <p:cNvCxnSpPr/>
-          <p:nvPr/>
-        </p:nvCxnSpPr>
-        <p:spPr>
-          <a:xfrm>
-            <a:off x="1158852" y="4269812"/>
-            <a:ext cx="10691813" cy="0"/>
-          </a:xfrm>
-          <a:prstGeom prst="line">
-            <a:avLst/>
-          </a:prstGeom>
-          <a:ln w="19050">
-            <a:solidFill>
-              <a:schemeClr val="bg2"/>
-            </a:solidFill>
-          </a:ln>
-        </p:spPr>
-        <p:style>
-          <a:lnRef idx="1">
-            <a:schemeClr val="accent1"/>
-          </a:lnRef>
-          <a:fillRef idx="0">
-            <a:schemeClr val="accent1"/>
-          </a:fillRef>
-          <a:effectRef idx="0">
-            <a:schemeClr val="accent1"/>
-          </a:effectRef>
-          <a:fontRef idx="minor">
-            <a:schemeClr val="tx1"/>
-          </a:fontRef>
-        </p:style>
-      </p:cxnSp>
-      <p:cxnSp>
-        <p:nvCxnSpPr>
-          <p:cNvPr id="12" name="직선 연결선 11"/>
-          <p:cNvCxnSpPr/>
-          <p:nvPr/>
-        </p:nvCxnSpPr>
-        <p:spPr>
-          <a:xfrm>
-            <a:off x="1158852" y="4671551"/>
-            <a:ext cx="10691813" cy="0"/>
-          </a:xfrm>
-          <a:prstGeom prst="line">
-            <a:avLst/>
-          </a:prstGeom>
-          <a:ln w="19050">
-            <a:solidFill>
-              <a:schemeClr val="bg2"/>
-            </a:solidFill>
-          </a:ln>
-        </p:spPr>
-        <p:style>
-          <a:lnRef idx="1">
-            <a:schemeClr val="accent1"/>
-          </a:lnRef>
-          <a:fillRef idx="0">
-            <a:schemeClr val="accent1"/>
-          </a:fillRef>
-          <a:effectRef idx="0">
-            <a:schemeClr val="accent1"/>
-          </a:effectRef>
-          <a:fontRef idx="minor">
-            <a:schemeClr val="tx1"/>
-          </a:fontRef>
-        </p:style>
-      </p:cxnSp>
-      <p:cxnSp>
-        <p:nvCxnSpPr>
-          <p:cNvPr id="13" name="직선 연결선 12"/>
-          <p:cNvCxnSpPr/>
-          <p:nvPr/>
-        </p:nvCxnSpPr>
-        <p:spPr>
-          <a:xfrm>
-            <a:off x="1158852" y="5073289"/>
-            <a:ext cx="10691813" cy="0"/>
-          </a:xfrm>
-          <a:prstGeom prst="line">
-            <a:avLst/>
-          </a:prstGeom>
-          <a:ln w="19050">
-            <a:solidFill>
-              <a:schemeClr val="bg2"/>
-            </a:solidFill>
-          </a:ln>
-        </p:spPr>
-        <p:style>
-          <a:lnRef idx="1">
-            <a:schemeClr val="accent1"/>
-          </a:lnRef>
-          <a:fillRef idx="0">
-            <a:schemeClr val="accent1"/>
-          </a:fillRef>
-          <a:effectRef idx="0">
-            <a:schemeClr val="accent1"/>
-          </a:effectRef>
-          <a:fontRef idx="minor">
-            <a:schemeClr val="tx1"/>
-          </a:fontRef>
-        </p:style>
-      </p:cxnSp>
-      <p:cxnSp>
-        <p:nvCxnSpPr>
-          <p:cNvPr id="14" name="직선 연결선 13"/>
-          <p:cNvCxnSpPr/>
-          <p:nvPr/>
-        </p:nvCxnSpPr>
-        <p:spPr>
-          <a:xfrm>
-            <a:off x="1158852" y="5475027"/>
-            <a:ext cx="10691813" cy="0"/>
-          </a:xfrm>
-          <a:prstGeom prst="line">
-            <a:avLst/>
-          </a:prstGeom>
-          <a:ln w="19050">
-            <a:solidFill>
-              <a:schemeClr val="bg2"/>
-            </a:solidFill>
-          </a:ln>
-        </p:spPr>
-        <p:style>
-          <a:lnRef idx="1">
-            <a:schemeClr val="accent1"/>
-          </a:lnRef>
-          <a:fillRef idx="0">
-            <a:schemeClr val="accent1"/>
-          </a:fillRef>
-          <a:effectRef idx="0">
-            <a:schemeClr val="accent1"/>
-          </a:effectRef>
-          <a:fontRef idx="minor">
-            <a:schemeClr val="tx1"/>
-          </a:fontRef>
-        </p:style>
-      </p:cxnSp>
-      <p:cxnSp>
-        <p:nvCxnSpPr>
-          <p:cNvPr id="15" name="직선 연결선 14"/>
-          <p:cNvCxnSpPr/>
-          <p:nvPr/>
-        </p:nvCxnSpPr>
-        <p:spPr>
-          <a:xfrm>
-            <a:off x="1158852" y="5876766"/>
-            <a:ext cx="10691813" cy="0"/>
-          </a:xfrm>
-          <a:prstGeom prst="line">
-            <a:avLst/>
-          </a:prstGeom>
-          <a:ln w="19050">
-            <a:solidFill>
-              <a:schemeClr val="bg2"/>
-            </a:solidFill>
-          </a:ln>
-        </p:spPr>
-        <p:style>
-          <a:lnRef idx="1">
-            <a:schemeClr val="accent1"/>
-          </a:lnRef>
-          <a:fillRef idx="0">
-            <a:schemeClr val="accent1"/>
-          </a:fillRef>
-          <a:effectRef idx="0">
-            <a:schemeClr val="accent1"/>
-          </a:effectRef>
-          <a:fontRef idx="minor">
-            <a:schemeClr val="tx1"/>
-          </a:fontRef>
-        </p:style>
-      </p:cxnSp>
-      <p:cxnSp>
-        <p:nvCxnSpPr>
-          <p:cNvPr id="16" name="직선 연결선 15"/>
-          <p:cNvCxnSpPr/>
-          <p:nvPr/>
-        </p:nvCxnSpPr>
-        <p:spPr>
-          <a:xfrm>
-            <a:off x="1158852" y="6278504"/>
-            <a:ext cx="10691813" cy="0"/>
-          </a:xfrm>
-          <a:prstGeom prst="line">
-            <a:avLst/>
-          </a:prstGeom>
-          <a:ln w="19050">
-            <a:solidFill>
-              <a:schemeClr val="bg2"/>
-            </a:solidFill>
-          </a:ln>
-        </p:spPr>
-        <p:style>
-          <a:lnRef idx="1">
-            <a:schemeClr val="accent1"/>
-          </a:lnRef>
-          <a:fillRef idx="0">
-            <a:schemeClr val="accent1"/>
-          </a:fillRef>
-          <a:effectRef idx="0">
-            <a:schemeClr val="accent1"/>
-          </a:effectRef>
-          <a:fontRef idx="minor">
-            <a:schemeClr val="tx1"/>
-          </a:fontRef>
-        </p:style>
-      </p:cxnSp>
-      <p:cxnSp>
-        <p:nvCxnSpPr>
-          <p:cNvPr id="17" name="직선 연결선 16"/>
-          <p:cNvCxnSpPr/>
-          <p:nvPr/>
-        </p:nvCxnSpPr>
-        <p:spPr>
-          <a:xfrm>
-            <a:off x="1158852" y="6680242"/>
-            <a:ext cx="10691813" cy="0"/>
-          </a:xfrm>
-          <a:prstGeom prst="line">
-            <a:avLst/>
-          </a:prstGeom>
-          <a:ln w="19050">
-            <a:solidFill>
-              <a:schemeClr val="bg2"/>
-            </a:solidFill>
-          </a:ln>
-        </p:spPr>
-        <p:style>
-          <a:lnRef idx="1">
-            <a:schemeClr val="accent1"/>
-          </a:lnRef>
-          <a:fillRef idx="0">
-            <a:schemeClr val="accent1"/>
-          </a:fillRef>
-          <a:effectRef idx="0">
-            <a:schemeClr val="accent1"/>
-          </a:effectRef>
-          <a:fontRef idx="minor">
-            <a:schemeClr val="tx1"/>
-          </a:fontRef>
-        </p:style>
-      </p:cxnSp>
-      <p:cxnSp>
-        <p:nvCxnSpPr>
-          <p:cNvPr id="18" name="직선 연결선 17"/>
-          <p:cNvCxnSpPr/>
-          <p:nvPr/>
-        </p:nvCxnSpPr>
-        <p:spPr>
-          <a:xfrm>
-            <a:off x="1158852" y="7081981"/>
-            <a:ext cx="10691813" cy="0"/>
-          </a:xfrm>
-          <a:prstGeom prst="line">
-            <a:avLst/>
-          </a:prstGeom>
-          <a:ln w="19050">
-            <a:solidFill>
-              <a:schemeClr val="bg2"/>
-            </a:solidFill>
-          </a:ln>
-        </p:spPr>
-        <p:style>
-          <a:lnRef idx="1">
-            <a:schemeClr val="accent1"/>
-          </a:lnRef>
-          <a:fillRef idx="0">
-            <a:schemeClr val="accent1"/>
-          </a:fillRef>
-          <a:effectRef idx="0">
-            <a:schemeClr val="accent1"/>
-          </a:effectRef>
-          <a:fontRef idx="minor">
-            <a:schemeClr val="tx1"/>
-          </a:fontRef>
-        </p:style>
-      </p:cxnSp>
-      <p:cxnSp>
-        <p:nvCxnSpPr>
-          <p:cNvPr id="19" name="직선 연결선 18"/>
-          <p:cNvCxnSpPr/>
-          <p:nvPr/>
-        </p:nvCxnSpPr>
-        <p:spPr>
-          <a:xfrm>
-            <a:off x="1158852" y="7483719"/>
-            <a:ext cx="10691813" cy="0"/>
-          </a:xfrm>
-          <a:prstGeom prst="line">
-            <a:avLst/>
-          </a:prstGeom>
-          <a:ln w="19050">
-            <a:solidFill>
-              <a:schemeClr val="bg2"/>
-            </a:solidFill>
-          </a:ln>
-        </p:spPr>
-        <p:style>
-          <a:lnRef idx="1">
-            <a:schemeClr val="accent1"/>
-          </a:lnRef>
-          <a:fillRef idx="0">
-            <a:schemeClr val="accent1"/>
-          </a:fillRef>
-          <a:effectRef idx="0">
-            <a:schemeClr val="accent1"/>
-          </a:effectRef>
-          <a:fontRef idx="minor">
-            <a:schemeClr val="tx1"/>
-          </a:fontRef>
-        </p:style>
-      </p:cxnSp>
-      <p:cxnSp>
-        <p:nvCxnSpPr>
           <p:cNvPr id="21" name="직선 연결선 20"/>
           <p:cNvCxnSpPr>
             <a:cxnSpLocks/>
@@ -3403,50 +2984,17 @@
         </p:nvCxnSpPr>
         <p:spPr>
           <a:xfrm>
-            <a:off x="1158852" y="2045350"/>
-            <a:ext cx="10691813" cy="0"/>
-          </a:xfrm>
-          <a:prstGeom prst="line">
-            <a:avLst/>
-          </a:prstGeom>
-          <a:ln w="19050">
-            <a:solidFill>
-              <a:schemeClr val="accent1"/>
-            </a:solidFill>
-          </a:ln>
-        </p:spPr>
-        <p:style>
-          <a:lnRef idx="1">
-            <a:schemeClr val="accent1"/>
-          </a:lnRef>
-          <a:fillRef idx="0">
-            <a:schemeClr val="accent1"/>
-          </a:fillRef>
-          <a:effectRef idx="0">
-            <a:schemeClr val="accent1"/>
-          </a:effectRef>
-          <a:fontRef idx="minor">
-            <a:schemeClr val="tx1"/>
-          </a:fontRef>
-        </p:style>
-      </p:cxnSp>
-      <p:cxnSp>
-        <p:nvCxnSpPr>
-          <p:cNvPr id="23" name="직선 연결선 22"/>
-          <p:cNvCxnSpPr/>
-          <p:nvPr/>
-        </p:nvCxnSpPr>
-        <p:spPr>
-          <a:xfrm>
-            <a:off x="1158852" y="7885459"/>
-            <a:ext cx="10691813" cy="0"/>
-          </a:xfrm>
-          <a:prstGeom prst="line">
-            <a:avLst/>
-          </a:prstGeom>
-          <a:ln w="19050">
-            <a:solidFill>
-              <a:schemeClr val="bg2"/>
+            <a:off x="0" y="1179752"/>
+            <a:ext cx="13032000" cy="0"/>
+          </a:xfrm>
+          <a:prstGeom prst="line">
+            <a:avLst/>
+          </a:prstGeom>
+          <a:ln w="19050">
+            <a:solidFill>
+              <a:schemeClr val="bg1">
+                <a:lumMod val="85000"/>
+              </a:schemeClr>
             </a:solidFill>
           </a:ln>
         </p:spPr>
@@ -3475,53 +3023,694 @@
         </p:nvCxnSpPr>
         <p:spPr>
           <a:xfrm>
-            <a:off x="1158852" y="1570150"/>
-            <a:ext cx="10691813" cy="0"/>
-          </a:xfrm>
-          <a:prstGeom prst="line">
-            <a:avLst/>
-          </a:prstGeom>
-          <a:ln w="19050">
-            <a:solidFill>
-              <a:schemeClr val="accent1"/>
-            </a:solidFill>
-          </a:ln>
-        </p:spPr>
-        <p:style>
-          <a:lnRef idx="1">
-            <a:schemeClr val="accent1"/>
-          </a:lnRef>
-          <a:fillRef idx="0">
-            <a:schemeClr val="accent1"/>
-          </a:fillRef>
-          <a:effectRef idx="0">
-            <a:schemeClr val="accent1"/>
-          </a:effectRef>
-          <a:fontRef idx="minor">
-            <a:schemeClr val="tx1"/>
-          </a:fontRef>
-        </p:style>
-      </p:cxnSp>
-      <p:cxnSp>
-        <p:nvCxnSpPr>
-          <p:cNvPr id="3" name="직선 연결선 2">
+            <a:off x="0" y="701470"/>
+            <a:ext cx="13032000" cy="0"/>
+          </a:xfrm>
+          <a:prstGeom prst="line">
+            <a:avLst/>
+          </a:prstGeom>
+          <a:ln w="19050">
+            <a:solidFill>
+              <a:schemeClr val="bg1">
+                <a:lumMod val="85000"/>
+              </a:schemeClr>
+            </a:solidFill>
+          </a:ln>
+        </p:spPr>
+        <p:style>
+          <a:lnRef idx="1">
+            <a:schemeClr val="accent1"/>
+          </a:lnRef>
+          <a:fillRef idx="0">
+            <a:schemeClr val="accent1"/>
+          </a:fillRef>
+          <a:effectRef idx="0">
+            <a:schemeClr val="accent1"/>
+          </a:effectRef>
+          <a:fontRef idx="minor">
+            <a:schemeClr val="tx1"/>
+          </a:fontRef>
+        </p:style>
+      </p:cxnSp>
+      <p:cxnSp>
+        <p:nvCxnSpPr>
+          <p:cNvPr id="22" name="직선 연결선 21">
             <a:extLst>
               <a:ext uri="{FF2B5EF4-FFF2-40B4-BE49-F238E27FC236}">
-                <a16:creationId xmlns:a16="http://schemas.microsoft.com/office/drawing/2014/main" id="{1E2F16BB-01F8-4E99-BD6B-55272AE1D02C}"/>
+                <a16:creationId xmlns:a16="http://schemas.microsoft.com/office/drawing/2014/main" xmlns="" id="{195DAB8B-3F9D-4928-91EC-D7EB18D7B324}"/>
               </a:ext>
             </a:extLst>
           </p:cNvPr>
-          <p:cNvCxnSpPr/>
-          <p:nvPr/>
-        </p:nvCxnSpPr>
-        <p:spPr>
-          <a:xfrm>
-            <a:off x="3681619" y="1098550"/>
-            <a:ext cx="0" cy="471600"/>
-          </a:xfrm>
-          <a:prstGeom prst="line">
-            <a:avLst/>
-          </a:prstGeom>
+          <p:cNvCxnSpPr>
+            <a:cxnSpLocks/>
+          </p:cNvCxnSpPr>
+          <p:nvPr/>
+        </p:nvCxnSpPr>
+        <p:spPr>
+          <a:xfrm>
+            <a:off x="0" y="2136316"/>
+            <a:ext cx="13032000" cy="0"/>
+          </a:xfrm>
+          <a:prstGeom prst="line">
+            <a:avLst/>
+          </a:prstGeom>
+          <a:ln w="19050">
+            <a:solidFill>
+              <a:schemeClr val="bg1">
+                <a:lumMod val="85000"/>
+              </a:schemeClr>
+            </a:solidFill>
+          </a:ln>
+        </p:spPr>
+        <p:style>
+          <a:lnRef idx="1">
+            <a:schemeClr val="accent1"/>
+          </a:lnRef>
+          <a:fillRef idx="0">
+            <a:schemeClr val="accent1"/>
+          </a:fillRef>
+          <a:effectRef idx="0">
+            <a:schemeClr val="accent1"/>
+          </a:effectRef>
+          <a:fontRef idx="minor">
+            <a:schemeClr val="tx1"/>
+          </a:fontRef>
+        </p:style>
+      </p:cxnSp>
+      <p:cxnSp>
+        <p:nvCxnSpPr>
+          <p:cNvPr id="24" name="직선 연결선 23">
+            <a:extLst>
+              <a:ext uri="{FF2B5EF4-FFF2-40B4-BE49-F238E27FC236}">
+                <a16:creationId xmlns:a16="http://schemas.microsoft.com/office/drawing/2014/main" xmlns="" id="{5B122C34-A810-4B68-9FF6-2510C8748084}"/>
+              </a:ext>
+            </a:extLst>
+          </p:cNvPr>
+          <p:cNvCxnSpPr>
+            <a:cxnSpLocks/>
+          </p:cNvCxnSpPr>
+          <p:nvPr/>
+        </p:nvCxnSpPr>
+        <p:spPr>
+          <a:xfrm>
+            <a:off x="0" y="1658034"/>
+            <a:ext cx="13032000" cy="0"/>
+          </a:xfrm>
+          <a:prstGeom prst="line">
+            <a:avLst/>
+          </a:prstGeom>
+          <a:ln w="19050">
+            <a:solidFill>
+              <a:schemeClr val="bg1">
+                <a:lumMod val="85000"/>
+              </a:schemeClr>
+            </a:solidFill>
+          </a:ln>
+        </p:spPr>
+        <p:style>
+          <a:lnRef idx="1">
+            <a:schemeClr val="accent1"/>
+          </a:lnRef>
+          <a:fillRef idx="0">
+            <a:schemeClr val="accent1"/>
+          </a:fillRef>
+          <a:effectRef idx="0">
+            <a:schemeClr val="accent1"/>
+          </a:effectRef>
+          <a:fontRef idx="minor">
+            <a:schemeClr val="tx1"/>
+          </a:fontRef>
+        </p:style>
+      </p:cxnSp>
+      <p:cxnSp>
+        <p:nvCxnSpPr>
+          <p:cNvPr id="25" name="직선 연결선 24">
+            <a:extLst>
+              <a:ext uri="{FF2B5EF4-FFF2-40B4-BE49-F238E27FC236}">
+                <a16:creationId xmlns:a16="http://schemas.microsoft.com/office/drawing/2014/main" xmlns="" id="{0844810E-F48B-437D-B0D9-28EC66062631}"/>
+              </a:ext>
+            </a:extLst>
+          </p:cNvPr>
+          <p:cNvCxnSpPr>
+            <a:cxnSpLocks/>
+          </p:cNvCxnSpPr>
+          <p:nvPr/>
+        </p:nvCxnSpPr>
+        <p:spPr>
+          <a:xfrm>
+            <a:off x="0" y="3092880"/>
+            <a:ext cx="13032000" cy="0"/>
+          </a:xfrm>
+          <a:prstGeom prst="line">
+            <a:avLst/>
+          </a:prstGeom>
+          <a:ln w="19050">
+            <a:solidFill>
+              <a:schemeClr val="bg1">
+                <a:lumMod val="85000"/>
+              </a:schemeClr>
+            </a:solidFill>
+          </a:ln>
+        </p:spPr>
+        <p:style>
+          <a:lnRef idx="1">
+            <a:schemeClr val="accent1"/>
+          </a:lnRef>
+          <a:fillRef idx="0">
+            <a:schemeClr val="accent1"/>
+          </a:fillRef>
+          <a:effectRef idx="0">
+            <a:schemeClr val="accent1"/>
+          </a:effectRef>
+          <a:fontRef idx="minor">
+            <a:schemeClr val="tx1"/>
+          </a:fontRef>
+        </p:style>
+      </p:cxnSp>
+      <p:cxnSp>
+        <p:nvCxnSpPr>
+          <p:cNvPr id="27" name="직선 연결선 26">
+            <a:extLst>
+              <a:ext uri="{FF2B5EF4-FFF2-40B4-BE49-F238E27FC236}">
+                <a16:creationId xmlns:a16="http://schemas.microsoft.com/office/drawing/2014/main" xmlns="" id="{9D58B9EE-95A9-4387-AA25-5092CDB84953}"/>
+              </a:ext>
+            </a:extLst>
+          </p:cNvPr>
+          <p:cNvCxnSpPr>
+            <a:cxnSpLocks/>
+          </p:cNvCxnSpPr>
+          <p:nvPr/>
+        </p:nvCxnSpPr>
+        <p:spPr>
+          <a:xfrm>
+            <a:off x="0" y="2614598"/>
+            <a:ext cx="13032000" cy="0"/>
+          </a:xfrm>
+          <a:prstGeom prst="line">
+            <a:avLst/>
+          </a:prstGeom>
+          <a:ln w="19050">
+            <a:solidFill>
+              <a:schemeClr val="bg1">
+                <a:lumMod val="85000"/>
+              </a:schemeClr>
+            </a:solidFill>
+          </a:ln>
+        </p:spPr>
+        <p:style>
+          <a:lnRef idx="1">
+            <a:schemeClr val="accent1"/>
+          </a:lnRef>
+          <a:fillRef idx="0">
+            <a:schemeClr val="accent1"/>
+          </a:fillRef>
+          <a:effectRef idx="0">
+            <a:schemeClr val="accent1"/>
+          </a:effectRef>
+          <a:fontRef idx="minor">
+            <a:schemeClr val="tx1"/>
+          </a:fontRef>
+        </p:style>
+      </p:cxnSp>
+      <p:cxnSp>
+        <p:nvCxnSpPr>
+          <p:cNvPr id="28" name="직선 연결선 27">
+            <a:extLst>
+              <a:ext uri="{FF2B5EF4-FFF2-40B4-BE49-F238E27FC236}">
+                <a16:creationId xmlns:a16="http://schemas.microsoft.com/office/drawing/2014/main" xmlns="" id="{C301EEDD-8185-4932-9D11-849ED6AAA53E}"/>
+              </a:ext>
+            </a:extLst>
+          </p:cNvPr>
+          <p:cNvCxnSpPr>
+            <a:cxnSpLocks/>
+          </p:cNvCxnSpPr>
+          <p:nvPr/>
+        </p:nvCxnSpPr>
+        <p:spPr>
+          <a:xfrm>
+            <a:off x="0" y="4049444"/>
+            <a:ext cx="13032000" cy="0"/>
+          </a:xfrm>
+          <a:prstGeom prst="line">
+            <a:avLst/>
+          </a:prstGeom>
+          <a:ln w="19050">
+            <a:solidFill>
+              <a:schemeClr val="bg1">
+                <a:lumMod val="85000"/>
+              </a:schemeClr>
+            </a:solidFill>
+          </a:ln>
+        </p:spPr>
+        <p:style>
+          <a:lnRef idx="1">
+            <a:schemeClr val="accent1"/>
+          </a:lnRef>
+          <a:fillRef idx="0">
+            <a:schemeClr val="accent1"/>
+          </a:fillRef>
+          <a:effectRef idx="0">
+            <a:schemeClr val="accent1"/>
+          </a:effectRef>
+          <a:fontRef idx="minor">
+            <a:schemeClr val="tx1"/>
+          </a:fontRef>
+        </p:style>
+      </p:cxnSp>
+      <p:cxnSp>
+        <p:nvCxnSpPr>
+          <p:cNvPr id="29" name="직선 연결선 28">
+            <a:extLst>
+              <a:ext uri="{FF2B5EF4-FFF2-40B4-BE49-F238E27FC236}">
+                <a16:creationId xmlns:a16="http://schemas.microsoft.com/office/drawing/2014/main" xmlns="" id="{1B1267B5-E1D2-4073-B33D-33B18FC8A640}"/>
+              </a:ext>
+            </a:extLst>
+          </p:cNvPr>
+          <p:cNvCxnSpPr>
+            <a:cxnSpLocks/>
+          </p:cNvCxnSpPr>
+          <p:nvPr/>
+        </p:nvCxnSpPr>
+        <p:spPr>
+          <a:xfrm>
+            <a:off x="0" y="3571162"/>
+            <a:ext cx="13032000" cy="0"/>
+          </a:xfrm>
+          <a:prstGeom prst="line">
+            <a:avLst/>
+          </a:prstGeom>
+          <a:ln w="19050">
+            <a:solidFill>
+              <a:schemeClr val="bg1">
+                <a:lumMod val="85000"/>
+              </a:schemeClr>
+            </a:solidFill>
+          </a:ln>
+        </p:spPr>
+        <p:style>
+          <a:lnRef idx="1">
+            <a:schemeClr val="accent1"/>
+          </a:lnRef>
+          <a:fillRef idx="0">
+            <a:schemeClr val="accent1"/>
+          </a:fillRef>
+          <a:effectRef idx="0">
+            <a:schemeClr val="accent1"/>
+          </a:effectRef>
+          <a:fontRef idx="minor">
+            <a:schemeClr val="tx1"/>
+          </a:fontRef>
+        </p:style>
+      </p:cxnSp>
+      <p:cxnSp>
+        <p:nvCxnSpPr>
+          <p:cNvPr id="31" name="직선 연결선 30">
+            <a:extLst>
+              <a:ext uri="{FF2B5EF4-FFF2-40B4-BE49-F238E27FC236}">
+                <a16:creationId xmlns:a16="http://schemas.microsoft.com/office/drawing/2014/main" xmlns="" id="{2C656832-A46B-4176-8E05-91027B2DE449}"/>
+              </a:ext>
+            </a:extLst>
+          </p:cNvPr>
+          <p:cNvCxnSpPr>
+            <a:cxnSpLocks/>
+          </p:cNvCxnSpPr>
+          <p:nvPr/>
+        </p:nvCxnSpPr>
+        <p:spPr>
+          <a:xfrm>
+            <a:off x="0" y="4527726"/>
+            <a:ext cx="13032000" cy="0"/>
+          </a:xfrm>
+          <a:prstGeom prst="line">
+            <a:avLst/>
+          </a:prstGeom>
+          <a:ln w="19050">
+            <a:solidFill>
+              <a:schemeClr val="bg1">
+                <a:lumMod val="85000"/>
+              </a:schemeClr>
+            </a:solidFill>
+          </a:ln>
+        </p:spPr>
+        <p:style>
+          <a:lnRef idx="1">
+            <a:schemeClr val="accent1"/>
+          </a:lnRef>
+          <a:fillRef idx="0">
+            <a:schemeClr val="accent1"/>
+          </a:fillRef>
+          <a:effectRef idx="0">
+            <a:schemeClr val="accent1"/>
+          </a:effectRef>
+          <a:fontRef idx="minor">
+            <a:schemeClr val="tx1"/>
+          </a:fontRef>
+        </p:style>
+      </p:cxnSp>
+      <p:cxnSp>
+        <p:nvCxnSpPr>
+          <p:cNvPr id="35" name="직선 연결선 34">
+            <a:extLst>
+              <a:ext uri="{FF2B5EF4-FFF2-40B4-BE49-F238E27FC236}">
+                <a16:creationId xmlns:a16="http://schemas.microsoft.com/office/drawing/2014/main" xmlns="" id="{F24123E2-FEA0-453D-B6FB-F397016ED8E3}"/>
+              </a:ext>
+            </a:extLst>
+          </p:cNvPr>
+          <p:cNvCxnSpPr>
+            <a:cxnSpLocks/>
+          </p:cNvCxnSpPr>
+          <p:nvPr/>
+        </p:nvCxnSpPr>
+        <p:spPr>
+          <a:xfrm>
+            <a:off x="0" y="5484290"/>
+            <a:ext cx="13032000" cy="0"/>
+          </a:xfrm>
+          <a:prstGeom prst="line">
+            <a:avLst/>
+          </a:prstGeom>
+          <a:ln w="19050">
+            <a:solidFill>
+              <a:schemeClr val="bg1">
+                <a:lumMod val="85000"/>
+              </a:schemeClr>
+            </a:solidFill>
+          </a:ln>
+        </p:spPr>
+        <p:style>
+          <a:lnRef idx="1">
+            <a:schemeClr val="accent1"/>
+          </a:lnRef>
+          <a:fillRef idx="0">
+            <a:schemeClr val="accent1"/>
+          </a:fillRef>
+          <a:effectRef idx="0">
+            <a:schemeClr val="accent1"/>
+          </a:effectRef>
+          <a:fontRef idx="minor">
+            <a:schemeClr val="tx1"/>
+          </a:fontRef>
+        </p:style>
+      </p:cxnSp>
+      <p:cxnSp>
+        <p:nvCxnSpPr>
+          <p:cNvPr id="36" name="직선 연결선 35">
+            <a:extLst>
+              <a:ext uri="{FF2B5EF4-FFF2-40B4-BE49-F238E27FC236}">
+                <a16:creationId xmlns:a16="http://schemas.microsoft.com/office/drawing/2014/main" xmlns="" id="{ECDF1514-30A0-4008-99A5-B8EC4D94CBC0}"/>
+              </a:ext>
+            </a:extLst>
+          </p:cNvPr>
+          <p:cNvCxnSpPr>
+            <a:cxnSpLocks/>
+          </p:cNvCxnSpPr>
+          <p:nvPr/>
+        </p:nvCxnSpPr>
+        <p:spPr>
+          <a:xfrm>
+            <a:off x="0" y="5006008"/>
+            <a:ext cx="13032000" cy="0"/>
+          </a:xfrm>
+          <a:prstGeom prst="line">
+            <a:avLst/>
+          </a:prstGeom>
+          <a:ln w="19050">
+            <a:solidFill>
+              <a:schemeClr val="bg1">
+                <a:lumMod val="85000"/>
+              </a:schemeClr>
+            </a:solidFill>
+          </a:ln>
+        </p:spPr>
+        <p:style>
+          <a:lnRef idx="1">
+            <a:schemeClr val="accent1"/>
+          </a:lnRef>
+          <a:fillRef idx="0">
+            <a:schemeClr val="accent1"/>
+          </a:fillRef>
+          <a:effectRef idx="0">
+            <a:schemeClr val="accent1"/>
+          </a:effectRef>
+          <a:fontRef idx="minor">
+            <a:schemeClr val="tx1"/>
+          </a:fontRef>
+        </p:style>
+      </p:cxnSp>
+      <p:cxnSp>
+        <p:nvCxnSpPr>
+          <p:cNvPr id="37" name="직선 연결선 36">
+            <a:extLst>
+              <a:ext uri="{FF2B5EF4-FFF2-40B4-BE49-F238E27FC236}">
+                <a16:creationId xmlns:a16="http://schemas.microsoft.com/office/drawing/2014/main" xmlns="" id="{6E9DBD09-A246-45B4-8B09-A328F2970F10}"/>
+              </a:ext>
+            </a:extLst>
+          </p:cNvPr>
+          <p:cNvCxnSpPr>
+            <a:cxnSpLocks/>
+          </p:cNvCxnSpPr>
+          <p:nvPr/>
+        </p:nvCxnSpPr>
+        <p:spPr>
+          <a:xfrm>
+            <a:off x="0" y="6440854"/>
+            <a:ext cx="13032000" cy="0"/>
+          </a:xfrm>
+          <a:prstGeom prst="line">
+            <a:avLst/>
+          </a:prstGeom>
+          <a:ln w="19050">
+            <a:solidFill>
+              <a:schemeClr val="bg1">
+                <a:lumMod val="85000"/>
+              </a:schemeClr>
+            </a:solidFill>
+          </a:ln>
+        </p:spPr>
+        <p:style>
+          <a:lnRef idx="1">
+            <a:schemeClr val="accent1"/>
+          </a:lnRef>
+          <a:fillRef idx="0">
+            <a:schemeClr val="accent1"/>
+          </a:fillRef>
+          <a:effectRef idx="0">
+            <a:schemeClr val="accent1"/>
+          </a:effectRef>
+          <a:fontRef idx="minor">
+            <a:schemeClr val="tx1"/>
+          </a:fontRef>
+        </p:style>
+      </p:cxnSp>
+      <p:cxnSp>
+        <p:nvCxnSpPr>
+          <p:cNvPr id="38" name="직선 연결선 37">
+            <a:extLst>
+              <a:ext uri="{FF2B5EF4-FFF2-40B4-BE49-F238E27FC236}">
+                <a16:creationId xmlns:a16="http://schemas.microsoft.com/office/drawing/2014/main" xmlns="" id="{86C740A7-E5B0-4D02-B488-F45DAC83C5F8}"/>
+              </a:ext>
+            </a:extLst>
+          </p:cNvPr>
+          <p:cNvCxnSpPr>
+            <a:cxnSpLocks/>
+          </p:cNvCxnSpPr>
+          <p:nvPr/>
+        </p:nvCxnSpPr>
+        <p:spPr>
+          <a:xfrm>
+            <a:off x="0" y="5962572"/>
+            <a:ext cx="13032000" cy="0"/>
+          </a:xfrm>
+          <a:prstGeom prst="line">
+            <a:avLst/>
+          </a:prstGeom>
+          <a:ln w="19050">
+            <a:solidFill>
+              <a:schemeClr val="bg1">
+                <a:lumMod val="85000"/>
+              </a:schemeClr>
+            </a:solidFill>
+          </a:ln>
+        </p:spPr>
+        <p:style>
+          <a:lnRef idx="1">
+            <a:schemeClr val="accent1"/>
+          </a:lnRef>
+          <a:fillRef idx="0">
+            <a:schemeClr val="accent1"/>
+          </a:fillRef>
+          <a:effectRef idx="0">
+            <a:schemeClr val="accent1"/>
+          </a:effectRef>
+          <a:fontRef idx="minor">
+            <a:schemeClr val="tx1"/>
+          </a:fontRef>
+        </p:style>
+      </p:cxnSp>
+      <p:cxnSp>
+        <p:nvCxnSpPr>
+          <p:cNvPr id="39" name="직선 연결선 38">
+            <a:extLst>
+              <a:ext uri="{FF2B5EF4-FFF2-40B4-BE49-F238E27FC236}">
+                <a16:creationId xmlns:a16="http://schemas.microsoft.com/office/drawing/2014/main" xmlns="" id="{FFC65FE0-F79F-4898-A7D1-D06EF63A1E5E}"/>
+              </a:ext>
+            </a:extLst>
+          </p:cNvPr>
+          <p:cNvCxnSpPr>
+            <a:cxnSpLocks/>
+          </p:cNvCxnSpPr>
+          <p:nvPr/>
+        </p:nvCxnSpPr>
+        <p:spPr>
+          <a:xfrm>
+            <a:off x="0" y="7397418"/>
+            <a:ext cx="13032000" cy="0"/>
+          </a:xfrm>
+          <a:prstGeom prst="line">
+            <a:avLst/>
+          </a:prstGeom>
+          <a:ln w="19050">
+            <a:solidFill>
+              <a:schemeClr val="bg1">
+                <a:lumMod val="85000"/>
+              </a:schemeClr>
+            </a:solidFill>
+          </a:ln>
+        </p:spPr>
+        <p:style>
+          <a:lnRef idx="1">
+            <a:schemeClr val="accent1"/>
+          </a:lnRef>
+          <a:fillRef idx="0">
+            <a:schemeClr val="accent1"/>
+          </a:fillRef>
+          <a:effectRef idx="0">
+            <a:schemeClr val="accent1"/>
+          </a:effectRef>
+          <a:fontRef idx="minor">
+            <a:schemeClr val="tx1"/>
+          </a:fontRef>
+        </p:style>
+      </p:cxnSp>
+      <p:cxnSp>
+        <p:nvCxnSpPr>
+          <p:cNvPr id="40" name="직선 연결선 39">
+            <a:extLst>
+              <a:ext uri="{FF2B5EF4-FFF2-40B4-BE49-F238E27FC236}">
+                <a16:creationId xmlns:a16="http://schemas.microsoft.com/office/drawing/2014/main" xmlns="" id="{75B030A0-89C0-487F-9660-A78EBF44623C}"/>
+              </a:ext>
+            </a:extLst>
+          </p:cNvPr>
+          <p:cNvCxnSpPr>
+            <a:cxnSpLocks/>
+          </p:cNvCxnSpPr>
+          <p:nvPr/>
+        </p:nvCxnSpPr>
+        <p:spPr>
+          <a:xfrm>
+            <a:off x="0" y="6919136"/>
+            <a:ext cx="13032000" cy="0"/>
+          </a:xfrm>
+          <a:prstGeom prst="line">
+            <a:avLst/>
+          </a:prstGeom>
+          <a:ln w="19050">
+            <a:solidFill>
+              <a:schemeClr val="bg1">
+                <a:lumMod val="85000"/>
+              </a:schemeClr>
+            </a:solidFill>
+          </a:ln>
+        </p:spPr>
+        <p:style>
+          <a:lnRef idx="1">
+            <a:schemeClr val="accent1"/>
+          </a:lnRef>
+          <a:fillRef idx="0">
+            <a:schemeClr val="accent1"/>
+          </a:fillRef>
+          <a:effectRef idx="0">
+            <a:schemeClr val="accent1"/>
+          </a:effectRef>
+          <a:fontRef idx="minor">
+            <a:schemeClr val="tx1"/>
+          </a:fontRef>
+        </p:style>
+      </p:cxnSp>
+      <p:cxnSp>
+        <p:nvCxnSpPr>
+          <p:cNvPr id="18" name="직선 연결선 17">
+            <a:extLst>
+              <a:ext uri="{FF2B5EF4-FFF2-40B4-BE49-F238E27FC236}">
+                <a16:creationId xmlns:a16="http://schemas.microsoft.com/office/drawing/2014/main" xmlns="" id="{2CDE6C41-C510-4345-AADD-7065230F4662}"/>
+              </a:ext>
+            </a:extLst>
+          </p:cNvPr>
+          <p:cNvCxnSpPr>
+            <a:cxnSpLocks/>
+          </p:cNvCxnSpPr>
+          <p:nvPr/>
+        </p:nvCxnSpPr>
+        <p:spPr>
+          <a:xfrm>
+            <a:off x="0" y="7875700"/>
+            <a:ext cx="13032000" cy="0"/>
+          </a:xfrm>
+          <a:prstGeom prst="line">
+            <a:avLst/>
+          </a:prstGeom>
+          <a:ln w="19050">
+            <a:solidFill>
+              <a:schemeClr val="bg1">
+                <a:lumMod val="85000"/>
+              </a:schemeClr>
+            </a:solidFill>
+          </a:ln>
+        </p:spPr>
+        <p:style>
+          <a:lnRef idx="1">
+            <a:schemeClr val="accent1"/>
+          </a:lnRef>
+          <a:fillRef idx="0">
+            <a:schemeClr val="accent1"/>
+          </a:fillRef>
+          <a:effectRef idx="0">
+            <a:schemeClr val="accent1"/>
+          </a:effectRef>
+          <a:fontRef idx="minor">
+            <a:schemeClr val="tx1"/>
+          </a:fontRef>
+        </p:style>
+      </p:cxnSp>
+      <p:cxnSp>
+        <p:nvCxnSpPr>
+          <p:cNvPr id="19" name="직선 연결선 18">
+            <a:extLst>
+              <a:ext uri="{FF2B5EF4-FFF2-40B4-BE49-F238E27FC236}">
+                <a16:creationId xmlns:a16="http://schemas.microsoft.com/office/drawing/2014/main" xmlns="" id="{574F79F0-7B10-4950-BBBB-EDD9D3862FC0}"/>
+              </a:ext>
+            </a:extLst>
+          </p:cNvPr>
+          <p:cNvCxnSpPr>
+            <a:cxnSpLocks/>
+          </p:cNvCxnSpPr>
+          <p:nvPr/>
+        </p:nvCxnSpPr>
+        <p:spPr>
+          <a:xfrm>
+            <a:off x="0" y="8353982"/>
+            <a:ext cx="13032000" cy="0"/>
+          </a:xfrm>
+          <a:prstGeom prst="line">
+            <a:avLst/>
+          </a:prstGeom>
+          <a:ln w="19050">
+            <a:solidFill>
+              <a:schemeClr val="bg1">
+                <a:lumMod val="85000"/>
+              </a:schemeClr>
+            </a:solidFill>
+          </a:ln>
         </p:spPr>
         <p:style>
           <a:lnRef idx="1">
@@ -3543,43 +3732,52 @@
           <p:cNvPr id="20" name="직선 연결선 19">
             <a:extLst>
               <a:ext uri="{FF2B5EF4-FFF2-40B4-BE49-F238E27FC236}">
-                <a16:creationId xmlns:a16="http://schemas.microsoft.com/office/drawing/2014/main" id="{9012F788-22F3-4674-ADBA-C341AE855092}"/>
+                <a16:creationId xmlns:a16="http://schemas.microsoft.com/office/drawing/2014/main" xmlns="" id="{8FA7892D-9D03-48BF-9483-280C92EF5612}"/>
               </a:ext>
             </a:extLst>
           </p:cNvPr>
-          <p:cNvCxnSpPr/>
-          <p:nvPr/>
-        </p:nvCxnSpPr>
-        <p:spPr>
-          <a:xfrm>
-            <a:off x="3828082" y="1098550"/>
-            <a:ext cx="0" cy="946800"/>
-          </a:xfrm>
-          <a:prstGeom prst="line">
-            <a:avLst/>
-          </a:prstGeom>
-        </p:spPr>
-        <p:style>
-          <a:lnRef idx="1">
-            <a:schemeClr val="accent1"/>
-          </a:lnRef>
-          <a:fillRef idx="0">
-            <a:schemeClr val="accent1"/>
-          </a:fillRef>
-          <a:effectRef idx="0">
-            <a:schemeClr val="accent1"/>
-          </a:effectRef>
-          <a:fontRef idx="minor">
-            <a:schemeClr val="tx1"/>
-          </a:fontRef>
-        </p:style>
-      </p:cxnSp>
-      <p:cxnSp>
-        <p:nvCxnSpPr>
-          <p:cNvPr id="22" name="직선 연결선 21">
+          <p:cNvCxnSpPr>
+            <a:cxnSpLocks/>
+          </p:cNvCxnSpPr>
+          <p:nvPr/>
+        </p:nvCxnSpPr>
+        <p:spPr>
+          <a:xfrm>
+            <a:off x="0" y="9310543"/>
+            <a:ext cx="13032000" cy="0"/>
+          </a:xfrm>
+          <a:prstGeom prst="line">
+            <a:avLst/>
+          </a:prstGeom>
+          <a:ln w="19050">
+            <a:solidFill>
+              <a:schemeClr val="bg1">
+                <a:lumMod val="85000"/>
+              </a:schemeClr>
+            </a:solidFill>
+          </a:ln>
+        </p:spPr>
+        <p:style>
+          <a:lnRef idx="1">
+            <a:schemeClr val="accent1"/>
+          </a:lnRef>
+          <a:fillRef idx="0">
+            <a:schemeClr val="accent1"/>
+          </a:fillRef>
+          <a:effectRef idx="0">
+            <a:schemeClr val="accent1"/>
+          </a:effectRef>
+          <a:fontRef idx="minor">
+            <a:schemeClr val="tx1"/>
+          </a:fontRef>
+        </p:style>
+      </p:cxnSp>
+      <p:cxnSp>
+        <p:nvCxnSpPr>
+          <p:cNvPr id="23" name="직선 연결선 22">
             <a:extLst>
               <a:ext uri="{FF2B5EF4-FFF2-40B4-BE49-F238E27FC236}">
-                <a16:creationId xmlns:a16="http://schemas.microsoft.com/office/drawing/2014/main" id="{195DAB8B-3F9D-4928-91EC-D7EB18D7B324}"/>
+                <a16:creationId xmlns:a16="http://schemas.microsoft.com/office/drawing/2014/main" xmlns="" id="{BFD66220-54AF-49E0-B64F-069BE011AB74}"/>
               </a:ext>
             </a:extLst>
           </p:cNvPr>
@@ -3590,58 +3788,17 @@
         </p:nvCxnSpPr>
         <p:spPr>
           <a:xfrm>
-            <a:off x="1169992" y="3005953"/>
-            <a:ext cx="10691813" cy="0"/>
-          </a:xfrm>
-          <a:prstGeom prst="line">
-            <a:avLst/>
-          </a:prstGeom>
-          <a:ln w="19050">
-            <a:solidFill>
-              <a:schemeClr val="accent1"/>
-            </a:solidFill>
-          </a:ln>
-        </p:spPr>
-        <p:style>
-          <a:lnRef idx="1">
-            <a:schemeClr val="accent1"/>
-          </a:lnRef>
-          <a:fillRef idx="0">
-            <a:schemeClr val="accent1"/>
-          </a:fillRef>
-          <a:effectRef idx="0">
-            <a:schemeClr val="accent1"/>
-          </a:effectRef>
-          <a:fontRef idx="minor">
-            <a:schemeClr val="tx1"/>
-          </a:fontRef>
-        </p:style>
-      </p:cxnSp>
-      <p:cxnSp>
-        <p:nvCxnSpPr>
-          <p:cNvPr id="24" name="직선 연결선 23">
-            <a:extLst>
-              <a:ext uri="{FF2B5EF4-FFF2-40B4-BE49-F238E27FC236}">
-                <a16:creationId xmlns:a16="http://schemas.microsoft.com/office/drawing/2014/main" id="{5B122C34-A810-4B68-9FF6-2510C8748084}"/>
-              </a:ext>
-            </a:extLst>
-          </p:cNvPr>
-          <p:cNvCxnSpPr>
-            <a:cxnSpLocks/>
-          </p:cNvCxnSpPr>
-          <p:nvPr/>
-        </p:nvCxnSpPr>
-        <p:spPr>
-          <a:xfrm>
-            <a:off x="1169992" y="2530753"/>
-            <a:ext cx="10691813" cy="0"/>
-          </a:xfrm>
-          <a:prstGeom prst="line">
-            <a:avLst/>
-          </a:prstGeom>
-          <a:ln w="19050">
-            <a:solidFill>
-              <a:schemeClr val="accent1"/>
+            <a:off x="0" y="8832264"/>
+            <a:ext cx="13032000" cy="0"/>
+          </a:xfrm>
+          <a:prstGeom prst="line">
+            <a:avLst/>
+          </a:prstGeom>
+          <a:ln w="19050">
+            <a:solidFill>
+              <a:schemeClr val="bg1">
+                <a:lumMod val="85000"/>
+              </a:schemeClr>
             </a:solidFill>
           </a:ln>
         </p:spPr>
@@ -3663,7 +3820,7 @@
     </p:spTree>
     <p:extLst>
       <p:ext uri="{BB962C8B-B14F-4D97-AF65-F5344CB8AC3E}">
-        <p14:creationId xmlns:p14="http://schemas.microsoft.com/office/powerpoint/2010/main" val="3587490783"/>
+        <p14:creationId xmlns:p14="http://schemas.microsoft.com/office/powerpoint/2010/main" val="3142644115"/>
       </p:ext>
     </p:extLst>
   </p:cSld>
@@ -3700,76 +3857,41 @@
         </p:nvCxnSpPr>
         <p:spPr>
           <a:xfrm>
-            <a:off x="1158852" y="2045350"/>
-            <a:ext cx="10691813" cy="0"/>
-          </a:xfrm>
-          <a:prstGeom prst="line">
-            <a:avLst/>
-          </a:prstGeom>
-          <a:ln w="19050">
-            <a:solidFill>
-              <a:schemeClr val="accent1"/>
-            </a:solidFill>
-          </a:ln>
-        </p:spPr>
-        <p:style>
-          <a:lnRef idx="1">
-            <a:schemeClr val="accent1"/>
-          </a:lnRef>
-          <a:fillRef idx="0">
-            <a:schemeClr val="accent1"/>
-          </a:fillRef>
-          <a:effectRef idx="0">
-            <a:schemeClr val="accent1"/>
-          </a:effectRef>
-          <a:fontRef idx="minor">
-            <a:schemeClr val="tx1"/>
-          </a:fontRef>
-        </p:style>
-      </p:cxnSp>
-      <p:cxnSp>
-        <p:nvCxnSpPr>
-          <p:cNvPr id="26" name="직선 연결선 25"/>
-          <p:cNvCxnSpPr>
-            <a:cxnSpLocks/>
-          </p:cNvCxnSpPr>
-          <p:nvPr/>
-        </p:nvCxnSpPr>
-        <p:spPr>
-          <a:xfrm>
-            <a:off x="1158852" y="1570150"/>
-            <a:ext cx="10691813" cy="0"/>
-          </a:xfrm>
-          <a:prstGeom prst="line">
-            <a:avLst/>
-          </a:prstGeom>
-          <a:ln w="19050">
-            <a:solidFill>
-              <a:schemeClr val="accent1"/>
-            </a:solidFill>
-          </a:ln>
-        </p:spPr>
-        <p:style>
-          <a:lnRef idx="1">
-            <a:schemeClr val="accent1"/>
-          </a:lnRef>
-          <a:fillRef idx="0">
-            <a:schemeClr val="accent1"/>
-          </a:fillRef>
-          <a:effectRef idx="0">
-            <a:schemeClr val="accent1"/>
-          </a:effectRef>
-          <a:fontRef idx="minor">
-            <a:schemeClr val="tx1"/>
-          </a:fontRef>
-        </p:style>
-      </p:cxnSp>
-      <p:cxnSp>
-        <p:nvCxnSpPr>
-          <p:cNvPr id="3" name="직선 연결선 2">
+            <a:off x="0" y="513514"/>
+            <a:ext cx="13032000" cy="0"/>
+          </a:xfrm>
+          <a:prstGeom prst="line">
+            <a:avLst/>
+          </a:prstGeom>
+          <a:ln w="19050">
+            <a:solidFill>
+              <a:schemeClr val="bg1">
+                <a:lumMod val="85000"/>
+              </a:schemeClr>
+            </a:solidFill>
+          </a:ln>
+        </p:spPr>
+        <p:style>
+          <a:lnRef idx="1">
+            <a:schemeClr val="accent1"/>
+          </a:lnRef>
+          <a:fillRef idx="0">
+            <a:schemeClr val="accent1"/>
+          </a:fillRef>
+          <a:effectRef idx="0">
+            <a:schemeClr val="accent1"/>
+          </a:effectRef>
+          <a:fontRef idx="minor">
+            <a:schemeClr val="tx1"/>
+          </a:fontRef>
+        </p:style>
+      </p:cxnSp>
+      <p:cxnSp>
+        <p:nvCxnSpPr>
+          <p:cNvPr id="22" name="직선 연결선 21">
             <a:extLst>
               <a:ext uri="{FF2B5EF4-FFF2-40B4-BE49-F238E27FC236}">
-                <a16:creationId xmlns:a16="http://schemas.microsoft.com/office/drawing/2014/main" id="{1E2F16BB-01F8-4E99-BD6B-55272AE1D02C}"/>
+                <a16:creationId xmlns:a16="http://schemas.microsoft.com/office/drawing/2014/main" xmlns="" id="{195DAB8B-3F9D-4928-91EC-D7EB18D7B324}"/>
               </a:ext>
             </a:extLst>
           </p:cNvPr>
@@ -3780,12 +3902,649 @@
         </p:nvCxnSpPr>
         <p:spPr>
           <a:xfrm>
-            <a:off x="3094536" y="1098550"/>
-            <a:ext cx="0" cy="471600"/>
-          </a:xfrm>
-          <a:prstGeom prst="line">
-            <a:avLst/>
-          </a:prstGeom>
+            <a:off x="0" y="1540542"/>
+            <a:ext cx="13032000" cy="0"/>
+          </a:xfrm>
+          <a:prstGeom prst="line">
+            <a:avLst/>
+          </a:prstGeom>
+          <a:ln w="19050">
+            <a:solidFill>
+              <a:schemeClr val="bg1">
+                <a:lumMod val="85000"/>
+              </a:schemeClr>
+            </a:solidFill>
+          </a:ln>
+        </p:spPr>
+        <p:style>
+          <a:lnRef idx="1">
+            <a:schemeClr val="accent1"/>
+          </a:lnRef>
+          <a:fillRef idx="0">
+            <a:schemeClr val="accent1"/>
+          </a:fillRef>
+          <a:effectRef idx="0">
+            <a:schemeClr val="accent1"/>
+          </a:effectRef>
+          <a:fontRef idx="minor">
+            <a:schemeClr val="tx1"/>
+          </a:fontRef>
+        </p:style>
+      </p:cxnSp>
+      <p:cxnSp>
+        <p:nvCxnSpPr>
+          <p:cNvPr id="24" name="직선 연결선 23">
+            <a:extLst>
+              <a:ext uri="{FF2B5EF4-FFF2-40B4-BE49-F238E27FC236}">
+                <a16:creationId xmlns:a16="http://schemas.microsoft.com/office/drawing/2014/main" xmlns="" id="{5B122C34-A810-4B68-9FF6-2510C8748084}"/>
+              </a:ext>
+            </a:extLst>
+          </p:cNvPr>
+          <p:cNvCxnSpPr>
+            <a:cxnSpLocks/>
+          </p:cNvCxnSpPr>
+          <p:nvPr/>
+        </p:nvCxnSpPr>
+        <p:spPr>
+          <a:xfrm>
+            <a:off x="0" y="1027028"/>
+            <a:ext cx="13032000" cy="0"/>
+          </a:xfrm>
+          <a:prstGeom prst="line">
+            <a:avLst/>
+          </a:prstGeom>
+          <a:ln w="19050">
+            <a:solidFill>
+              <a:schemeClr val="bg1">
+                <a:lumMod val="85000"/>
+              </a:schemeClr>
+            </a:solidFill>
+          </a:ln>
+        </p:spPr>
+        <p:style>
+          <a:lnRef idx="1">
+            <a:schemeClr val="accent1"/>
+          </a:lnRef>
+          <a:fillRef idx="0">
+            <a:schemeClr val="accent1"/>
+          </a:fillRef>
+          <a:effectRef idx="0">
+            <a:schemeClr val="accent1"/>
+          </a:effectRef>
+          <a:fontRef idx="minor">
+            <a:schemeClr val="tx1"/>
+          </a:fontRef>
+        </p:style>
+      </p:cxnSp>
+      <p:cxnSp>
+        <p:nvCxnSpPr>
+          <p:cNvPr id="25" name="직선 연결선 24">
+            <a:extLst>
+              <a:ext uri="{FF2B5EF4-FFF2-40B4-BE49-F238E27FC236}">
+                <a16:creationId xmlns:a16="http://schemas.microsoft.com/office/drawing/2014/main" xmlns="" id="{0844810E-F48B-437D-B0D9-28EC66062631}"/>
+              </a:ext>
+            </a:extLst>
+          </p:cNvPr>
+          <p:cNvCxnSpPr>
+            <a:cxnSpLocks/>
+          </p:cNvCxnSpPr>
+          <p:nvPr/>
+        </p:nvCxnSpPr>
+        <p:spPr>
+          <a:xfrm>
+            <a:off x="0" y="2567570"/>
+            <a:ext cx="13032000" cy="0"/>
+          </a:xfrm>
+          <a:prstGeom prst="line">
+            <a:avLst/>
+          </a:prstGeom>
+          <a:ln w="19050">
+            <a:solidFill>
+              <a:schemeClr val="bg1">
+                <a:lumMod val="85000"/>
+              </a:schemeClr>
+            </a:solidFill>
+          </a:ln>
+        </p:spPr>
+        <p:style>
+          <a:lnRef idx="1">
+            <a:schemeClr val="accent1"/>
+          </a:lnRef>
+          <a:fillRef idx="0">
+            <a:schemeClr val="accent1"/>
+          </a:fillRef>
+          <a:effectRef idx="0">
+            <a:schemeClr val="accent1"/>
+          </a:effectRef>
+          <a:fontRef idx="minor">
+            <a:schemeClr val="tx1"/>
+          </a:fontRef>
+        </p:style>
+      </p:cxnSp>
+      <p:cxnSp>
+        <p:nvCxnSpPr>
+          <p:cNvPr id="27" name="직선 연결선 26">
+            <a:extLst>
+              <a:ext uri="{FF2B5EF4-FFF2-40B4-BE49-F238E27FC236}">
+                <a16:creationId xmlns:a16="http://schemas.microsoft.com/office/drawing/2014/main" xmlns="" id="{9D58B9EE-95A9-4387-AA25-5092CDB84953}"/>
+              </a:ext>
+            </a:extLst>
+          </p:cNvPr>
+          <p:cNvCxnSpPr>
+            <a:cxnSpLocks/>
+          </p:cNvCxnSpPr>
+          <p:nvPr/>
+        </p:nvCxnSpPr>
+        <p:spPr>
+          <a:xfrm>
+            <a:off x="0" y="2054056"/>
+            <a:ext cx="13032000" cy="0"/>
+          </a:xfrm>
+          <a:prstGeom prst="line">
+            <a:avLst/>
+          </a:prstGeom>
+          <a:ln w="19050">
+            <a:solidFill>
+              <a:schemeClr val="bg1">
+                <a:lumMod val="85000"/>
+              </a:schemeClr>
+            </a:solidFill>
+          </a:ln>
+        </p:spPr>
+        <p:style>
+          <a:lnRef idx="1">
+            <a:schemeClr val="accent1"/>
+          </a:lnRef>
+          <a:fillRef idx="0">
+            <a:schemeClr val="accent1"/>
+          </a:fillRef>
+          <a:effectRef idx="0">
+            <a:schemeClr val="accent1"/>
+          </a:effectRef>
+          <a:fontRef idx="minor">
+            <a:schemeClr val="tx1"/>
+          </a:fontRef>
+        </p:style>
+      </p:cxnSp>
+      <p:cxnSp>
+        <p:nvCxnSpPr>
+          <p:cNvPr id="28" name="직선 연결선 27">
+            <a:extLst>
+              <a:ext uri="{FF2B5EF4-FFF2-40B4-BE49-F238E27FC236}">
+                <a16:creationId xmlns:a16="http://schemas.microsoft.com/office/drawing/2014/main" xmlns="" id="{C301EEDD-8185-4932-9D11-849ED6AAA53E}"/>
+              </a:ext>
+            </a:extLst>
+          </p:cNvPr>
+          <p:cNvCxnSpPr>
+            <a:cxnSpLocks/>
+          </p:cNvCxnSpPr>
+          <p:nvPr/>
+        </p:nvCxnSpPr>
+        <p:spPr>
+          <a:xfrm>
+            <a:off x="0" y="3594598"/>
+            <a:ext cx="13032000" cy="0"/>
+          </a:xfrm>
+          <a:prstGeom prst="line">
+            <a:avLst/>
+          </a:prstGeom>
+          <a:ln w="19050">
+            <a:solidFill>
+              <a:schemeClr val="bg1">
+                <a:lumMod val="85000"/>
+              </a:schemeClr>
+            </a:solidFill>
+          </a:ln>
+        </p:spPr>
+        <p:style>
+          <a:lnRef idx="1">
+            <a:schemeClr val="accent1"/>
+          </a:lnRef>
+          <a:fillRef idx="0">
+            <a:schemeClr val="accent1"/>
+          </a:fillRef>
+          <a:effectRef idx="0">
+            <a:schemeClr val="accent1"/>
+          </a:effectRef>
+          <a:fontRef idx="minor">
+            <a:schemeClr val="tx1"/>
+          </a:fontRef>
+        </p:style>
+      </p:cxnSp>
+      <p:cxnSp>
+        <p:nvCxnSpPr>
+          <p:cNvPr id="29" name="직선 연결선 28">
+            <a:extLst>
+              <a:ext uri="{FF2B5EF4-FFF2-40B4-BE49-F238E27FC236}">
+                <a16:creationId xmlns:a16="http://schemas.microsoft.com/office/drawing/2014/main" xmlns="" id="{1B1267B5-E1D2-4073-B33D-33B18FC8A640}"/>
+              </a:ext>
+            </a:extLst>
+          </p:cNvPr>
+          <p:cNvCxnSpPr>
+            <a:cxnSpLocks/>
+          </p:cNvCxnSpPr>
+          <p:nvPr/>
+        </p:nvCxnSpPr>
+        <p:spPr>
+          <a:xfrm>
+            <a:off x="0" y="3081084"/>
+            <a:ext cx="13032000" cy="0"/>
+          </a:xfrm>
+          <a:prstGeom prst="line">
+            <a:avLst/>
+          </a:prstGeom>
+          <a:ln w="19050">
+            <a:solidFill>
+              <a:schemeClr val="bg1">
+                <a:lumMod val="85000"/>
+              </a:schemeClr>
+            </a:solidFill>
+          </a:ln>
+        </p:spPr>
+        <p:style>
+          <a:lnRef idx="1">
+            <a:schemeClr val="accent1"/>
+          </a:lnRef>
+          <a:fillRef idx="0">
+            <a:schemeClr val="accent1"/>
+          </a:fillRef>
+          <a:effectRef idx="0">
+            <a:schemeClr val="accent1"/>
+          </a:effectRef>
+          <a:fontRef idx="minor">
+            <a:schemeClr val="tx1"/>
+          </a:fontRef>
+        </p:style>
+      </p:cxnSp>
+      <p:cxnSp>
+        <p:nvCxnSpPr>
+          <p:cNvPr id="31" name="직선 연결선 30">
+            <a:extLst>
+              <a:ext uri="{FF2B5EF4-FFF2-40B4-BE49-F238E27FC236}">
+                <a16:creationId xmlns:a16="http://schemas.microsoft.com/office/drawing/2014/main" xmlns="" id="{2C656832-A46B-4176-8E05-91027B2DE449}"/>
+              </a:ext>
+            </a:extLst>
+          </p:cNvPr>
+          <p:cNvCxnSpPr>
+            <a:cxnSpLocks/>
+          </p:cNvCxnSpPr>
+          <p:nvPr/>
+        </p:nvCxnSpPr>
+        <p:spPr>
+          <a:xfrm>
+            <a:off x="0" y="4108112"/>
+            <a:ext cx="13032000" cy="0"/>
+          </a:xfrm>
+          <a:prstGeom prst="line">
+            <a:avLst/>
+          </a:prstGeom>
+          <a:ln w="19050">
+            <a:solidFill>
+              <a:schemeClr val="bg1">
+                <a:lumMod val="85000"/>
+              </a:schemeClr>
+            </a:solidFill>
+          </a:ln>
+        </p:spPr>
+        <p:style>
+          <a:lnRef idx="1">
+            <a:schemeClr val="accent1"/>
+          </a:lnRef>
+          <a:fillRef idx="0">
+            <a:schemeClr val="accent1"/>
+          </a:fillRef>
+          <a:effectRef idx="0">
+            <a:schemeClr val="accent1"/>
+          </a:effectRef>
+          <a:fontRef idx="minor">
+            <a:schemeClr val="tx1"/>
+          </a:fontRef>
+        </p:style>
+      </p:cxnSp>
+      <p:cxnSp>
+        <p:nvCxnSpPr>
+          <p:cNvPr id="35" name="직선 연결선 34">
+            <a:extLst>
+              <a:ext uri="{FF2B5EF4-FFF2-40B4-BE49-F238E27FC236}">
+                <a16:creationId xmlns:a16="http://schemas.microsoft.com/office/drawing/2014/main" xmlns="" id="{F24123E2-FEA0-453D-B6FB-F397016ED8E3}"/>
+              </a:ext>
+            </a:extLst>
+          </p:cNvPr>
+          <p:cNvCxnSpPr>
+            <a:cxnSpLocks/>
+          </p:cNvCxnSpPr>
+          <p:nvPr/>
+        </p:nvCxnSpPr>
+        <p:spPr>
+          <a:xfrm>
+            <a:off x="0" y="5135140"/>
+            <a:ext cx="13032000" cy="0"/>
+          </a:xfrm>
+          <a:prstGeom prst="line">
+            <a:avLst/>
+          </a:prstGeom>
+          <a:ln w="19050">
+            <a:solidFill>
+              <a:schemeClr val="bg1">
+                <a:lumMod val="85000"/>
+              </a:schemeClr>
+            </a:solidFill>
+          </a:ln>
+        </p:spPr>
+        <p:style>
+          <a:lnRef idx="1">
+            <a:schemeClr val="accent1"/>
+          </a:lnRef>
+          <a:fillRef idx="0">
+            <a:schemeClr val="accent1"/>
+          </a:fillRef>
+          <a:effectRef idx="0">
+            <a:schemeClr val="accent1"/>
+          </a:effectRef>
+          <a:fontRef idx="minor">
+            <a:schemeClr val="tx1"/>
+          </a:fontRef>
+        </p:style>
+      </p:cxnSp>
+      <p:cxnSp>
+        <p:nvCxnSpPr>
+          <p:cNvPr id="36" name="직선 연결선 35">
+            <a:extLst>
+              <a:ext uri="{FF2B5EF4-FFF2-40B4-BE49-F238E27FC236}">
+                <a16:creationId xmlns:a16="http://schemas.microsoft.com/office/drawing/2014/main" xmlns="" id="{ECDF1514-30A0-4008-99A5-B8EC4D94CBC0}"/>
+              </a:ext>
+            </a:extLst>
+          </p:cNvPr>
+          <p:cNvCxnSpPr>
+            <a:cxnSpLocks/>
+          </p:cNvCxnSpPr>
+          <p:nvPr/>
+        </p:nvCxnSpPr>
+        <p:spPr>
+          <a:xfrm>
+            <a:off x="0" y="4621626"/>
+            <a:ext cx="13032000" cy="0"/>
+          </a:xfrm>
+          <a:prstGeom prst="line">
+            <a:avLst/>
+          </a:prstGeom>
+          <a:ln w="19050">
+            <a:solidFill>
+              <a:schemeClr val="bg1">
+                <a:lumMod val="85000"/>
+              </a:schemeClr>
+            </a:solidFill>
+          </a:ln>
+        </p:spPr>
+        <p:style>
+          <a:lnRef idx="1">
+            <a:schemeClr val="accent1"/>
+          </a:lnRef>
+          <a:fillRef idx="0">
+            <a:schemeClr val="accent1"/>
+          </a:fillRef>
+          <a:effectRef idx="0">
+            <a:schemeClr val="accent1"/>
+          </a:effectRef>
+          <a:fontRef idx="minor">
+            <a:schemeClr val="tx1"/>
+          </a:fontRef>
+        </p:style>
+      </p:cxnSp>
+      <p:cxnSp>
+        <p:nvCxnSpPr>
+          <p:cNvPr id="37" name="직선 연결선 36">
+            <a:extLst>
+              <a:ext uri="{FF2B5EF4-FFF2-40B4-BE49-F238E27FC236}">
+                <a16:creationId xmlns:a16="http://schemas.microsoft.com/office/drawing/2014/main" xmlns="" id="{6E9DBD09-A246-45B4-8B09-A328F2970F10}"/>
+              </a:ext>
+            </a:extLst>
+          </p:cNvPr>
+          <p:cNvCxnSpPr>
+            <a:cxnSpLocks/>
+          </p:cNvCxnSpPr>
+          <p:nvPr/>
+        </p:nvCxnSpPr>
+        <p:spPr>
+          <a:xfrm>
+            <a:off x="0" y="6162168"/>
+            <a:ext cx="13032000" cy="0"/>
+          </a:xfrm>
+          <a:prstGeom prst="line">
+            <a:avLst/>
+          </a:prstGeom>
+          <a:ln w="19050">
+            <a:solidFill>
+              <a:schemeClr val="bg1">
+                <a:lumMod val="85000"/>
+              </a:schemeClr>
+            </a:solidFill>
+          </a:ln>
+        </p:spPr>
+        <p:style>
+          <a:lnRef idx="1">
+            <a:schemeClr val="accent1"/>
+          </a:lnRef>
+          <a:fillRef idx="0">
+            <a:schemeClr val="accent1"/>
+          </a:fillRef>
+          <a:effectRef idx="0">
+            <a:schemeClr val="accent1"/>
+          </a:effectRef>
+          <a:fontRef idx="minor">
+            <a:schemeClr val="tx1"/>
+          </a:fontRef>
+        </p:style>
+      </p:cxnSp>
+      <p:cxnSp>
+        <p:nvCxnSpPr>
+          <p:cNvPr id="38" name="직선 연결선 37">
+            <a:extLst>
+              <a:ext uri="{FF2B5EF4-FFF2-40B4-BE49-F238E27FC236}">
+                <a16:creationId xmlns:a16="http://schemas.microsoft.com/office/drawing/2014/main" xmlns="" id="{86C740A7-E5B0-4D02-B488-F45DAC83C5F8}"/>
+              </a:ext>
+            </a:extLst>
+          </p:cNvPr>
+          <p:cNvCxnSpPr>
+            <a:cxnSpLocks/>
+          </p:cNvCxnSpPr>
+          <p:nvPr/>
+        </p:nvCxnSpPr>
+        <p:spPr>
+          <a:xfrm>
+            <a:off x="0" y="5648654"/>
+            <a:ext cx="13032000" cy="0"/>
+          </a:xfrm>
+          <a:prstGeom prst="line">
+            <a:avLst/>
+          </a:prstGeom>
+          <a:ln w="19050">
+            <a:solidFill>
+              <a:schemeClr val="bg1">
+                <a:lumMod val="85000"/>
+              </a:schemeClr>
+            </a:solidFill>
+          </a:ln>
+        </p:spPr>
+        <p:style>
+          <a:lnRef idx="1">
+            <a:schemeClr val="accent1"/>
+          </a:lnRef>
+          <a:fillRef idx="0">
+            <a:schemeClr val="accent1"/>
+          </a:fillRef>
+          <a:effectRef idx="0">
+            <a:schemeClr val="accent1"/>
+          </a:effectRef>
+          <a:fontRef idx="minor">
+            <a:schemeClr val="tx1"/>
+          </a:fontRef>
+        </p:style>
+      </p:cxnSp>
+      <p:cxnSp>
+        <p:nvCxnSpPr>
+          <p:cNvPr id="39" name="직선 연결선 38">
+            <a:extLst>
+              <a:ext uri="{FF2B5EF4-FFF2-40B4-BE49-F238E27FC236}">
+                <a16:creationId xmlns:a16="http://schemas.microsoft.com/office/drawing/2014/main" xmlns="" id="{FFC65FE0-F79F-4898-A7D1-D06EF63A1E5E}"/>
+              </a:ext>
+            </a:extLst>
+          </p:cNvPr>
+          <p:cNvCxnSpPr>
+            <a:cxnSpLocks/>
+          </p:cNvCxnSpPr>
+          <p:nvPr/>
+        </p:nvCxnSpPr>
+        <p:spPr>
+          <a:xfrm>
+            <a:off x="0" y="7189196"/>
+            <a:ext cx="13032000" cy="0"/>
+          </a:xfrm>
+          <a:prstGeom prst="line">
+            <a:avLst/>
+          </a:prstGeom>
+          <a:ln w="19050">
+            <a:solidFill>
+              <a:schemeClr val="bg1">
+                <a:lumMod val="85000"/>
+              </a:schemeClr>
+            </a:solidFill>
+          </a:ln>
+        </p:spPr>
+        <p:style>
+          <a:lnRef idx="1">
+            <a:schemeClr val="accent1"/>
+          </a:lnRef>
+          <a:fillRef idx="0">
+            <a:schemeClr val="accent1"/>
+          </a:fillRef>
+          <a:effectRef idx="0">
+            <a:schemeClr val="accent1"/>
+          </a:effectRef>
+          <a:fontRef idx="minor">
+            <a:schemeClr val="tx1"/>
+          </a:fontRef>
+        </p:style>
+      </p:cxnSp>
+      <p:cxnSp>
+        <p:nvCxnSpPr>
+          <p:cNvPr id="40" name="직선 연결선 39">
+            <a:extLst>
+              <a:ext uri="{FF2B5EF4-FFF2-40B4-BE49-F238E27FC236}">
+                <a16:creationId xmlns:a16="http://schemas.microsoft.com/office/drawing/2014/main" xmlns="" id="{75B030A0-89C0-487F-9660-A78EBF44623C}"/>
+              </a:ext>
+            </a:extLst>
+          </p:cNvPr>
+          <p:cNvCxnSpPr>
+            <a:cxnSpLocks/>
+          </p:cNvCxnSpPr>
+          <p:nvPr/>
+        </p:nvCxnSpPr>
+        <p:spPr>
+          <a:xfrm>
+            <a:off x="0" y="6675682"/>
+            <a:ext cx="13032000" cy="0"/>
+          </a:xfrm>
+          <a:prstGeom prst="line">
+            <a:avLst/>
+          </a:prstGeom>
+          <a:ln w="19050">
+            <a:solidFill>
+              <a:schemeClr val="bg1">
+                <a:lumMod val="85000"/>
+              </a:schemeClr>
+            </a:solidFill>
+          </a:ln>
+        </p:spPr>
+        <p:style>
+          <a:lnRef idx="1">
+            <a:schemeClr val="accent1"/>
+          </a:lnRef>
+          <a:fillRef idx="0">
+            <a:schemeClr val="accent1"/>
+          </a:fillRef>
+          <a:effectRef idx="0">
+            <a:schemeClr val="accent1"/>
+          </a:effectRef>
+          <a:fontRef idx="minor">
+            <a:schemeClr val="tx1"/>
+          </a:fontRef>
+        </p:style>
+      </p:cxnSp>
+      <p:cxnSp>
+        <p:nvCxnSpPr>
+          <p:cNvPr id="18" name="직선 연결선 17">
+            <a:extLst>
+              <a:ext uri="{FF2B5EF4-FFF2-40B4-BE49-F238E27FC236}">
+                <a16:creationId xmlns:a16="http://schemas.microsoft.com/office/drawing/2014/main" xmlns="" id="{2CDE6C41-C510-4345-AADD-7065230F4662}"/>
+              </a:ext>
+            </a:extLst>
+          </p:cNvPr>
+          <p:cNvCxnSpPr>
+            <a:cxnSpLocks/>
+          </p:cNvCxnSpPr>
+          <p:nvPr/>
+        </p:nvCxnSpPr>
+        <p:spPr>
+          <a:xfrm>
+            <a:off x="0" y="7702710"/>
+            <a:ext cx="13032000" cy="0"/>
+          </a:xfrm>
+          <a:prstGeom prst="line">
+            <a:avLst/>
+          </a:prstGeom>
+          <a:ln w="19050">
+            <a:solidFill>
+              <a:schemeClr val="bg1">
+                <a:lumMod val="85000"/>
+              </a:schemeClr>
+            </a:solidFill>
+          </a:ln>
+        </p:spPr>
+        <p:style>
+          <a:lnRef idx="1">
+            <a:schemeClr val="accent1"/>
+          </a:lnRef>
+          <a:fillRef idx="0">
+            <a:schemeClr val="accent1"/>
+          </a:fillRef>
+          <a:effectRef idx="0">
+            <a:schemeClr val="accent1"/>
+          </a:effectRef>
+          <a:fontRef idx="minor">
+            <a:schemeClr val="tx1"/>
+          </a:fontRef>
+        </p:style>
+      </p:cxnSp>
+      <p:cxnSp>
+        <p:nvCxnSpPr>
+          <p:cNvPr id="19" name="직선 연결선 18">
+            <a:extLst>
+              <a:ext uri="{FF2B5EF4-FFF2-40B4-BE49-F238E27FC236}">
+                <a16:creationId xmlns:a16="http://schemas.microsoft.com/office/drawing/2014/main" xmlns="" id="{574F79F0-7B10-4950-BBBB-EDD9D3862FC0}"/>
+              </a:ext>
+            </a:extLst>
+          </p:cNvPr>
+          <p:cNvCxnSpPr>
+            <a:cxnSpLocks/>
+          </p:cNvCxnSpPr>
+          <p:nvPr/>
+        </p:nvCxnSpPr>
+        <p:spPr>
+          <a:xfrm>
+            <a:off x="0" y="8216224"/>
+            <a:ext cx="13032000" cy="0"/>
+          </a:xfrm>
+          <a:prstGeom prst="line">
+            <a:avLst/>
+          </a:prstGeom>
+          <a:ln w="19050">
+            <a:solidFill>
+              <a:schemeClr val="bg1">
+                <a:lumMod val="85000"/>
+              </a:schemeClr>
+            </a:solidFill>
+          </a:ln>
         </p:spPr>
         <p:style>
           <a:lnRef idx="1">
@@ -3807,7 +4566,7 @@
           <p:cNvPr id="20" name="직선 연결선 19">
             <a:extLst>
               <a:ext uri="{FF2B5EF4-FFF2-40B4-BE49-F238E27FC236}">
-                <a16:creationId xmlns:a16="http://schemas.microsoft.com/office/drawing/2014/main" id="{9012F788-22F3-4674-ADBA-C341AE855092}"/>
+                <a16:creationId xmlns:a16="http://schemas.microsoft.com/office/drawing/2014/main" xmlns="" id="{8FA7892D-9D03-48BF-9483-280C92EF5612}"/>
               </a:ext>
             </a:extLst>
           </p:cNvPr>
@@ -3818,34 +4577,41 @@
         </p:nvCxnSpPr>
         <p:spPr>
           <a:xfrm>
-            <a:off x="3094536" y="2045350"/>
-            <a:ext cx="0" cy="946800"/>
-          </a:xfrm>
-          <a:prstGeom prst="line">
-            <a:avLst/>
-          </a:prstGeom>
-        </p:spPr>
-        <p:style>
-          <a:lnRef idx="1">
-            <a:schemeClr val="accent1"/>
-          </a:lnRef>
-          <a:fillRef idx="0">
-            <a:schemeClr val="accent1"/>
-          </a:fillRef>
-          <a:effectRef idx="0">
-            <a:schemeClr val="accent1"/>
-          </a:effectRef>
-          <a:fontRef idx="minor">
-            <a:schemeClr val="tx1"/>
-          </a:fontRef>
-        </p:style>
-      </p:cxnSp>
-      <p:cxnSp>
-        <p:nvCxnSpPr>
-          <p:cNvPr id="22" name="직선 연결선 21">
+            <a:off x="0" y="9243252"/>
+            <a:ext cx="13032000" cy="0"/>
+          </a:xfrm>
+          <a:prstGeom prst="line">
+            <a:avLst/>
+          </a:prstGeom>
+          <a:ln w="19050">
+            <a:solidFill>
+              <a:schemeClr val="bg1">
+                <a:lumMod val="85000"/>
+              </a:schemeClr>
+            </a:solidFill>
+          </a:ln>
+        </p:spPr>
+        <p:style>
+          <a:lnRef idx="1">
+            <a:schemeClr val="accent1"/>
+          </a:lnRef>
+          <a:fillRef idx="0">
+            <a:schemeClr val="accent1"/>
+          </a:fillRef>
+          <a:effectRef idx="0">
+            <a:schemeClr val="accent1"/>
+          </a:effectRef>
+          <a:fontRef idx="minor">
+            <a:schemeClr val="tx1"/>
+          </a:fontRef>
+        </p:style>
+      </p:cxnSp>
+      <p:cxnSp>
+        <p:nvCxnSpPr>
+          <p:cNvPr id="23" name="직선 연결선 22">
             <a:extLst>
               <a:ext uri="{FF2B5EF4-FFF2-40B4-BE49-F238E27FC236}">
-                <a16:creationId xmlns:a16="http://schemas.microsoft.com/office/drawing/2014/main" id="{195DAB8B-3F9D-4928-91EC-D7EB18D7B324}"/>
+                <a16:creationId xmlns:a16="http://schemas.microsoft.com/office/drawing/2014/main" xmlns="" id="{BFD66220-54AF-49E0-B64F-069BE011AB74}"/>
               </a:ext>
             </a:extLst>
           </p:cNvPr>
@@ -3856,647 +4622,19 @@
         </p:nvCxnSpPr>
         <p:spPr>
           <a:xfrm>
-            <a:off x="1158852" y="2999501"/>
-            <a:ext cx="10691813" cy="0"/>
-          </a:xfrm>
-          <a:prstGeom prst="line">
-            <a:avLst/>
-          </a:prstGeom>
-          <a:ln w="19050">
-            <a:solidFill>
-              <a:schemeClr val="accent1"/>
-            </a:solidFill>
-          </a:ln>
-        </p:spPr>
-        <p:style>
-          <a:lnRef idx="1">
-            <a:schemeClr val="accent1"/>
-          </a:lnRef>
-          <a:fillRef idx="0">
-            <a:schemeClr val="accent1"/>
-          </a:fillRef>
-          <a:effectRef idx="0">
-            <a:schemeClr val="accent1"/>
-          </a:effectRef>
-          <a:fontRef idx="minor">
-            <a:schemeClr val="tx1"/>
-          </a:fontRef>
-        </p:style>
-      </p:cxnSp>
-      <p:cxnSp>
-        <p:nvCxnSpPr>
-          <p:cNvPr id="24" name="직선 연결선 23">
-            <a:extLst>
-              <a:ext uri="{FF2B5EF4-FFF2-40B4-BE49-F238E27FC236}">
-                <a16:creationId xmlns:a16="http://schemas.microsoft.com/office/drawing/2014/main" id="{5B122C34-A810-4B68-9FF6-2510C8748084}"/>
-              </a:ext>
-            </a:extLst>
-          </p:cNvPr>
-          <p:cNvCxnSpPr>
-            <a:cxnSpLocks/>
-          </p:cNvCxnSpPr>
-          <p:nvPr/>
-        </p:nvCxnSpPr>
-        <p:spPr>
-          <a:xfrm>
-            <a:off x="1158852" y="2530753"/>
-            <a:ext cx="10691813" cy="0"/>
-          </a:xfrm>
-          <a:prstGeom prst="line">
-            <a:avLst/>
-          </a:prstGeom>
-          <a:ln w="19050">
-            <a:solidFill>
-              <a:schemeClr val="accent1"/>
-            </a:solidFill>
-          </a:ln>
-        </p:spPr>
-        <p:style>
-          <a:lnRef idx="1">
-            <a:schemeClr val="accent1"/>
-          </a:lnRef>
-          <a:fillRef idx="0">
-            <a:schemeClr val="accent1"/>
-          </a:fillRef>
-          <a:effectRef idx="0">
-            <a:schemeClr val="accent1"/>
-          </a:effectRef>
-          <a:fontRef idx="minor">
-            <a:schemeClr val="tx1"/>
-          </a:fontRef>
-        </p:style>
-      </p:cxnSp>
-      <p:cxnSp>
-        <p:nvCxnSpPr>
-          <p:cNvPr id="25" name="직선 연결선 24">
-            <a:extLst>
-              <a:ext uri="{FF2B5EF4-FFF2-40B4-BE49-F238E27FC236}">
-                <a16:creationId xmlns:a16="http://schemas.microsoft.com/office/drawing/2014/main" id="{0844810E-F48B-437D-B0D9-28EC66062631}"/>
-              </a:ext>
-            </a:extLst>
-          </p:cNvPr>
-          <p:cNvCxnSpPr>
-            <a:cxnSpLocks/>
-          </p:cNvCxnSpPr>
-          <p:nvPr/>
-        </p:nvCxnSpPr>
-        <p:spPr>
-          <a:xfrm>
-            <a:off x="1158852" y="3949359"/>
-            <a:ext cx="10691813" cy="0"/>
-          </a:xfrm>
-          <a:prstGeom prst="line">
-            <a:avLst/>
-          </a:prstGeom>
-          <a:ln w="19050">
-            <a:solidFill>
-              <a:schemeClr val="accent1"/>
-            </a:solidFill>
-          </a:ln>
-        </p:spPr>
-        <p:style>
-          <a:lnRef idx="1">
-            <a:schemeClr val="accent1"/>
-          </a:lnRef>
-          <a:fillRef idx="0">
-            <a:schemeClr val="accent1"/>
-          </a:fillRef>
-          <a:effectRef idx="0">
-            <a:schemeClr val="accent1"/>
-          </a:effectRef>
-          <a:fontRef idx="minor">
-            <a:schemeClr val="tx1"/>
-          </a:fontRef>
-        </p:style>
-      </p:cxnSp>
-      <p:cxnSp>
-        <p:nvCxnSpPr>
-          <p:cNvPr id="27" name="직선 연결선 26">
-            <a:extLst>
-              <a:ext uri="{FF2B5EF4-FFF2-40B4-BE49-F238E27FC236}">
-                <a16:creationId xmlns:a16="http://schemas.microsoft.com/office/drawing/2014/main" id="{9D58B9EE-95A9-4387-AA25-5092CDB84953}"/>
-              </a:ext>
-            </a:extLst>
-          </p:cNvPr>
-          <p:cNvCxnSpPr>
-            <a:cxnSpLocks/>
-          </p:cNvCxnSpPr>
-          <p:nvPr/>
-        </p:nvCxnSpPr>
-        <p:spPr>
-          <a:xfrm>
-            <a:off x="1158852" y="3490630"/>
-            <a:ext cx="10691813" cy="0"/>
-          </a:xfrm>
-          <a:prstGeom prst="line">
-            <a:avLst/>
-          </a:prstGeom>
-          <a:ln w="19050">
-            <a:solidFill>
-              <a:schemeClr val="accent1"/>
-            </a:solidFill>
-          </a:ln>
-        </p:spPr>
-        <p:style>
-          <a:lnRef idx="1">
-            <a:schemeClr val="accent1"/>
-          </a:lnRef>
-          <a:fillRef idx="0">
-            <a:schemeClr val="accent1"/>
-          </a:fillRef>
-          <a:effectRef idx="0">
-            <a:schemeClr val="accent1"/>
-          </a:effectRef>
-          <a:fontRef idx="minor">
-            <a:schemeClr val="tx1"/>
-          </a:fontRef>
-        </p:style>
-      </p:cxnSp>
-      <p:cxnSp>
-        <p:nvCxnSpPr>
-          <p:cNvPr id="28" name="직선 연결선 27">
-            <a:extLst>
-              <a:ext uri="{FF2B5EF4-FFF2-40B4-BE49-F238E27FC236}">
-                <a16:creationId xmlns:a16="http://schemas.microsoft.com/office/drawing/2014/main" id="{C301EEDD-8185-4932-9D11-849ED6AAA53E}"/>
-              </a:ext>
-            </a:extLst>
-          </p:cNvPr>
-          <p:cNvCxnSpPr>
-            <a:cxnSpLocks/>
-          </p:cNvCxnSpPr>
-          <p:nvPr/>
-        </p:nvCxnSpPr>
-        <p:spPr>
-          <a:xfrm>
-            <a:off x="1158852" y="4903510"/>
-            <a:ext cx="10691813" cy="0"/>
-          </a:xfrm>
-          <a:prstGeom prst="line">
-            <a:avLst/>
-          </a:prstGeom>
-          <a:ln w="19050">
-            <a:solidFill>
-              <a:schemeClr val="accent1"/>
-            </a:solidFill>
-          </a:ln>
-        </p:spPr>
-        <p:style>
-          <a:lnRef idx="1">
-            <a:schemeClr val="accent1"/>
-          </a:lnRef>
-          <a:fillRef idx="0">
-            <a:schemeClr val="accent1"/>
-          </a:fillRef>
-          <a:effectRef idx="0">
-            <a:schemeClr val="accent1"/>
-          </a:effectRef>
-          <a:fontRef idx="minor">
-            <a:schemeClr val="tx1"/>
-          </a:fontRef>
-        </p:style>
-      </p:cxnSp>
-      <p:cxnSp>
-        <p:nvCxnSpPr>
-          <p:cNvPr id="29" name="직선 연결선 28">
-            <a:extLst>
-              <a:ext uri="{FF2B5EF4-FFF2-40B4-BE49-F238E27FC236}">
-                <a16:creationId xmlns:a16="http://schemas.microsoft.com/office/drawing/2014/main" id="{1B1267B5-E1D2-4073-B33D-33B18FC8A640}"/>
-              </a:ext>
-            </a:extLst>
-          </p:cNvPr>
-          <p:cNvCxnSpPr>
-            <a:cxnSpLocks/>
-          </p:cNvCxnSpPr>
-          <p:nvPr/>
-        </p:nvCxnSpPr>
-        <p:spPr>
-          <a:xfrm>
-            <a:off x="1158852" y="4434762"/>
-            <a:ext cx="10691813" cy="0"/>
-          </a:xfrm>
-          <a:prstGeom prst="line">
-            <a:avLst/>
-          </a:prstGeom>
-          <a:ln w="19050">
-            <a:solidFill>
-              <a:schemeClr val="accent1"/>
-            </a:solidFill>
-          </a:ln>
-        </p:spPr>
-        <p:style>
-          <a:lnRef idx="1">
-            <a:schemeClr val="accent1"/>
-          </a:lnRef>
-          <a:fillRef idx="0">
-            <a:schemeClr val="accent1"/>
-          </a:fillRef>
-          <a:effectRef idx="0">
-            <a:schemeClr val="accent1"/>
-          </a:effectRef>
-          <a:fontRef idx="minor">
-            <a:schemeClr val="tx1"/>
-          </a:fontRef>
-        </p:style>
-      </p:cxnSp>
-      <p:cxnSp>
-        <p:nvCxnSpPr>
-          <p:cNvPr id="30" name="직선 연결선 29">
-            <a:extLst>
-              <a:ext uri="{FF2B5EF4-FFF2-40B4-BE49-F238E27FC236}">
-                <a16:creationId xmlns:a16="http://schemas.microsoft.com/office/drawing/2014/main" id="{6B9D6E82-F2DF-4B04-90DE-06B40FD7D04B}"/>
-              </a:ext>
-            </a:extLst>
-          </p:cNvPr>
-          <p:cNvCxnSpPr>
-            <a:cxnSpLocks/>
-          </p:cNvCxnSpPr>
-          <p:nvPr/>
-        </p:nvCxnSpPr>
-        <p:spPr>
-          <a:xfrm>
-            <a:off x="3094536" y="2999501"/>
-            <a:ext cx="0" cy="946800"/>
-          </a:xfrm>
-          <a:prstGeom prst="line">
-            <a:avLst/>
-          </a:prstGeom>
-        </p:spPr>
-        <p:style>
-          <a:lnRef idx="1">
-            <a:schemeClr val="accent1"/>
-          </a:lnRef>
-          <a:fillRef idx="0">
-            <a:schemeClr val="accent1"/>
-          </a:fillRef>
-          <a:effectRef idx="0">
-            <a:schemeClr val="accent1"/>
-          </a:effectRef>
-          <a:fontRef idx="minor">
-            <a:schemeClr val="tx1"/>
-          </a:fontRef>
-        </p:style>
-      </p:cxnSp>
-      <p:cxnSp>
-        <p:nvCxnSpPr>
-          <p:cNvPr id="31" name="직선 연결선 30">
-            <a:extLst>
-              <a:ext uri="{FF2B5EF4-FFF2-40B4-BE49-F238E27FC236}">
-                <a16:creationId xmlns:a16="http://schemas.microsoft.com/office/drawing/2014/main" id="{2C656832-A46B-4176-8E05-91027B2DE449}"/>
-              </a:ext>
-            </a:extLst>
-          </p:cNvPr>
-          <p:cNvCxnSpPr>
-            <a:cxnSpLocks/>
-          </p:cNvCxnSpPr>
-          <p:nvPr/>
-        </p:nvCxnSpPr>
-        <p:spPr>
-          <a:xfrm>
-            <a:off x="1158852" y="5392212"/>
-            <a:ext cx="10691813" cy="0"/>
-          </a:xfrm>
-          <a:prstGeom prst="line">
-            <a:avLst/>
-          </a:prstGeom>
-          <a:ln w="19050">
-            <a:solidFill>
-              <a:schemeClr val="accent1"/>
-            </a:solidFill>
-          </a:ln>
-        </p:spPr>
-        <p:style>
-          <a:lnRef idx="1">
-            <a:schemeClr val="accent1"/>
-          </a:lnRef>
-          <a:fillRef idx="0">
-            <a:schemeClr val="accent1"/>
-          </a:fillRef>
-          <a:effectRef idx="0">
-            <a:schemeClr val="accent1"/>
-          </a:effectRef>
-          <a:fontRef idx="minor">
-            <a:schemeClr val="tx1"/>
-          </a:fontRef>
-        </p:style>
-      </p:cxnSp>
-      <p:cxnSp>
-        <p:nvCxnSpPr>
-          <p:cNvPr id="33" name="직선 연결선 32">
-            <a:extLst>
-              <a:ext uri="{FF2B5EF4-FFF2-40B4-BE49-F238E27FC236}">
-                <a16:creationId xmlns:a16="http://schemas.microsoft.com/office/drawing/2014/main" id="{04E3F2FB-7886-4FBC-BDBC-0627D3A895B0}"/>
-              </a:ext>
-            </a:extLst>
-          </p:cNvPr>
-          <p:cNvCxnSpPr>
-            <a:cxnSpLocks/>
-          </p:cNvCxnSpPr>
-          <p:nvPr/>
-        </p:nvCxnSpPr>
-        <p:spPr>
-          <a:xfrm>
-            <a:off x="3094536" y="4445412"/>
-            <a:ext cx="0" cy="471600"/>
-          </a:xfrm>
-          <a:prstGeom prst="line">
-            <a:avLst/>
-          </a:prstGeom>
-        </p:spPr>
-        <p:style>
-          <a:lnRef idx="1">
-            <a:schemeClr val="accent1"/>
-          </a:lnRef>
-          <a:fillRef idx="0">
-            <a:schemeClr val="accent1"/>
-          </a:fillRef>
-          <a:effectRef idx="0">
-            <a:schemeClr val="accent1"/>
-          </a:effectRef>
-          <a:fontRef idx="minor">
-            <a:schemeClr val="tx1"/>
-          </a:fontRef>
-        </p:style>
-      </p:cxnSp>
-      <p:cxnSp>
-        <p:nvCxnSpPr>
-          <p:cNvPr id="35" name="직선 연결선 34">
-            <a:extLst>
-              <a:ext uri="{FF2B5EF4-FFF2-40B4-BE49-F238E27FC236}">
-                <a16:creationId xmlns:a16="http://schemas.microsoft.com/office/drawing/2014/main" id="{F24123E2-FEA0-453D-B6FB-F397016ED8E3}"/>
-              </a:ext>
-            </a:extLst>
-          </p:cNvPr>
-          <p:cNvCxnSpPr>
-            <a:cxnSpLocks/>
-          </p:cNvCxnSpPr>
-          <p:nvPr/>
-        </p:nvCxnSpPr>
-        <p:spPr>
-          <a:xfrm>
-            <a:off x="1158852" y="6346363"/>
-            <a:ext cx="10691813" cy="0"/>
-          </a:xfrm>
-          <a:prstGeom prst="line">
-            <a:avLst/>
-          </a:prstGeom>
-          <a:ln w="19050">
-            <a:solidFill>
-              <a:schemeClr val="accent1"/>
-            </a:solidFill>
-          </a:ln>
-        </p:spPr>
-        <p:style>
-          <a:lnRef idx="1">
-            <a:schemeClr val="accent1"/>
-          </a:lnRef>
-          <a:fillRef idx="0">
-            <a:schemeClr val="accent1"/>
-          </a:fillRef>
-          <a:effectRef idx="0">
-            <a:schemeClr val="accent1"/>
-          </a:effectRef>
-          <a:fontRef idx="minor">
-            <a:schemeClr val="tx1"/>
-          </a:fontRef>
-        </p:style>
-      </p:cxnSp>
-      <p:cxnSp>
-        <p:nvCxnSpPr>
-          <p:cNvPr id="36" name="직선 연결선 35">
-            <a:extLst>
-              <a:ext uri="{FF2B5EF4-FFF2-40B4-BE49-F238E27FC236}">
-                <a16:creationId xmlns:a16="http://schemas.microsoft.com/office/drawing/2014/main" id="{ECDF1514-30A0-4008-99A5-B8EC4D94CBC0}"/>
-              </a:ext>
-            </a:extLst>
-          </p:cNvPr>
-          <p:cNvCxnSpPr>
-            <a:cxnSpLocks/>
-          </p:cNvCxnSpPr>
-          <p:nvPr/>
-        </p:nvCxnSpPr>
-        <p:spPr>
-          <a:xfrm>
-            <a:off x="1158852" y="5877615"/>
-            <a:ext cx="10691813" cy="0"/>
-          </a:xfrm>
-          <a:prstGeom prst="line">
-            <a:avLst/>
-          </a:prstGeom>
-          <a:ln w="19050">
-            <a:solidFill>
-              <a:schemeClr val="accent1"/>
-            </a:solidFill>
-          </a:ln>
-        </p:spPr>
-        <p:style>
-          <a:lnRef idx="1">
-            <a:schemeClr val="accent1"/>
-          </a:lnRef>
-          <a:fillRef idx="0">
-            <a:schemeClr val="accent1"/>
-          </a:fillRef>
-          <a:effectRef idx="0">
-            <a:schemeClr val="accent1"/>
-          </a:effectRef>
-          <a:fontRef idx="minor">
-            <a:schemeClr val="tx1"/>
-          </a:fontRef>
-        </p:style>
-      </p:cxnSp>
-      <p:cxnSp>
-        <p:nvCxnSpPr>
-          <p:cNvPr id="37" name="직선 연결선 36">
-            <a:extLst>
-              <a:ext uri="{FF2B5EF4-FFF2-40B4-BE49-F238E27FC236}">
-                <a16:creationId xmlns:a16="http://schemas.microsoft.com/office/drawing/2014/main" id="{6E9DBD09-A246-45B4-8B09-A328F2970F10}"/>
-              </a:ext>
-            </a:extLst>
-          </p:cNvPr>
-          <p:cNvCxnSpPr>
-            <a:cxnSpLocks/>
-          </p:cNvCxnSpPr>
-          <p:nvPr/>
-        </p:nvCxnSpPr>
-        <p:spPr>
-          <a:xfrm>
-            <a:off x="1158852" y="7296221"/>
-            <a:ext cx="10691813" cy="0"/>
-          </a:xfrm>
-          <a:prstGeom prst="line">
-            <a:avLst/>
-          </a:prstGeom>
-          <a:ln w="19050">
-            <a:solidFill>
-              <a:schemeClr val="accent1"/>
-            </a:solidFill>
-          </a:ln>
-        </p:spPr>
-        <p:style>
-          <a:lnRef idx="1">
-            <a:schemeClr val="accent1"/>
-          </a:lnRef>
-          <a:fillRef idx="0">
-            <a:schemeClr val="accent1"/>
-          </a:fillRef>
-          <a:effectRef idx="0">
-            <a:schemeClr val="accent1"/>
-          </a:effectRef>
-          <a:fontRef idx="minor">
-            <a:schemeClr val="tx1"/>
-          </a:fontRef>
-        </p:style>
-      </p:cxnSp>
-      <p:cxnSp>
-        <p:nvCxnSpPr>
-          <p:cNvPr id="38" name="직선 연결선 37">
-            <a:extLst>
-              <a:ext uri="{FF2B5EF4-FFF2-40B4-BE49-F238E27FC236}">
-                <a16:creationId xmlns:a16="http://schemas.microsoft.com/office/drawing/2014/main" id="{86C740A7-E5B0-4D02-B488-F45DAC83C5F8}"/>
-              </a:ext>
-            </a:extLst>
-          </p:cNvPr>
-          <p:cNvCxnSpPr>
-            <a:cxnSpLocks/>
-          </p:cNvCxnSpPr>
-          <p:nvPr/>
-        </p:nvCxnSpPr>
-        <p:spPr>
-          <a:xfrm>
-            <a:off x="1158852" y="6837492"/>
-            <a:ext cx="10691813" cy="0"/>
-          </a:xfrm>
-          <a:prstGeom prst="line">
-            <a:avLst/>
-          </a:prstGeom>
-          <a:ln w="19050">
-            <a:solidFill>
-              <a:schemeClr val="accent1"/>
-            </a:solidFill>
-          </a:ln>
-        </p:spPr>
-        <p:style>
-          <a:lnRef idx="1">
-            <a:schemeClr val="accent1"/>
-          </a:lnRef>
-          <a:fillRef idx="0">
-            <a:schemeClr val="accent1"/>
-          </a:fillRef>
-          <a:effectRef idx="0">
-            <a:schemeClr val="accent1"/>
-          </a:effectRef>
-          <a:fontRef idx="minor">
-            <a:schemeClr val="tx1"/>
-          </a:fontRef>
-        </p:style>
-      </p:cxnSp>
-      <p:cxnSp>
-        <p:nvCxnSpPr>
-          <p:cNvPr id="39" name="직선 연결선 38">
-            <a:extLst>
-              <a:ext uri="{FF2B5EF4-FFF2-40B4-BE49-F238E27FC236}">
-                <a16:creationId xmlns:a16="http://schemas.microsoft.com/office/drawing/2014/main" id="{FFC65FE0-F79F-4898-A7D1-D06EF63A1E5E}"/>
-              </a:ext>
-            </a:extLst>
-          </p:cNvPr>
-          <p:cNvCxnSpPr>
-            <a:cxnSpLocks/>
-          </p:cNvCxnSpPr>
-          <p:nvPr/>
-        </p:nvCxnSpPr>
-        <p:spPr>
-          <a:xfrm>
-            <a:off x="1158852" y="8250372"/>
-            <a:ext cx="10691813" cy="0"/>
-          </a:xfrm>
-          <a:prstGeom prst="line">
-            <a:avLst/>
-          </a:prstGeom>
-          <a:ln w="19050">
-            <a:solidFill>
-              <a:schemeClr val="accent1"/>
-            </a:solidFill>
-          </a:ln>
-        </p:spPr>
-        <p:style>
-          <a:lnRef idx="1">
-            <a:schemeClr val="accent1"/>
-          </a:lnRef>
-          <a:fillRef idx="0">
-            <a:schemeClr val="accent1"/>
-          </a:fillRef>
-          <a:effectRef idx="0">
-            <a:schemeClr val="accent1"/>
-          </a:effectRef>
-          <a:fontRef idx="minor">
-            <a:schemeClr val="tx1"/>
-          </a:fontRef>
-        </p:style>
-      </p:cxnSp>
-      <p:cxnSp>
-        <p:nvCxnSpPr>
-          <p:cNvPr id="40" name="직선 연결선 39">
-            <a:extLst>
-              <a:ext uri="{FF2B5EF4-FFF2-40B4-BE49-F238E27FC236}">
-                <a16:creationId xmlns:a16="http://schemas.microsoft.com/office/drawing/2014/main" id="{75B030A0-89C0-487F-9660-A78EBF44623C}"/>
-              </a:ext>
-            </a:extLst>
-          </p:cNvPr>
-          <p:cNvCxnSpPr>
-            <a:cxnSpLocks/>
-          </p:cNvCxnSpPr>
-          <p:nvPr/>
-        </p:nvCxnSpPr>
-        <p:spPr>
-          <a:xfrm>
-            <a:off x="1158852" y="7781624"/>
-            <a:ext cx="10691813" cy="0"/>
-          </a:xfrm>
-          <a:prstGeom prst="line">
-            <a:avLst/>
-          </a:prstGeom>
-          <a:ln w="19050">
-            <a:solidFill>
-              <a:schemeClr val="accent1"/>
-            </a:solidFill>
-          </a:ln>
-        </p:spPr>
-        <p:style>
-          <a:lnRef idx="1">
-            <a:schemeClr val="accent1"/>
-          </a:lnRef>
-          <a:fillRef idx="0">
-            <a:schemeClr val="accent1"/>
-          </a:fillRef>
-          <a:effectRef idx="0">
-            <a:schemeClr val="accent1"/>
-          </a:effectRef>
-          <a:fontRef idx="minor">
-            <a:schemeClr val="tx1"/>
-          </a:fontRef>
-        </p:style>
-      </p:cxnSp>
-      <p:cxnSp>
-        <p:nvCxnSpPr>
-          <p:cNvPr id="41" name="직선 연결선 40">
-            <a:extLst>
-              <a:ext uri="{FF2B5EF4-FFF2-40B4-BE49-F238E27FC236}">
-                <a16:creationId xmlns:a16="http://schemas.microsoft.com/office/drawing/2014/main" id="{5743B5BF-9659-4F61-8F91-14C4EB9F3D8C}"/>
-              </a:ext>
-            </a:extLst>
-          </p:cNvPr>
-          <p:cNvCxnSpPr>
-            <a:cxnSpLocks/>
-          </p:cNvCxnSpPr>
-          <p:nvPr/>
-        </p:nvCxnSpPr>
-        <p:spPr>
-          <a:xfrm>
-            <a:off x="-11138" y="6346363"/>
-            <a:ext cx="0" cy="946800"/>
-          </a:xfrm>
-          <a:prstGeom prst="line">
-            <a:avLst/>
-          </a:prstGeom>
+            <a:off x="0" y="8729738"/>
+            <a:ext cx="13032000" cy="0"/>
+          </a:xfrm>
+          <a:prstGeom prst="line">
+            <a:avLst/>
+          </a:prstGeom>
+          <a:ln w="19050">
+            <a:solidFill>
+              <a:schemeClr val="bg1">
+                <a:lumMod val="85000"/>
+              </a:schemeClr>
+            </a:solidFill>
+          </a:ln>
         </p:spPr>
         <p:style>
           <a:lnRef idx="1">
@@ -4516,7 +4654,7 @@
     </p:spTree>
     <p:extLst>
       <p:ext uri="{BB962C8B-B14F-4D97-AF65-F5344CB8AC3E}">
-        <p14:creationId xmlns:p14="http://schemas.microsoft.com/office/powerpoint/2010/main" val="47534111"/>
+        <p14:creationId xmlns:p14="http://schemas.microsoft.com/office/powerpoint/2010/main" val="1876779842"/>
       </p:ext>
     </p:extLst>
   </p:cSld>
@@ -4553,46 +4691,7 @@
         </p:nvCxnSpPr>
         <p:spPr>
           <a:xfrm>
-            <a:off x="0" y="1179752"/>
-            <a:ext cx="13032000" cy="0"/>
-          </a:xfrm>
-          <a:prstGeom prst="line">
-            <a:avLst/>
-          </a:prstGeom>
-          <a:ln w="19050">
-            <a:solidFill>
-              <a:schemeClr val="bg1">
-                <a:lumMod val="85000"/>
-              </a:schemeClr>
-            </a:solidFill>
-          </a:ln>
-        </p:spPr>
-        <p:style>
-          <a:lnRef idx="1">
-            <a:schemeClr val="accent1"/>
-          </a:lnRef>
-          <a:fillRef idx="0">
-            <a:schemeClr val="accent1"/>
-          </a:fillRef>
-          <a:effectRef idx="0">
-            <a:schemeClr val="accent1"/>
-          </a:effectRef>
-          <a:fontRef idx="minor">
-            <a:schemeClr val="tx1"/>
-          </a:fontRef>
-        </p:style>
-      </p:cxnSp>
-      <p:cxnSp>
-        <p:nvCxnSpPr>
-          <p:cNvPr id="26" name="직선 연결선 25"/>
-          <p:cNvCxnSpPr>
-            <a:cxnSpLocks/>
-          </p:cNvCxnSpPr>
-          <p:nvPr/>
-        </p:nvCxnSpPr>
-        <p:spPr>
-          <a:xfrm>
-            <a:off x="0" y="701470"/>
+            <a:off x="0" y="542043"/>
             <a:ext cx="13032000" cy="0"/>
           </a:xfrm>
           <a:prstGeom prst="line">
@@ -4626,7 +4725,7 @@
           <p:cNvPr id="22" name="직선 연결선 21">
             <a:extLst>
               <a:ext uri="{FF2B5EF4-FFF2-40B4-BE49-F238E27FC236}">
-                <a16:creationId xmlns:a16="http://schemas.microsoft.com/office/drawing/2014/main" id="{195DAB8B-3F9D-4928-91EC-D7EB18D7B324}"/>
+                <a16:creationId xmlns:a16="http://schemas.microsoft.com/office/drawing/2014/main" xmlns="" id="{195DAB8B-3F9D-4928-91EC-D7EB18D7B324}"/>
               </a:ext>
             </a:extLst>
           </p:cNvPr>
@@ -4637,7 +4736,7 @@
         </p:nvCxnSpPr>
         <p:spPr>
           <a:xfrm>
-            <a:off x="0" y="2136316"/>
+            <a:off x="0" y="1626129"/>
             <a:ext cx="13032000" cy="0"/>
           </a:xfrm>
           <a:prstGeom prst="line">
@@ -4671,7 +4770,7 @@
           <p:cNvPr id="24" name="직선 연결선 23">
             <a:extLst>
               <a:ext uri="{FF2B5EF4-FFF2-40B4-BE49-F238E27FC236}">
-                <a16:creationId xmlns:a16="http://schemas.microsoft.com/office/drawing/2014/main" id="{5B122C34-A810-4B68-9FF6-2510C8748084}"/>
+                <a16:creationId xmlns:a16="http://schemas.microsoft.com/office/drawing/2014/main" xmlns="" id="{5B122C34-A810-4B68-9FF6-2510C8748084}"/>
               </a:ext>
             </a:extLst>
           </p:cNvPr>
@@ -4682,7 +4781,7 @@
         </p:nvCxnSpPr>
         <p:spPr>
           <a:xfrm>
-            <a:off x="0" y="1658034"/>
+            <a:off x="0" y="1084086"/>
             <a:ext cx="13032000" cy="0"/>
           </a:xfrm>
           <a:prstGeom prst="line">
@@ -4716,7 +4815,7 @@
           <p:cNvPr id="25" name="직선 연결선 24">
             <a:extLst>
               <a:ext uri="{FF2B5EF4-FFF2-40B4-BE49-F238E27FC236}">
-                <a16:creationId xmlns:a16="http://schemas.microsoft.com/office/drawing/2014/main" id="{0844810E-F48B-437D-B0D9-28EC66062631}"/>
+                <a16:creationId xmlns:a16="http://schemas.microsoft.com/office/drawing/2014/main" xmlns="" id="{0844810E-F48B-437D-B0D9-28EC66062631}"/>
               </a:ext>
             </a:extLst>
           </p:cNvPr>
@@ -4727,7 +4826,7 @@
         </p:nvCxnSpPr>
         <p:spPr>
           <a:xfrm>
-            <a:off x="0" y="3092880"/>
+            <a:off x="0" y="2710215"/>
             <a:ext cx="13032000" cy="0"/>
           </a:xfrm>
           <a:prstGeom prst="line">
@@ -4761,7 +4860,7 @@
           <p:cNvPr id="27" name="직선 연결선 26">
             <a:extLst>
               <a:ext uri="{FF2B5EF4-FFF2-40B4-BE49-F238E27FC236}">
-                <a16:creationId xmlns:a16="http://schemas.microsoft.com/office/drawing/2014/main" id="{9D58B9EE-95A9-4387-AA25-5092CDB84953}"/>
+                <a16:creationId xmlns:a16="http://schemas.microsoft.com/office/drawing/2014/main" xmlns="" id="{9D58B9EE-95A9-4387-AA25-5092CDB84953}"/>
               </a:ext>
             </a:extLst>
           </p:cNvPr>
@@ -4772,7 +4871,7 @@
         </p:nvCxnSpPr>
         <p:spPr>
           <a:xfrm>
-            <a:off x="0" y="2614598"/>
+            <a:off x="0" y="2168172"/>
             <a:ext cx="13032000" cy="0"/>
           </a:xfrm>
           <a:prstGeom prst="line">
@@ -4806,7 +4905,7 @@
           <p:cNvPr id="28" name="직선 연결선 27">
             <a:extLst>
               <a:ext uri="{FF2B5EF4-FFF2-40B4-BE49-F238E27FC236}">
-                <a16:creationId xmlns:a16="http://schemas.microsoft.com/office/drawing/2014/main" id="{C301EEDD-8185-4932-9D11-849ED6AAA53E}"/>
+                <a16:creationId xmlns:a16="http://schemas.microsoft.com/office/drawing/2014/main" xmlns="" id="{C301EEDD-8185-4932-9D11-849ED6AAA53E}"/>
               </a:ext>
             </a:extLst>
           </p:cNvPr>
@@ -4817,7 +4916,7 @@
         </p:nvCxnSpPr>
         <p:spPr>
           <a:xfrm>
-            <a:off x="0" y="4049444"/>
+            <a:off x="0" y="3794301"/>
             <a:ext cx="13032000" cy="0"/>
           </a:xfrm>
           <a:prstGeom prst="line">
@@ -4851,7 +4950,7 @@
           <p:cNvPr id="29" name="직선 연결선 28">
             <a:extLst>
               <a:ext uri="{FF2B5EF4-FFF2-40B4-BE49-F238E27FC236}">
-                <a16:creationId xmlns:a16="http://schemas.microsoft.com/office/drawing/2014/main" id="{1B1267B5-E1D2-4073-B33D-33B18FC8A640}"/>
+                <a16:creationId xmlns:a16="http://schemas.microsoft.com/office/drawing/2014/main" xmlns="" id="{1B1267B5-E1D2-4073-B33D-33B18FC8A640}"/>
               </a:ext>
             </a:extLst>
           </p:cNvPr>
@@ -4862,7 +4961,7 @@
         </p:nvCxnSpPr>
         <p:spPr>
           <a:xfrm>
-            <a:off x="0" y="3571162"/>
+            <a:off x="0" y="3252258"/>
             <a:ext cx="13032000" cy="0"/>
           </a:xfrm>
           <a:prstGeom prst="line">
@@ -4896,7 +4995,7 @@
           <p:cNvPr id="31" name="직선 연결선 30">
             <a:extLst>
               <a:ext uri="{FF2B5EF4-FFF2-40B4-BE49-F238E27FC236}">
-                <a16:creationId xmlns:a16="http://schemas.microsoft.com/office/drawing/2014/main" id="{2C656832-A46B-4176-8E05-91027B2DE449}"/>
+                <a16:creationId xmlns:a16="http://schemas.microsoft.com/office/drawing/2014/main" xmlns="" id="{2C656832-A46B-4176-8E05-91027B2DE449}"/>
               </a:ext>
             </a:extLst>
           </p:cNvPr>
@@ -4907,7 +5006,7 @@
         </p:nvCxnSpPr>
         <p:spPr>
           <a:xfrm>
-            <a:off x="0" y="4527726"/>
+            <a:off x="0" y="4336344"/>
             <a:ext cx="13032000" cy="0"/>
           </a:xfrm>
           <a:prstGeom prst="line">
@@ -4941,7 +5040,7 @@
           <p:cNvPr id="35" name="직선 연결선 34">
             <a:extLst>
               <a:ext uri="{FF2B5EF4-FFF2-40B4-BE49-F238E27FC236}">
-                <a16:creationId xmlns:a16="http://schemas.microsoft.com/office/drawing/2014/main" id="{F24123E2-FEA0-453D-B6FB-F397016ED8E3}"/>
+                <a16:creationId xmlns:a16="http://schemas.microsoft.com/office/drawing/2014/main" xmlns="" id="{F24123E2-FEA0-453D-B6FB-F397016ED8E3}"/>
               </a:ext>
             </a:extLst>
           </p:cNvPr>
@@ -4952,7 +5051,7 @@
         </p:nvCxnSpPr>
         <p:spPr>
           <a:xfrm>
-            <a:off x="0" y="5484290"/>
+            <a:off x="0" y="5420430"/>
             <a:ext cx="13032000" cy="0"/>
           </a:xfrm>
           <a:prstGeom prst="line">
@@ -4986,7 +5085,7 @@
           <p:cNvPr id="36" name="직선 연결선 35">
             <a:extLst>
               <a:ext uri="{FF2B5EF4-FFF2-40B4-BE49-F238E27FC236}">
-                <a16:creationId xmlns:a16="http://schemas.microsoft.com/office/drawing/2014/main" id="{ECDF1514-30A0-4008-99A5-B8EC4D94CBC0}"/>
+                <a16:creationId xmlns:a16="http://schemas.microsoft.com/office/drawing/2014/main" xmlns="" id="{ECDF1514-30A0-4008-99A5-B8EC4D94CBC0}"/>
               </a:ext>
             </a:extLst>
           </p:cNvPr>
@@ -4997,7 +5096,7 @@
         </p:nvCxnSpPr>
         <p:spPr>
           <a:xfrm>
-            <a:off x="0" y="5006008"/>
+            <a:off x="0" y="4878387"/>
             <a:ext cx="13032000" cy="0"/>
           </a:xfrm>
           <a:prstGeom prst="line">
@@ -5031,7 +5130,7 @@
           <p:cNvPr id="37" name="직선 연결선 36">
             <a:extLst>
               <a:ext uri="{FF2B5EF4-FFF2-40B4-BE49-F238E27FC236}">
-                <a16:creationId xmlns:a16="http://schemas.microsoft.com/office/drawing/2014/main" id="{6E9DBD09-A246-45B4-8B09-A328F2970F10}"/>
+                <a16:creationId xmlns:a16="http://schemas.microsoft.com/office/drawing/2014/main" xmlns="" id="{6E9DBD09-A246-45B4-8B09-A328F2970F10}"/>
               </a:ext>
             </a:extLst>
           </p:cNvPr>
@@ -5042,7 +5141,7 @@
         </p:nvCxnSpPr>
         <p:spPr>
           <a:xfrm>
-            <a:off x="0" y="6440854"/>
+            <a:off x="0" y="6504516"/>
             <a:ext cx="13032000" cy="0"/>
           </a:xfrm>
           <a:prstGeom prst="line">
@@ -5076,7 +5175,7 @@
           <p:cNvPr id="38" name="직선 연결선 37">
             <a:extLst>
               <a:ext uri="{FF2B5EF4-FFF2-40B4-BE49-F238E27FC236}">
-                <a16:creationId xmlns:a16="http://schemas.microsoft.com/office/drawing/2014/main" id="{86C740A7-E5B0-4D02-B488-F45DAC83C5F8}"/>
+                <a16:creationId xmlns:a16="http://schemas.microsoft.com/office/drawing/2014/main" xmlns="" id="{86C740A7-E5B0-4D02-B488-F45DAC83C5F8}"/>
               </a:ext>
             </a:extLst>
           </p:cNvPr>
@@ -5087,7 +5186,7 @@
         </p:nvCxnSpPr>
         <p:spPr>
           <a:xfrm>
-            <a:off x="0" y="5962572"/>
+            <a:off x="0" y="5962473"/>
             <a:ext cx="13032000" cy="0"/>
           </a:xfrm>
           <a:prstGeom prst="line">
@@ -5121,7 +5220,7 @@
           <p:cNvPr id="39" name="직선 연결선 38">
             <a:extLst>
               <a:ext uri="{FF2B5EF4-FFF2-40B4-BE49-F238E27FC236}">
-                <a16:creationId xmlns:a16="http://schemas.microsoft.com/office/drawing/2014/main" id="{FFC65FE0-F79F-4898-A7D1-D06EF63A1E5E}"/>
+                <a16:creationId xmlns:a16="http://schemas.microsoft.com/office/drawing/2014/main" xmlns="" id="{FFC65FE0-F79F-4898-A7D1-D06EF63A1E5E}"/>
               </a:ext>
             </a:extLst>
           </p:cNvPr>
@@ -5132,7 +5231,7 @@
         </p:nvCxnSpPr>
         <p:spPr>
           <a:xfrm>
-            <a:off x="0" y="7397418"/>
+            <a:off x="0" y="7588602"/>
             <a:ext cx="13032000" cy="0"/>
           </a:xfrm>
           <a:prstGeom prst="line">
@@ -5166,7 +5265,7 @@
           <p:cNvPr id="40" name="직선 연결선 39">
             <a:extLst>
               <a:ext uri="{FF2B5EF4-FFF2-40B4-BE49-F238E27FC236}">
-                <a16:creationId xmlns:a16="http://schemas.microsoft.com/office/drawing/2014/main" id="{75B030A0-89C0-487F-9660-A78EBF44623C}"/>
+                <a16:creationId xmlns:a16="http://schemas.microsoft.com/office/drawing/2014/main" xmlns="" id="{75B030A0-89C0-487F-9660-A78EBF44623C}"/>
               </a:ext>
             </a:extLst>
           </p:cNvPr>
@@ -5177,7 +5276,7 @@
         </p:nvCxnSpPr>
         <p:spPr>
           <a:xfrm>
-            <a:off x="0" y="6919136"/>
+            <a:off x="0" y="7046559"/>
             <a:ext cx="13032000" cy="0"/>
           </a:xfrm>
           <a:prstGeom prst="line">
@@ -5211,7 +5310,7 @@
           <p:cNvPr id="18" name="직선 연결선 17">
             <a:extLst>
               <a:ext uri="{FF2B5EF4-FFF2-40B4-BE49-F238E27FC236}">
-                <a16:creationId xmlns:a16="http://schemas.microsoft.com/office/drawing/2014/main" id="{2CDE6C41-C510-4345-AADD-7065230F4662}"/>
+                <a16:creationId xmlns:a16="http://schemas.microsoft.com/office/drawing/2014/main" xmlns="" id="{2CDE6C41-C510-4345-AADD-7065230F4662}"/>
               </a:ext>
             </a:extLst>
           </p:cNvPr>
@@ -5222,7 +5321,7 @@
         </p:nvCxnSpPr>
         <p:spPr>
           <a:xfrm>
-            <a:off x="0" y="7875700"/>
+            <a:off x="0" y="8130645"/>
             <a:ext cx="13032000" cy="0"/>
           </a:xfrm>
           <a:prstGeom prst="line">
@@ -5256,7 +5355,7 @@
           <p:cNvPr id="19" name="직선 연결선 18">
             <a:extLst>
               <a:ext uri="{FF2B5EF4-FFF2-40B4-BE49-F238E27FC236}">
-                <a16:creationId xmlns:a16="http://schemas.microsoft.com/office/drawing/2014/main" id="{574F79F0-7B10-4950-BBBB-EDD9D3862FC0}"/>
+                <a16:creationId xmlns:a16="http://schemas.microsoft.com/office/drawing/2014/main" xmlns="" id="{574F79F0-7B10-4950-BBBB-EDD9D3862FC0}"/>
               </a:ext>
             </a:extLst>
           </p:cNvPr>
@@ -5267,41 +5366,41 @@
         </p:nvCxnSpPr>
         <p:spPr>
           <a:xfrm>
-            <a:off x="0" y="8353982"/>
-            <a:ext cx="13032000" cy="0"/>
-          </a:xfrm>
-          <a:prstGeom prst="line">
-            <a:avLst/>
-          </a:prstGeom>
-          <a:ln w="19050">
-            <a:solidFill>
-              <a:schemeClr val="bg1">
-                <a:lumMod val="85000"/>
-              </a:schemeClr>
-            </a:solidFill>
-          </a:ln>
-        </p:spPr>
-        <p:style>
-          <a:lnRef idx="1">
-            <a:schemeClr val="accent1"/>
-          </a:lnRef>
-          <a:fillRef idx="0">
-            <a:schemeClr val="accent1"/>
-          </a:fillRef>
-          <a:effectRef idx="0">
-            <a:schemeClr val="accent1"/>
-          </a:effectRef>
-          <a:fontRef idx="minor">
-            <a:schemeClr val="tx1"/>
-          </a:fontRef>
-        </p:style>
-      </p:cxnSp>
-      <p:cxnSp>
-        <p:nvCxnSpPr>
-          <p:cNvPr id="20" name="직선 연결선 19">
+            <a:off x="0" y="8672688"/>
+            <a:ext cx="13032000" cy="0"/>
+          </a:xfrm>
+          <a:prstGeom prst="line">
+            <a:avLst/>
+          </a:prstGeom>
+          <a:ln w="19050">
+            <a:solidFill>
+              <a:schemeClr val="bg1">
+                <a:lumMod val="85000"/>
+              </a:schemeClr>
+            </a:solidFill>
+          </a:ln>
+        </p:spPr>
+        <p:style>
+          <a:lnRef idx="1">
+            <a:schemeClr val="accent1"/>
+          </a:lnRef>
+          <a:fillRef idx="0">
+            <a:schemeClr val="accent1"/>
+          </a:fillRef>
+          <a:effectRef idx="0">
+            <a:schemeClr val="accent1"/>
+          </a:effectRef>
+          <a:fontRef idx="minor">
+            <a:schemeClr val="tx1"/>
+          </a:fontRef>
+        </p:style>
+      </p:cxnSp>
+      <p:cxnSp>
+        <p:nvCxnSpPr>
+          <p:cNvPr id="23" name="직선 연결선 22">
             <a:extLst>
               <a:ext uri="{FF2B5EF4-FFF2-40B4-BE49-F238E27FC236}">
-                <a16:creationId xmlns:a16="http://schemas.microsoft.com/office/drawing/2014/main" id="{8FA7892D-9D03-48BF-9483-280C92EF5612}"/>
+                <a16:creationId xmlns:a16="http://schemas.microsoft.com/office/drawing/2014/main" xmlns="" id="{BFD66220-54AF-49E0-B64F-069BE011AB74}"/>
               </a:ext>
             </a:extLst>
           </p:cNvPr>
@@ -5312,41 +5411,110 @@
         </p:nvCxnSpPr>
         <p:spPr>
           <a:xfrm>
-            <a:off x="0" y="9310543"/>
-            <a:ext cx="13032000" cy="0"/>
-          </a:xfrm>
-          <a:prstGeom prst="line">
-            <a:avLst/>
-          </a:prstGeom>
-          <a:ln w="19050">
-            <a:solidFill>
-              <a:schemeClr val="bg1">
-                <a:lumMod val="85000"/>
-              </a:schemeClr>
-            </a:solidFill>
-          </a:ln>
-        </p:spPr>
-        <p:style>
-          <a:lnRef idx="1">
-            <a:schemeClr val="accent1"/>
-          </a:lnRef>
-          <a:fillRef idx="0">
-            <a:schemeClr val="accent1"/>
-          </a:fillRef>
-          <a:effectRef idx="0">
-            <a:schemeClr val="accent1"/>
-          </a:effectRef>
-          <a:fontRef idx="minor">
-            <a:schemeClr val="tx1"/>
-          </a:fontRef>
-        </p:style>
-      </p:cxnSp>
-      <p:cxnSp>
-        <p:nvCxnSpPr>
-          <p:cNvPr id="23" name="직선 연결선 22">
+            <a:off x="0" y="9214731"/>
+            <a:ext cx="13032000" cy="0"/>
+          </a:xfrm>
+          <a:prstGeom prst="line">
+            <a:avLst/>
+          </a:prstGeom>
+          <a:ln w="19050">
+            <a:solidFill>
+              <a:schemeClr val="bg1">
+                <a:lumMod val="85000"/>
+              </a:schemeClr>
+            </a:solidFill>
+          </a:ln>
+        </p:spPr>
+        <p:style>
+          <a:lnRef idx="1">
+            <a:schemeClr val="accent1"/>
+          </a:lnRef>
+          <a:fillRef idx="0">
+            <a:schemeClr val="accent1"/>
+          </a:fillRef>
+          <a:effectRef idx="0">
+            <a:schemeClr val="accent1"/>
+          </a:effectRef>
+          <a:fontRef idx="minor">
+            <a:schemeClr val="tx1"/>
+          </a:fontRef>
+        </p:style>
+      </p:cxnSp>
+    </p:spTree>
+    <p:extLst>
+      <p:ext uri="{BB962C8B-B14F-4D97-AF65-F5344CB8AC3E}">
+        <p14:creationId xmlns:p14="http://schemas.microsoft.com/office/powerpoint/2010/main" val="610570907"/>
+      </p:ext>
+    </p:extLst>
+  </p:cSld>
+  <p:clrMapOvr>
+    <a:masterClrMapping/>
+  </p:clrMapOvr>
+</p:sld>
+</file>
+
+<file path=ppt/slides/slide4.xml><?xml version="1.0" encoding="utf-8"?>
+<p:sld xmlns:a="http://schemas.openxmlformats.org/drawingml/2006/main" xmlns:r="http://schemas.openxmlformats.org/officeDocument/2006/relationships" xmlns:p="http://schemas.openxmlformats.org/presentationml/2006/main">
+  <p:cSld>
+    <p:spTree>
+      <p:nvGrpSpPr>
+        <p:cNvPr id="1" name=""/>
+        <p:cNvGrpSpPr/>
+        <p:nvPr/>
+      </p:nvGrpSpPr>
+      <p:grpSpPr>
+        <a:xfrm>
+          <a:off x="0" y="0"/>
+          <a:ext cx="0" cy="0"/>
+          <a:chOff x="0" y="0"/>
+          <a:chExt cx="0" cy="0"/>
+        </a:xfrm>
+      </p:grpSpPr>
+      <p:cxnSp>
+        <p:nvCxnSpPr>
+          <p:cNvPr id="21" name="직선 연결선 20"/>
+          <p:cNvCxnSpPr>
+            <a:cxnSpLocks/>
+          </p:cNvCxnSpPr>
+          <p:nvPr/>
+        </p:nvCxnSpPr>
+        <p:spPr>
+          <a:xfrm>
+            <a:off x="0" y="609798"/>
+            <a:ext cx="13032000" cy="0"/>
+          </a:xfrm>
+          <a:prstGeom prst="line">
+            <a:avLst/>
+          </a:prstGeom>
+          <a:ln w="19050">
+            <a:solidFill>
+              <a:schemeClr val="bg1">
+                <a:lumMod val="85000"/>
+              </a:schemeClr>
+            </a:solidFill>
+          </a:ln>
+        </p:spPr>
+        <p:style>
+          <a:lnRef idx="1">
+            <a:schemeClr val="accent1"/>
+          </a:lnRef>
+          <a:fillRef idx="0">
+            <a:schemeClr val="accent1"/>
+          </a:fillRef>
+          <a:effectRef idx="0">
+            <a:schemeClr val="accent1"/>
+          </a:effectRef>
+          <a:fontRef idx="minor">
+            <a:schemeClr val="tx1"/>
+          </a:fontRef>
+        </p:style>
+      </p:cxnSp>
+      <p:cxnSp>
+        <p:nvCxnSpPr>
+          <p:cNvPr id="22" name="직선 연결선 21">
             <a:extLst>
               <a:ext uri="{FF2B5EF4-FFF2-40B4-BE49-F238E27FC236}">
-                <a16:creationId xmlns:a16="http://schemas.microsoft.com/office/drawing/2014/main" id="{BFD66220-54AF-49E0-B64F-069BE011AB74}"/>
+                <a16:creationId xmlns:a16="http://schemas.microsoft.com/office/drawing/2014/main" xmlns="" id="{195DAB8B-3F9D-4928-91EC-D7EB18D7B324}"/>
               </a:ext>
             </a:extLst>
           </p:cNvPr>
@@ -5357,7 +5525,592 @@
         </p:nvCxnSpPr>
         <p:spPr>
           <a:xfrm>
-            <a:off x="0" y="8832264"/>
+            <a:off x="0" y="1829394"/>
+            <a:ext cx="13032000" cy="0"/>
+          </a:xfrm>
+          <a:prstGeom prst="line">
+            <a:avLst/>
+          </a:prstGeom>
+          <a:ln w="19050">
+            <a:solidFill>
+              <a:schemeClr val="bg1">
+                <a:lumMod val="85000"/>
+              </a:schemeClr>
+            </a:solidFill>
+          </a:ln>
+        </p:spPr>
+        <p:style>
+          <a:lnRef idx="1">
+            <a:schemeClr val="accent1"/>
+          </a:lnRef>
+          <a:fillRef idx="0">
+            <a:schemeClr val="accent1"/>
+          </a:fillRef>
+          <a:effectRef idx="0">
+            <a:schemeClr val="accent1"/>
+          </a:effectRef>
+          <a:fontRef idx="minor">
+            <a:schemeClr val="tx1"/>
+          </a:fontRef>
+        </p:style>
+      </p:cxnSp>
+      <p:cxnSp>
+        <p:nvCxnSpPr>
+          <p:cNvPr id="24" name="직선 연결선 23">
+            <a:extLst>
+              <a:ext uri="{FF2B5EF4-FFF2-40B4-BE49-F238E27FC236}">
+                <a16:creationId xmlns:a16="http://schemas.microsoft.com/office/drawing/2014/main" xmlns="" id="{5B122C34-A810-4B68-9FF6-2510C8748084}"/>
+              </a:ext>
+            </a:extLst>
+          </p:cNvPr>
+          <p:cNvCxnSpPr>
+            <a:cxnSpLocks/>
+          </p:cNvCxnSpPr>
+          <p:nvPr/>
+        </p:nvCxnSpPr>
+        <p:spPr>
+          <a:xfrm>
+            <a:off x="0" y="1219596"/>
+            <a:ext cx="13032000" cy="0"/>
+          </a:xfrm>
+          <a:prstGeom prst="line">
+            <a:avLst/>
+          </a:prstGeom>
+          <a:ln w="19050">
+            <a:solidFill>
+              <a:schemeClr val="bg1">
+                <a:lumMod val="85000"/>
+              </a:schemeClr>
+            </a:solidFill>
+          </a:ln>
+        </p:spPr>
+        <p:style>
+          <a:lnRef idx="1">
+            <a:schemeClr val="accent1"/>
+          </a:lnRef>
+          <a:fillRef idx="0">
+            <a:schemeClr val="accent1"/>
+          </a:fillRef>
+          <a:effectRef idx="0">
+            <a:schemeClr val="accent1"/>
+          </a:effectRef>
+          <a:fontRef idx="minor">
+            <a:schemeClr val="tx1"/>
+          </a:fontRef>
+        </p:style>
+      </p:cxnSp>
+      <p:cxnSp>
+        <p:nvCxnSpPr>
+          <p:cNvPr id="25" name="직선 연결선 24">
+            <a:extLst>
+              <a:ext uri="{FF2B5EF4-FFF2-40B4-BE49-F238E27FC236}">
+                <a16:creationId xmlns:a16="http://schemas.microsoft.com/office/drawing/2014/main" xmlns="" id="{0844810E-F48B-437D-B0D9-28EC66062631}"/>
+              </a:ext>
+            </a:extLst>
+          </p:cNvPr>
+          <p:cNvCxnSpPr>
+            <a:cxnSpLocks/>
+          </p:cNvCxnSpPr>
+          <p:nvPr/>
+        </p:nvCxnSpPr>
+        <p:spPr>
+          <a:xfrm>
+            <a:off x="0" y="3048990"/>
+            <a:ext cx="13032000" cy="0"/>
+          </a:xfrm>
+          <a:prstGeom prst="line">
+            <a:avLst/>
+          </a:prstGeom>
+          <a:ln w="19050">
+            <a:solidFill>
+              <a:schemeClr val="bg1">
+                <a:lumMod val="85000"/>
+              </a:schemeClr>
+            </a:solidFill>
+          </a:ln>
+        </p:spPr>
+        <p:style>
+          <a:lnRef idx="1">
+            <a:schemeClr val="accent1"/>
+          </a:lnRef>
+          <a:fillRef idx="0">
+            <a:schemeClr val="accent1"/>
+          </a:fillRef>
+          <a:effectRef idx="0">
+            <a:schemeClr val="accent1"/>
+          </a:effectRef>
+          <a:fontRef idx="minor">
+            <a:schemeClr val="tx1"/>
+          </a:fontRef>
+        </p:style>
+      </p:cxnSp>
+      <p:cxnSp>
+        <p:nvCxnSpPr>
+          <p:cNvPr id="27" name="직선 연결선 26">
+            <a:extLst>
+              <a:ext uri="{FF2B5EF4-FFF2-40B4-BE49-F238E27FC236}">
+                <a16:creationId xmlns:a16="http://schemas.microsoft.com/office/drawing/2014/main" xmlns="" id="{9D58B9EE-95A9-4387-AA25-5092CDB84953}"/>
+              </a:ext>
+            </a:extLst>
+          </p:cNvPr>
+          <p:cNvCxnSpPr>
+            <a:cxnSpLocks/>
+          </p:cNvCxnSpPr>
+          <p:nvPr/>
+        </p:nvCxnSpPr>
+        <p:spPr>
+          <a:xfrm>
+            <a:off x="0" y="2439192"/>
+            <a:ext cx="13032000" cy="0"/>
+          </a:xfrm>
+          <a:prstGeom prst="line">
+            <a:avLst/>
+          </a:prstGeom>
+          <a:ln w="19050">
+            <a:solidFill>
+              <a:schemeClr val="bg1">
+                <a:lumMod val="85000"/>
+              </a:schemeClr>
+            </a:solidFill>
+          </a:ln>
+        </p:spPr>
+        <p:style>
+          <a:lnRef idx="1">
+            <a:schemeClr val="accent1"/>
+          </a:lnRef>
+          <a:fillRef idx="0">
+            <a:schemeClr val="accent1"/>
+          </a:fillRef>
+          <a:effectRef idx="0">
+            <a:schemeClr val="accent1"/>
+          </a:effectRef>
+          <a:fontRef idx="minor">
+            <a:schemeClr val="tx1"/>
+          </a:fontRef>
+        </p:style>
+      </p:cxnSp>
+      <p:cxnSp>
+        <p:nvCxnSpPr>
+          <p:cNvPr id="28" name="직선 연결선 27">
+            <a:extLst>
+              <a:ext uri="{FF2B5EF4-FFF2-40B4-BE49-F238E27FC236}">
+                <a16:creationId xmlns:a16="http://schemas.microsoft.com/office/drawing/2014/main" xmlns="" id="{C301EEDD-8185-4932-9D11-849ED6AAA53E}"/>
+              </a:ext>
+            </a:extLst>
+          </p:cNvPr>
+          <p:cNvCxnSpPr>
+            <a:cxnSpLocks/>
+          </p:cNvCxnSpPr>
+          <p:nvPr/>
+        </p:nvCxnSpPr>
+        <p:spPr>
+          <a:xfrm>
+            <a:off x="0" y="4268586"/>
+            <a:ext cx="13032000" cy="0"/>
+          </a:xfrm>
+          <a:prstGeom prst="line">
+            <a:avLst/>
+          </a:prstGeom>
+          <a:ln w="19050">
+            <a:solidFill>
+              <a:schemeClr val="bg1">
+                <a:lumMod val="85000"/>
+              </a:schemeClr>
+            </a:solidFill>
+          </a:ln>
+        </p:spPr>
+        <p:style>
+          <a:lnRef idx="1">
+            <a:schemeClr val="accent1"/>
+          </a:lnRef>
+          <a:fillRef idx="0">
+            <a:schemeClr val="accent1"/>
+          </a:fillRef>
+          <a:effectRef idx="0">
+            <a:schemeClr val="accent1"/>
+          </a:effectRef>
+          <a:fontRef idx="minor">
+            <a:schemeClr val="tx1"/>
+          </a:fontRef>
+        </p:style>
+      </p:cxnSp>
+      <p:cxnSp>
+        <p:nvCxnSpPr>
+          <p:cNvPr id="29" name="직선 연결선 28">
+            <a:extLst>
+              <a:ext uri="{FF2B5EF4-FFF2-40B4-BE49-F238E27FC236}">
+                <a16:creationId xmlns:a16="http://schemas.microsoft.com/office/drawing/2014/main" xmlns="" id="{1B1267B5-E1D2-4073-B33D-33B18FC8A640}"/>
+              </a:ext>
+            </a:extLst>
+          </p:cNvPr>
+          <p:cNvCxnSpPr>
+            <a:cxnSpLocks/>
+          </p:cNvCxnSpPr>
+          <p:nvPr/>
+        </p:nvCxnSpPr>
+        <p:spPr>
+          <a:xfrm>
+            <a:off x="0" y="3658788"/>
+            <a:ext cx="13032000" cy="0"/>
+          </a:xfrm>
+          <a:prstGeom prst="line">
+            <a:avLst/>
+          </a:prstGeom>
+          <a:ln w="19050">
+            <a:solidFill>
+              <a:schemeClr val="bg1">
+                <a:lumMod val="85000"/>
+              </a:schemeClr>
+            </a:solidFill>
+          </a:ln>
+        </p:spPr>
+        <p:style>
+          <a:lnRef idx="1">
+            <a:schemeClr val="accent1"/>
+          </a:lnRef>
+          <a:fillRef idx="0">
+            <a:schemeClr val="accent1"/>
+          </a:fillRef>
+          <a:effectRef idx="0">
+            <a:schemeClr val="accent1"/>
+          </a:effectRef>
+          <a:fontRef idx="minor">
+            <a:schemeClr val="tx1"/>
+          </a:fontRef>
+        </p:style>
+      </p:cxnSp>
+      <p:cxnSp>
+        <p:nvCxnSpPr>
+          <p:cNvPr id="31" name="직선 연결선 30">
+            <a:extLst>
+              <a:ext uri="{FF2B5EF4-FFF2-40B4-BE49-F238E27FC236}">
+                <a16:creationId xmlns:a16="http://schemas.microsoft.com/office/drawing/2014/main" xmlns="" id="{2C656832-A46B-4176-8E05-91027B2DE449}"/>
+              </a:ext>
+            </a:extLst>
+          </p:cNvPr>
+          <p:cNvCxnSpPr>
+            <a:cxnSpLocks/>
+          </p:cNvCxnSpPr>
+          <p:nvPr/>
+        </p:nvCxnSpPr>
+        <p:spPr>
+          <a:xfrm>
+            <a:off x="0" y="4878384"/>
+            <a:ext cx="13032000" cy="0"/>
+          </a:xfrm>
+          <a:prstGeom prst="line">
+            <a:avLst/>
+          </a:prstGeom>
+          <a:ln w="19050">
+            <a:solidFill>
+              <a:schemeClr val="bg1">
+                <a:lumMod val="85000"/>
+              </a:schemeClr>
+            </a:solidFill>
+          </a:ln>
+        </p:spPr>
+        <p:style>
+          <a:lnRef idx="1">
+            <a:schemeClr val="accent1"/>
+          </a:lnRef>
+          <a:fillRef idx="0">
+            <a:schemeClr val="accent1"/>
+          </a:fillRef>
+          <a:effectRef idx="0">
+            <a:schemeClr val="accent1"/>
+          </a:effectRef>
+          <a:fontRef idx="minor">
+            <a:schemeClr val="tx1"/>
+          </a:fontRef>
+        </p:style>
+      </p:cxnSp>
+      <p:cxnSp>
+        <p:nvCxnSpPr>
+          <p:cNvPr id="35" name="직선 연결선 34">
+            <a:extLst>
+              <a:ext uri="{FF2B5EF4-FFF2-40B4-BE49-F238E27FC236}">
+                <a16:creationId xmlns:a16="http://schemas.microsoft.com/office/drawing/2014/main" xmlns="" id="{F24123E2-FEA0-453D-B6FB-F397016ED8E3}"/>
+              </a:ext>
+            </a:extLst>
+          </p:cNvPr>
+          <p:cNvCxnSpPr>
+            <a:cxnSpLocks/>
+          </p:cNvCxnSpPr>
+          <p:nvPr/>
+        </p:nvCxnSpPr>
+        <p:spPr>
+          <a:xfrm>
+            <a:off x="0" y="6097980"/>
+            <a:ext cx="13032000" cy="0"/>
+          </a:xfrm>
+          <a:prstGeom prst="line">
+            <a:avLst/>
+          </a:prstGeom>
+          <a:ln w="19050">
+            <a:solidFill>
+              <a:schemeClr val="bg1">
+                <a:lumMod val="85000"/>
+              </a:schemeClr>
+            </a:solidFill>
+          </a:ln>
+        </p:spPr>
+        <p:style>
+          <a:lnRef idx="1">
+            <a:schemeClr val="accent1"/>
+          </a:lnRef>
+          <a:fillRef idx="0">
+            <a:schemeClr val="accent1"/>
+          </a:fillRef>
+          <a:effectRef idx="0">
+            <a:schemeClr val="accent1"/>
+          </a:effectRef>
+          <a:fontRef idx="minor">
+            <a:schemeClr val="tx1"/>
+          </a:fontRef>
+        </p:style>
+      </p:cxnSp>
+      <p:cxnSp>
+        <p:nvCxnSpPr>
+          <p:cNvPr id="36" name="직선 연결선 35">
+            <a:extLst>
+              <a:ext uri="{FF2B5EF4-FFF2-40B4-BE49-F238E27FC236}">
+                <a16:creationId xmlns:a16="http://schemas.microsoft.com/office/drawing/2014/main" xmlns="" id="{ECDF1514-30A0-4008-99A5-B8EC4D94CBC0}"/>
+              </a:ext>
+            </a:extLst>
+          </p:cNvPr>
+          <p:cNvCxnSpPr>
+            <a:cxnSpLocks/>
+          </p:cNvCxnSpPr>
+          <p:nvPr/>
+        </p:nvCxnSpPr>
+        <p:spPr>
+          <a:xfrm>
+            <a:off x="0" y="5488182"/>
+            <a:ext cx="13032000" cy="0"/>
+          </a:xfrm>
+          <a:prstGeom prst="line">
+            <a:avLst/>
+          </a:prstGeom>
+          <a:ln w="19050">
+            <a:solidFill>
+              <a:schemeClr val="bg1">
+                <a:lumMod val="85000"/>
+              </a:schemeClr>
+            </a:solidFill>
+          </a:ln>
+        </p:spPr>
+        <p:style>
+          <a:lnRef idx="1">
+            <a:schemeClr val="accent1"/>
+          </a:lnRef>
+          <a:fillRef idx="0">
+            <a:schemeClr val="accent1"/>
+          </a:fillRef>
+          <a:effectRef idx="0">
+            <a:schemeClr val="accent1"/>
+          </a:effectRef>
+          <a:fontRef idx="minor">
+            <a:schemeClr val="tx1"/>
+          </a:fontRef>
+        </p:style>
+      </p:cxnSp>
+      <p:cxnSp>
+        <p:nvCxnSpPr>
+          <p:cNvPr id="37" name="직선 연결선 36">
+            <a:extLst>
+              <a:ext uri="{FF2B5EF4-FFF2-40B4-BE49-F238E27FC236}">
+                <a16:creationId xmlns:a16="http://schemas.microsoft.com/office/drawing/2014/main" xmlns="" id="{6E9DBD09-A246-45B4-8B09-A328F2970F10}"/>
+              </a:ext>
+            </a:extLst>
+          </p:cNvPr>
+          <p:cNvCxnSpPr>
+            <a:cxnSpLocks/>
+          </p:cNvCxnSpPr>
+          <p:nvPr/>
+        </p:nvCxnSpPr>
+        <p:spPr>
+          <a:xfrm>
+            <a:off x="0" y="7317576"/>
+            <a:ext cx="13032000" cy="0"/>
+          </a:xfrm>
+          <a:prstGeom prst="line">
+            <a:avLst/>
+          </a:prstGeom>
+          <a:ln w="19050">
+            <a:solidFill>
+              <a:schemeClr val="bg1">
+                <a:lumMod val="85000"/>
+              </a:schemeClr>
+            </a:solidFill>
+          </a:ln>
+        </p:spPr>
+        <p:style>
+          <a:lnRef idx="1">
+            <a:schemeClr val="accent1"/>
+          </a:lnRef>
+          <a:fillRef idx="0">
+            <a:schemeClr val="accent1"/>
+          </a:fillRef>
+          <a:effectRef idx="0">
+            <a:schemeClr val="accent1"/>
+          </a:effectRef>
+          <a:fontRef idx="minor">
+            <a:schemeClr val="tx1"/>
+          </a:fontRef>
+        </p:style>
+      </p:cxnSp>
+      <p:cxnSp>
+        <p:nvCxnSpPr>
+          <p:cNvPr id="38" name="직선 연결선 37">
+            <a:extLst>
+              <a:ext uri="{FF2B5EF4-FFF2-40B4-BE49-F238E27FC236}">
+                <a16:creationId xmlns:a16="http://schemas.microsoft.com/office/drawing/2014/main" xmlns="" id="{86C740A7-E5B0-4D02-B488-F45DAC83C5F8}"/>
+              </a:ext>
+            </a:extLst>
+          </p:cNvPr>
+          <p:cNvCxnSpPr>
+            <a:cxnSpLocks/>
+          </p:cNvCxnSpPr>
+          <p:nvPr/>
+        </p:nvCxnSpPr>
+        <p:spPr>
+          <a:xfrm>
+            <a:off x="0" y="6707778"/>
+            <a:ext cx="13032000" cy="0"/>
+          </a:xfrm>
+          <a:prstGeom prst="line">
+            <a:avLst/>
+          </a:prstGeom>
+          <a:ln w="19050">
+            <a:solidFill>
+              <a:schemeClr val="bg1">
+                <a:lumMod val="85000"/>
+              </a:schemeClr>
+            </a:solidFill>
+          </a:ln>
+        </p:spPr>
+        <p:style>
+          <a:lnRef idx="1">
+            <a:schemeClr val="accent1"/>
+          </a:lnRef>
+          <a:fillRef idx="0">
+            <a:schemeClr val="accent1"/>
+          </a:fillRef>
+          <a:effectRef idx="0">
+            <a:schemeClr val="accent1"/>
+          </a:effectRef>
+          <a:fontRef idx="minor">
+            <a:schemeClr val="tx1"/>
+          </a:fontRef>
+        </p:style>
+      </p:cxnSp>
+      <p:cxnSp>
+        <p:nvCxnSpPr>
+          <p:cNvPr id="39" name="직선 연결선 38">
+            <a:extLst>
+              <a:ext uri="{FF2B5EF4-FFF2-40B4-BE49-F238E27FC236}">
+                <a16:creationId xmlns:a16="http://schemas.microsoft.com/office/drawing/2014/main" xmlns="" id="{FFC65FE0-F79F-4898-A7D1-D06EF63A1E5E}"/>
+              </a:ext>
+            </a:extLst>
+          </p:cNvPr>
+          <p:cNvCxnSpPr>
+            <a:cxnSpLocks/>
+          </p:cNvCxnSpPr>
+          <p:nvPr/>
+        </p:nvCxnSpPr>
+        <p:spPr>
+          <a:xfrm>
+            <a:off x="0" y="8537172"/>
+            <a:ext cx="13032000" cy="0"/>
+          </a:xfrm>
+          <a:prstGeom prst="line">
+            <a:avLst/>
+          </a:prstGeom>
+          <a:ln w="19050">
+            <a:solidFill>
+              <a:schemeClr val="bg1">
+                <a:lumMod val="85000"/>
+              </a:schemeClr>
+            </a:solidFill>
+          </a:ln>
+        </p:spPr>
+        <p:style>
+          <a:lnRef idx="1">
+            <a:schemeClr val="accent1"/>
+          </a:lnRef>
+          <a:fillRef idx="0">
+            <a:schemeClr val="accent1"/>
+          </a:fillRef>
+          <a:effectRef idx="0">
+            <a:schemeClr val="accent1"/>
+          </a:effectRef>
+          <a:fontRef idx="minor">
+            <a:schemeClr val="tx1"/>
+          </a:fontRef>
+        </p:style>
+      </p:cxnSp>
+      <p:cxnSp>
+        <p:nvCxnSpPr>
+          <p:cNvPr id="40" name="직선 연결선 39">
+            <a:extLst>
+              <a:ext uri="{FF2B5EF4-FFF2-40B4-BE49-F238E27FC236}">
+                <a16:creationId xmlns:a16="http://schemas.microsoft.com/office/drawing/2014/main" xmlns="" id="{75B030A0-89C0-487F-9660-A78EBF44623C}"/>
+              </a:ext>
+            </a:extLst>
+          </p:cNvPr>
+          <p:cNvCxnSpPr>
+            <a:cxnSpLocks/>
+          </p:cNvCxnSpPr>
+          <p:nvPr/>
+        </p:nvCxnSpPr>
+        <p:spPr>
+          <a:xfrm>
+            <a:off x="0" y="7927374"/>
+            <a:ext cx="13032000" cy="0"/>
+          </a:xfrm>
+          <a:prstGeom prst="line">
+            <a:avLst/>
+          </a:prstGeom>
+          <a:ln w="19050">
+            <a:solidFill>
+              <a:schemeClr val="bg1">
+                <a:lumMod val="85000"/>
+              </a:schemeClr>
+            </a:solidFill>
+          </a:ln>
+        </p:spPr>
+        <p:style>
+          <a:lnRef idx="1">
+            <a:schemeClr val="accent1"/>
+          </a:lnRef>
+          <a:fillRef idx="0">
+            <a:schemeClr val="accent1"/>
+          </a:fillRef>
+          <a:effectRef idx="0">
+            <a:schemeClr val="accent1"/>
+          </a:effectRef>
+          <a:fontRef idx="minor">
+            <a:schemeClr val="tx1"/>
+          </a:fontRef>
+        </p:style>
+      </p:cxnSp>
+      <p:cxnSp>
+        <p:nvCxnSpPr>
+          <p:cNvPr id="18" name="직선 연결선 17">
+            <a:extLst>
+              <a:ext uri="{FF2B5EF4-FFF2-40B4-BE49-F238E27FC236}">
+                <a16:creationId xmlns:a16="http://schemas.microsoft.com/office/drawing/2014/main" xmlns="" id="{2CDE6C41-C510-4345-AADD-7065230F4662}"/>
+              </a:ext>
+            </a:extLst>
+          </p:cNvPr>
+          <p:cNvCxnSpPr>
+            <a:cxnSpLocks/>
+          </p:cNvCxnSpPr>
+          <p:nvPr/>
+        </p:nvCxnSpPr>
+        <p:spPr>
+          <a:xfrm>
+            <a:off x="0" y="9146970"/>
             <a:ext cx="13032000" cy="0"/>
           </a:xfrm>
           <a:prstGeom prst="line">
@@ -5389,7 +6142,7 @@
     </p:spTree>
     <p:extLst>
       <p:ext uri="{BB962C8B-B14F-4D97-AF65-F5344CB8AC3E}">
-        <p14:creationId xmlns:p14="http://schemas.microsoft.com/office/powerpoint/2010/main" val="3142644115"/>
+        <p14:creationId xmlns:p14="http://schemas.microsoft.com/office/powerpoint/2010/main" val="876511679"/>
       </p:ext>
     </p:extLst>
   </p:cSld>
